--- a/Presentaion on FreeBSD/FreeBSD Facilities and the Kernel.pptx
+++ b/Presentaion on FreeBSD/FreeBSD Facilities and the Kernel.pptx
@@ -5,58 +5,56 @@
     <p:sldMasterId id="2147483671" r:id="rId1"/>
   </p:sldMasterIdLst>
   <p:notesMasterIdLst>
-    <p:notesMasterId r:id="rId9"/>
+    <p:notesMasterId r:id="rId10"/>
   </p:notesMasterIdLst>
   <p:sldIdLst>
     <p:sldId id="320" r:id="rId2"/>
     <p:sldId id="339" r:id="rId3"/>
-    <p:sldId id="329" r:id="rId4"/>
-    <p:sldId id="334" r:id="rId5"/>
-    <p:sldId id="336" r:id="rId6"/>
-    <p:sldId id="337" r:id="rId7"/>
-    <p:sldId id="338" r:id="rId8"/>
+    <p:sldId id="343" r:id="rId4"/>
+    <p:sldId id="329" r:id="rId5"/>
+    <p:sldId id="334" r:id="rId6"/>
+    <p:sldId id="340" r:id="rId7"/>
+    <p:sldId id="341" r:id="rId8"/>
+    <p:sldId id="342" r:id="rId9"/>
   </p:sldIdLst>
   <p:sldSz cx="9144000" cy="5143500" type="screen16x9"/>
   <p:notesSz cx="6858000" cy="9144000"/>
   <p:embeddedFontLst>
     <p:embeddedFont>
       <p:font typeface="Abel" panose="02000506030000020004" pitchFamily="2" charset="0"/>
-      <p:regular r:id="rId10"/>
+      <p:regular r:id="rId11"/>
+    </p:embeddedFont>
+    <p:embeddedFont>
+      <p:font typeface="ADLaM Display" panose="02010000000000000000" pitchFamily="2" charset="0"/>
+      <p:regular r:id="rId12"/>
     </p:embeddedFont>
     <p:embeddedFont>
       <p:font typeface="Bahiana" panose="020B0604020202020204" charset="0"/>
-      <p:regular r:id="rId11"/>
-    </p:embeddedFont>
-    <p:embeddedFont>
-      <p:font typeface="Calibri" panose="020F0502020204030204" pitchFamily="34" charset="0"/>
-      <p:regular r:id="rId12"/>
-      <p:bold r:id="rId13"/>
-      <p:italic r:id="rId14"/>
-      <p:boldItalic r:id="rId15"/>
+      <p:regular r:id="rId13"/>
     </p:embeddedFont>
     <p:embeddedFont>
       <p:font typeface="Fira Sans Extra Condensed Medium" panose="020B0604020202020204" charset="0"/>
-      <p:regular r:id="rId16"/>
-      <p:bold r:id="rId17"/>
-      <p:italic r:id="rId18"/>
-      <p:boldItalic r:id="rId19"/>
+      <p:regular r:id="rId14"/>
+      <p:bold r:id="rId15"/>
+      <p:italic r:id="rId16"/>
+      <p:boldItalic r:id="rId17"/>
     </p:embeddedFont>
     <p:embeddedFont>
       <p:font typeface="Hepta Slab Medium" panose="020B0604020202020204" charset="0"/>
+      <p:regular r:id="rId18"/>
+      <p:bold r:id="rId19"/>
+    </p:embeddedFont>
+    <p:embeddedFont>
+      <p:font typeface="Hepta Slab SemiBold" panose="020B0604020202020204" charset="0"/>
       <p:regular r:id="rId20"/>
       <p:bold r:id="rId21"/>
     </p:embeddedFont>
     <p:embeddedFont>
-      <p:font typeface="Hepta Slab SemiBold" panose="020B0604020202020204" charset="0"/>
+      <p:font typeface="Sansita" panose="020B0604020202020204" charset="0"/>
       <p:regular r:id="rId22"/>
       <p:bold r:id="rId23"/>
-    </p:embeddedFont>
-    <p:embeddedFont>
-      <p:font typeface="Sansita" panose="020B0604020202020204" charset="0"/>
-      <p:regular r:id="rId24"/>
-      <p:bold r:id="rId25"/>
-      <p:italic r:id="rId26"/>
-      <p:boldItalic r:id="rId27"/>
+      <p:italic r:id="rId24"/>
+      <p:boldItalic r:id="rId25"/>
     </p:embeddedFont>
   </p:embeddedFontLst>
   <p:defaultTextStyle>
@@ -1058,14 +1056,14 @@
               </a:spcAft>
               <a:buNone/>
             </a:pPr>
-            <a:endParaRPr lang="en-US" dirty="0"/>
+            <a:endParaRPr/>
           </a:p>
         </p:txBody>
       </p:sp>
     </p:spTree>
     <p:extLst>
       <p:ext uri="{BB962C8B-B14F-4D97-AF65-F5344CB8AC3E}">
-        <p14:creationId xmlns:p14="http://schemas.microsoft.com/office/powerpoint/2010/main" val="1737279941"/>
+        <p14:creationId xmlns:p14="http://schemas.microsoft.com/office/powerpoint/2010/main" val="4092365047"/>
       </p:ext>
     </p:extLst>
   </p:cSld>
@@ -1167,14 +1165,14 @@
               </a:spcAft>
               <a:buNone/>
             </a:pPr>
-            <a:endParaRPr/>
+            <a:endParaRPr lang="en-US" dirty="0"/>
           </a:p>
         </p:txBody>
       </p:sp>
     </p:spTree>
     <p:extLst>
       <p:ext uri="{BB962C8B-B14F-4D97-AF65-F5344CB8AC3E}">
-        <p14:creationId xmlns:p14="http://schemas.microsoft.com/office/powerpoint/2010/main" val="3287565581"/>
+        <p14:creationId xmlns:p14="http://schemas.microsoft.com/office/powerpoint/2010/main" val="1737279941"/>
       </p:ext>
     </p:extLst>
   </p:cSld>
@@ -1283,7 +1281,7 @@
     </p:spTree>
     <p:extLst>
       <p:ext uri="{BB962C8B-B14F-4D97-AF65-F5344CB8AC3E}">
-        <p14:creationId xmlns:p14="http://schemas.microsoft.com/office/powerpoint/2010/main" val="561226532"/>
+        <p14:creationId xmlns:p14="http://schemas.microsoft.com/office/powerpoint/2010/main" val="3287565581"/>
       </p:ext>
     </p:extLst>
   </p:cSld>
@@ -1392,7 +1390,7 @@
     </p:spTree>
     <p:extLst>
       <p:ext uri="{BB962C8B-B14F-4D97-AF65-F5344CB8AC3E}">
-        <p14:creationId xmlns:p14="http://schemas.microsoft.com/office/powerpoint/2010/main" val="3726318160"/>
+        <p14:creationId xmlns:p14="http://schemas.microsoft.com/office/powerpoint/2010/main" val="2460060119"/>
       </p:ext>
     </p:extLst>
   </p:cSld>
@@ -1501,7 +1499,116 @@
     </p:spTree>
     <p:extLst>
       <p:ext uri="{BB962C8B-B14F-4D97-AF65-F5344CB8AC3E}">
-        <p14:creationId xmlns:p14="http://schemas.microsoft.com/office/powerpoint/2010/main" val="1566531505"/>
+        <p14:creationId xmlns:p14="http://schemas.microsoft.com/office/powerpoint/2010/main" val="833088069"/>
+      </p:ext>
+    </p:extLst>
+  </p:cSld>
+  <p:clrMapOvr>
+    <a:masterClrMapping/>
+  </p:clrMapOvr>
+</p:notes>
+</file>
+
+<file path=ppt/notesSlides/notesSlide8.xml><?xml version="1.0" encoding="utf-8"?>
+<p:notes xmlns:a="http://schemas.openxmlformats.org/drawingml/2006/main" xmlns:r="http://schemas.openxmlformats.org/officeDocument/2006/relationships" xmlns:p="http://schemas.openxmlformats.org/presentationml/2006/main" showMasterSp="0" showMasterPhAnim="0">
+  <p:cSld>
+    <p:spTree>
+      <p:nvGrpSpPr>
+        <p:cNvPr id="1" name="Shape 251"/>
+        <p:cNvGrpSpPr/>
+        <p:nvPr/>
+      </p:nvGrpSpPr>
+      <p:grpSpPr>
+        <a:xfrm>
+          <a:off x="0" y="0"/>
+          <a:ext cx="0" cy="0"/>
+          <a:chOff x="0" y="0"/>
+          <a:chExt cx="0" cy="0"/>
+        </a:xfrm>
+      </p:grpSpPr>
+      <p:sp>
+        <p:nvSpPr>
+          <p:cNvPr id="252" name="Google Shape;252;g6be81bf08b_0_12019:notes"/>
+          <p:cNvSpPr>
+            <a:spLocks noGrp="1" noRot="1" noChangeAspect="1"/>
+          </p:cNvSpPr>
+          <p:nvPr>
+            <p:ph type="sldImg" idx="2"/>
+          </p:nvPr>
+        </p:nvSpPr>
+        <p:spPr>
+          <a:xfrm>
+            <a:off x="381000" y="685800"/>
+            <a:ext cx="6096000" cy="3429000"/>
+          </a:xfrm>
+          <a:custGeom>
+            <a:avLst/>
+            <a:gdLst/>
+            <a:ahLst/>
+            <a:cxnLst/>
+            <a:rect l="l" t="t" r="r" b="b"/>
+            <a:pathLst>
+              <a:path w="120000" h="120000" extrusionOk="0">
+                <a:moveTo>
+                  <a:pt x="0" y="0"/>
+                </a:moveTo>
+                <a:lnTo>
+                  <a:pt x="120000" y="0"/>
+                </a:lnTo>
+                <a:lnTo>
+                  <a:pt x="120000" y="120000"/>
+                </a:lnTo>
+                <a:lnTo>
+                  <a:pt x="0" y="120000"/>
+                </a:lnTo>
+                <a:close/>
+              </a:path>
+            </a:pathLst>
+          </a:custGeom>
+        </p:spPr>
+      </p:sp>
+      <p:sp>
+        <p:nvSpPr>
+          <p:cNvPr id="253" name="Google Shape;253;g6be81bf08b_0_12019:notes"/>
+          <p:cNvSpPr txBox="1">
+            <a:spLocks noGrp="1"/>
+          </p:cNvSpPr>
+          <p:nvPr>
+            <p:ph type="body" idx="1"/>
+          </p:nvPr>
+        </p:nvSpPr>
+        <p:spPr>
+          <a:xfrm>
+            <a:off x="685800" y="4343400"/>
+            <a:ext cx="5486400" cy="4114800"/>
+          </a:xfrm>
+          <a:prstGeom prst="rect">
+            <a:avLst/>
+          </a:prstGeom>
+        </p:spPr>
+        <p:txBody>
+          <a:bodyPr spcFirstLastPara="1" wrap="square" lIns="91425" tIns="91425" rIns="91425" bIns="91425" anchor="t" anchorCtr="0">
+            <a:noAutofit/>
+          </a:bodyPr>
+          <a:lstStyle/>
+          <a:p>
+            <a:pPr marL="0" lvl="0" indent="0" algn="l" rtl="0">
+              <a:spcBef>
+                <a:spcPts val="0"/>
+              </a:spcBef>
+              <a:spcAft>
+                <a:spcPts val="0"/>
+              </a:spcAft>
+              <a:buNone/>
+            </a:pPr>
+            <a:endParaRPr/>
+          </a:p>
+        </p:txBody>
+      </p:sp>
+    </p:spTree>
+    <p:extLst>
+      <p:ext uri="{BB962C8B-B14F-4D97-AF65-F5344CB8AC3E}">
+        <p14:creationId xmlns:p14="http://schemas.microsoft.com/office/powerpoint/2010/main" val="3863864063"/>
       </p:ext>
     </p:extLst>
   </p:cSld>
@@ -6716,8 +6823,8 @@
         </p:nvSpPr>
         <p:spPr>
           <a:xfrm>
-            <a:off x="717125" y="2015945"/>
-            <a:ext cx="5292558" cy="1929220"/>
+            <a:off x="1261871" y="1770340"/>
+            <a:ext cx="6620253" cy="2955334"/>
           </a:xfrm>
           <a:prstGeom prst="roundRect">
             <a:avLst>
@@ -6735,7 +6842,7 @@
           </a:bodyPr>
           <a:lstStyle/>
           <a:p>
-            <a:pPr marL="0" marR="0">
+            <a:pPr marL="0" marR="0" algn="ctr">
               <a:lnSpc>
                 <a:spcPct val="107000"/>
               </a:lnSpc>
@@ -6747,32 +6854,32 @@
               </a:spcAft>
             </a:pPr>
             <a:r>
-              <a:rPr lang="en-US" sz="1800" dirty="0">
+              <a:rPr lang="en-US" sz="2400" b="1" dirty="0">
                 <a:effectLst/>
-                <a:latin typeface="Calibri" panose="020F0502020204030204" pitchFamily="34" charset="0"/>
-                <a:ea typeface="Calibri" panose="020F0502020204030204" pitchFamily="34" charset="0"/>
-                <a:cs typeface="Times New Roman" panose="02020603050405020304" pitchFamily="18" charset="0"/>
+                <a:latin typeface="Abel" panose="02000506030000020004" pitchFamily="2" charset="0"/>
+                <a:ea typeface="ADLaM Display" panose="02010000000000000000" pitchFamily="2" charset="0"/>
+                <a:cs typeface="ADLaM Display" panose="02010000000000000000" pitchFamily="2" charset="0"/>
               </a:rPr>
               <a:t>The Kernel is part of the system that runs in protected mode and is responsible for managing hardware resources and providing fundamental services to other software components by managing processes and providing functions called </a:t>
             </a:r>
             <a:r>
-              <a:rPr lang="en-US" sz="1800" dirty="0">
+              <a:rPr lang="en-US" sz="2400" b="1" dirty="0">
                 <a:solidFill>
                   <a:srgbClr val="EC2A02"/>
                 </a:solidFill>
                 <a:effectLst/>
-                <a:latin typeface="Calibri" panose="020F0502020204030204" pitchFamily="34" charset="0"/>
-                <a:ea typeface="Calibri" panose="020F0502020204030204" pitchFamily="34" charset="0"/>
-                <a:cs typeface="Times New Roman" panose="02020603050405020304" pitchFamily="18" charset="0"/>
+                <a:latin typeface="Abel" panose="02000506030000020004" pitchFamily="2" charset="0"/>
+                <a:ea typeface="ADLaM Display" panose="02010000000000000000" pitchFamily="2" charset="0"/>
+                <a:cs typeface="ADLaM Display" panose="02010000000000000000" pitchFamily="2" charset="0"/>
               </a:rPr>
               <a:t>system calls </a:t>
             </a:r>
             <a:r>
-              <a:rPr lang="en-US" sz="1800" dirty="0">
+              <a:rPr lang="en-US" sz="2400" b="1" dirty="0">
                 <a:effectLst/>
-                <a:latin typeface="Calibri" panose="020F0502020204030204" pitchFamily="34" charset="0"/>
-                <a:ea typeface="Calibri" panose="020F0502020204030204" pitchFamily="34" charset="0"/>
-                <a:cs typeface="Times New Roman" panose="02020603050405020304" pitchFamily="18" charset="0"/>
+                <a:latin typeface="Abel" panose="02000506030000020004" pitchFamily="2" charset="0"/>
+                <a:ea typeface="ADLaM Display" panose="02010000000000000000" pitchFamily="2" charset="0"/>
+                <a:cs typeface="ADLaM Display" panose="02010000000000000000" pitchFamily="2" charset="0"/>
               </a:rPr>
               <a:t>to access the filesystem and communication facilities.</a:t>
             </a:r>
@@ -6793,8 +6900,8 @@
         </p:nvSpPr>
         <p:spPr>
           <a:xfrm>
-            <a:off x="717125" y="1236960"/>
-            <a:ext cx="1704013" cy="461665"/>
+            <a:off x="3608783" y="1199301"/>
+            <a:ext cx="1926427" cy="461665"/>
           </a:xfrm>
           <a:prstGeom prst="rect">
             <a:avLst/>
@@ -6807,8 +6914,13 @@
           </a:bodyPr>
           <a:lstStyle/>
           <a:p>
+            <a:pPr algn="ctr"/>
             <a:r>
-              <a:rPr lang="en-US" sz="2400" dirty="0"/>
+              <a:rPr lang="en-US" sz="2400" b="1" dirty="0">
+                <a:latin typeface="Abel" panose="02000506030000020004" pitchFamily="2" charset="0"/>
+                <a:ea typeface="ADLaM Display" panose="02010000000000000000" pitchFamily="2" charset="0"/>
+                <a:cs typeface="ADLaM Display" panose="02010000000000000000" pitchFamily="2" charset="0"/>
+              </a:rPr>
               <a:t>The Kernel</a:t>
             </a:r>
           </a:p>
@@ -8404,8 +8516,8 @@
         </p:nvSpPr>
         <p:spPr>
           <a:xfrm>
-            <a:off x="700231" y="1698626"/>
-            <a:ext cx="5434956" cy="3065825"/>
+            <a:off x="1274185" y="1843244"/>
+            <a:ext cx="6595628" cy="2039111"/>
           </a:xfrm>
           <a:prstGeom prst="roundRect">
             <a:avLst>
@@ -8423,7 +8535,7 @@
           </a:bodyPr>
           <a:lstStyle/>
           <a:p>
-            <a:pPr marL="285750" marR="0" indent="-285750">
+            <a:pPr marR="0" algn="ctr">
               <a:lnSpc>
                 <a:spcPct val="107000"/>
               </a:lnSpc>
@@ -8433,112 +8545,89 @@
               <a:spcAft>
                 <a:spcPts val="800"/>
               </a:spcAft>
-              <a:buFont typeface="Arial" panose="020B0604020202020204" pitchFamily="34" charset="0"/>
-              <a:buChar char="•"/>
             </a:pPr>
             <a:r>
-              <a:rPr lang="en-US" sz="1800" dirty="0">
+              <a:rPr lang="en-US" sz="1800" b="1" dirty="0">
                 <a:effectLst/>
-                <a:latin typeface="Calibri" panose="020F0502020204030204" pitchFamily="34" charset="0"/>
-                <a:ea typeface="Calibri" panose="020F0502020204030204" pitchFamily="34" charset="0"/>
-                <a:cs typeface="Times New Roman" panose="02020603050405020304" pitchFamily="18" charset="0"/>
+                <a:latin typeface="Abel" panose="02000506030000020004" pitchFamily="2" charset="0"/>
+                <a:ea typeface="ADLaM Display" panose="02010000000000000000" pitchFamily="2" charset="0"/>
+                <a:cs typeface="ADLaM Display" panose="02010000000000000000" pitchFamily="2" charset="0"/>
               </a:rPr>
               <a:t>Unlike the earliest versions of UNIX, the FreeBSD Kernel </a:t>
             </a:r>
             <a:r>
-              <a:rPr lang="en-US" sz="1800" i="1" dirty="0">
+              <a:rPr lang="en-US" sz="1800" b="1" i="1" dirty="0">
                 <a:solidFill>
                   <a:srgbClr val="EC2A02"/>
                 </a:solidFill>
                 <a:effectLst/>
-                <a:latin typeface="Calibri" panose="020F0502020204030204" pitchFamily="34" charset="0"/>
-                <a:ea typeface="Calibri" panose="020F0502020204030204" pitchFamily="34" charset="0"/>
-                <a:cs typeface="Times New Roman" panose="02020603050405020304" pitchFamily="18" charset="0"/>
+                <a:latin typeface="Abel" panose="02000506030000020004" pitchFamily="2" charset="0"/>
+                <a:ea typeface="ADLaM Display" panose="02010000000000000000" pitchFamily="2" charset="0"/>
+                <a:cs typeface="ADLaM Display" panose="02010000000000000000" pitchFamily="2" charset="0"/>
               </a:rPr>
               <a:t>is not</a:t>
             </a:r>
             <a:r>
-              <a:rPr lang="en-US" sz="1800" dirty="0">
+              <a:rPr lang="en-US" sz="1800" b="1" dirty="0">
                 <a:solidFill>
                   <a:srgbClr val="EC2A02"/>
                 </a:solidFill>
                 <a:effectLst/>
-                <a:latin typeface="Calibri" panose="020F0502020204030204" pitchFamily="34" charset="0"/>
-                <a:ea typeface="Calibri" panose="020F0502020204030204" pitchFamily="34" charset="0"/>
-                <a:cs typeface="Times New Roman" panose="02020603050405020304" pitchFamily="18" charset="0"/>
+                <a:latin typeface="Abel" panose="02000506030000020004" pitchFamily="2" charset="0"/>
+                <a:ea typeface="ADLaM Display" panose="02010000000000000000" pitchFamily="2" charset="0"/>
+                <a:cs typeface="ADLaM Display" panose="02010000000000000000" pitchFamily="2" charset="0"/>
               </a:rPr>
               <a:t> </a:t>
             </a:r>
             <a:r>
-              <a:rPr lang="en-US" sz="1800" dirty="0">
+              <a:rPr lang="en-US" sz="1800" b="1" dirty="0">
                 <a:effectLst/>
-                <a:latin typeface="Calibri" panose="020F0502020204030204" pitchFamily="34" charset="0"/>
-                <a:ea typeface="Calibri" panose="020F0502020204030204" pitchFamily="34" charset="0"/>
-                <a:cs typeface="Times New Roman" panose="02020603050405020304" pitchFamily="18" charset="0"/>
+                <a:latin typeface="Abel" panose="02000506030000020004" pitchFamily="2" charset="0"/>
+                <a:ea typeface="ADLaM Display" panose="02010000000000000000" pitchFamily="2" charset="0"/>
+                <a:cs typeface="ADLaM Display" panose="02010000000000000000" pitchFamily="2" charset="0"/>
               </a:rPr>
               <a:t>partitioned into multiple processes. The monolithic kernel was chosen for simplicity and performance.</a:t>
             </a:r>
           </a:p>
           <a:p>
-            <a:pPr marL="285750" indent="-285750">
+            <a:pPr algn="ctr">
               <a:lnSpc>
                 <a:spcPct val="107000"/>
               </a:lnSpc>
               <a:spcAft>
                 <a:spcPts val="800"/>
               </a:spcAft>
-              <a:buFont typeface="Arial" panose="020B0604020202020204" pitchFamily="34" charset="0"/>
-              <a:buChar char="•"/>
             </a:pPr>
             <a:r>
-              <a:rPr lang="en-US" sz="1800" dirty="0">
+              <a:rPr lang="en-US" sz="1800" b="1" dirty="0">
                 <a:effectLst/>
-                <a:latin typeface="Calibri" panose="020F0502020204030204" pitchFamily="34" charset="0"/>
-                <a:ea typeface="Calibri" panose="020F0502020204030204" pitchFamily="34" charset="0"/>
-                <a:cs typeface="Times New Roman" panose="02020603050405020304" pitchFamily="18" charset="0"/>
+                <a:latin typeface="Abel" panose="02000506030000020004" pitchFamily="2" charset="0"/>
+                <a:ea typeface="ADLaM Display" panose="02010000000000000000" pitchFamily="2" charset="0"/>
+                <a:cs typeface="ADLaM Display" panose="02010000000000000000" pitchFamily="2" charset="0"/>
               </a:rPr>
               <a:t>Users mostly interact with the system through a CLI called a </a:t>
             </a:r>
             <a:r>
-              <a:rPr lang="en-US" sz="1800" dirty="0">
+              <a:rPr lang="en-US" sz="1800" b="1" dirty="0">
                 <a:solidFill>
                   <a:srgbClr val="EC2A02"/>
                 </a:solidFill>
                 <a:effectLst/>
-                <a:latin typeface="Calibri" panose="020F0502020204030204" pitchFamily="34" charset="0"/>
-                <a:ea typeface="Calibri" panose="020F0502020204030204" pitchFamily="34" charset="0"/>
-                <a:cs typeface="Times New Roman" panose="02020603050405020304" pitchFamily="18" charset="0"/>
+                <a:latin typeface="Abel" panose="02000506030000020004" pitchFamily="2" charset="0"/>
+                <a:ea typeface="ADLaM Display" panose="02010000000000000000" pitchFamily="2" charset="0"/>
+                <a:cs typeface="ADLaM Display" panose="02010000000000000000" pitchFamily="2" charset="0"/>
               </a:rPr>
               <a:t>Shell</a:t>
             </a:r>
             <a:r>
-              <a:rPr lang="en-US" sz="1800" dirty="0">
+              <a:rPr lang="en-US" sz="1800" b="1" dirty="0">
                 <a:effectLst/>
-                <a:latin typeface="Calibri" panose="020F0502020204030204" pitchFamily="34" charset="0"/>
-                <a:ea typeface="Calibri" panose="020F0502020204030204" pitchFamily="34" charset="0"/>
-                <a:cs typeface="Times New Roman" panose="02020603050405020304" pitchFamily="18" charset="0"/>
+                <a:latin typeface="Abel" panose="02000506030000020004" pitchFamily="2" charset="0"/>
+                <a:ea typeface="ADLaM Display" panose="02010000000000000000" pitchFamily="2" charset="0"/>
+                <a:cs typeface="ADLaM Display" panose="02010000000000000000" pitchFamily="2" charset="0"/>
               </a:rPr>
               <a:t>, and through additional user application programs. Both are implemented with processes rather than being part of the Kernel.</a:t>
             </a:r>
-          </a:p>
-          <a:p>
-            <a:pPr marL="0" marR="0">
-              <a:lnSpc>
-                <a:spcPct val="107000"/>
-              </a:lnSpc>
-              <a:spcBef>
-                <a:spcPts val="0"/>
-              </a:spcBef>
-              <a:spcAft>
-                <a:spcPts val="800"/>
-              </a:spcAft>
-            </a:pPr>
-            <a:endParaRPr lang="en-US" sz="1800" dirty="0">
-              <a:effectLst/>
-              <a:latin typeface="Calibri" panose="020F0502020204030204" pitchFamily="34" charset="0"/>
-              <a:ea typeface="Calibri" panose="020F0502020204030204" pitchFamily="34" charset="0"/>
-              <a:cs typeface="Times New Roman" panose="02020603050405020304" pitchFamily="18" charset="0"/>
-            </a:endParaRPr>
           </a:p>
         </p:txBody>
       </p:sp>
@@ -8556,7 +8645,7 @@
         </p:nvSpPr>
         <p:spPr>
           <a:xfrm>
-            <a:off x="717125" y="1236961"/>
+            <a:off x="1511639" y="1292929"/>
             <a:ext cx="6297725" cy="461665"/>
           </a:xfrm>
           <a:prstGeom prst="rect">
@@ -8570,8 +8659,13 @@
           </a:bodyPr>
           <a:lstStyle/>
           <a:p>
+            <a:pPr algn="ctr"/>
             <a:r>
-              <a:rPr lang="en-US" sz="2400" dirty="0"/>
+              <a:rPr lang="en-US" sz="2400" b="1" dirty="0">
+                <a:latin typeface="Abel" panose="02000506030000020004" pitchFamily="2" charset="0"/>
+                <a:ea typeface="ADLaM Display" panose="02010000000000000000" pitchFamily="2" charset="0"/>
+                <a:cs typeface="ADLaM Display" panose="02010000000000000000" pitchFamily="2" charset="0"/>
+              </a:rPr>
               <a:t>Difference between UNIX &amp; FreeBSD Kernel</a:t>
             </a:r>
           </a:p>
@@ -8587,13 +8681,13 @@
   <p:clrMapOvr>
     <a:masterClrMapping/>
   </p:clrMapOvr>
-  <mc:AlternateContent xmlns:mc="http://schemas.openxmlformats.org/markup-compatibility/2006">
-    <mc:Choice xmlns:p159="http://schemas.microsoft.com/office/powerpoint/2015/09/main" Requires="p159">
+  <mc:AlternateContent xmlns:mc="http://schemas.openxmlformats.org/markup-compatibility/2006" xmlns:p159="http://schemas.microsoft.com/office/powerpoint/2015/09/main">
+    <mc:Choice Requires="p159">
       <p:transition xmlns:p14="http://schemas.microsoft.com/office/powerpoint/2010/main" spd="slow" p14:dur="2000">
         <p159:morph option="byObject"/>
       </p:transition>
     </mc:Choice>
-    <mc:Fallback>
+    <mc:Fallback xmlns="">
       <p:transition spd="slow">
         <p:fade/>
       </p:transition>
@@ -8603,6 +8697,1748 @@
 </file>
 
 <file path=ppt/slides/slide3.xml><?xml version="1.0" encoding="utf-8"?>
+<p:sld xmlns:a="http://schemas.openxmlformats.org/drawingml/2006/main" xmlns:r="http://schemas.openxmlformats.org/officeDocument/2006/relationships" xmlns:p="http://schemas.openxmlformats.org/presentationml/2006/main">
+  <p:cSld>
+    <p:spTree>
+      <p:nvGrpSpPr>
+        <p:cNvPr id="1" name="Shape 254"/>
+        <p:cNvGrpSpPr/>
+        <p:nvPr/>
+      </p:nvGrpSpPr>
+      <p:grpSpPr>
+        <a:xfrm>
+          <a:off x="0" y="0"/>
+          <a:ext cx="0" cy="0"/>
+          <a:chOff x="0" y="0"/>
+          <a:chExt cx="0" cy="0"/>
+        </a:xfrm>
+      </p:grpSpPr>
+      <p:sp>
+        <p:nvSpPr>
+          <p:cNvPr id="406" name="Google Shape;406;p28"/>
+          <p:cNvSpPr/>
+          <p:nvPr/>
+        </p:nvSpPr>
+        <p:spPr>
+          <a:xfrm>
+            <a:off x="2242407" y="533882"/>
+            <a:ext cx="673800" cy="673800"/>
+          </a:xfrm>
+          <a:prstGeom prst="ellipse">
+            <a:avLst/>
+          </a:prstGeom>
+          <a:noFill/>
+          <a:ln>
+            <a:noFill/>
+          </a:ln>
+          <a:effectLst>
+            <a:outerShdw blurRad="57150" dist="19050" dir="5400000" algn="bl" rotWithShape="0">
+              <a:schemeClr val="accent5">
+                <a:alpha val="50000"/>
+              </a:schemeClr>
+            </a:outerShdw>
+          </a:effectLst>
+        </p:spPr>
+        <p:txBody>
+          <a:bodyPr spcFirstLastPara="1" wrap="square" lIns="91425" tIns="91425" rIns="91425" bIns="91425" anchor="ctr" anchorCtr="0">
+            <a:noAutofit/>
+          </a:bodyPr>
+          <a:lstStyle/>
+          <a:p>
+            <a:pPr marL="0" lvl="0" indent="0" algn="l" rtl="0">
+              <a:spcBef>
+                <a:spcPts val="0"/>
+              </a:spcBef>
+              <a:spcAft>
+                <a:spcPts val="0"/>
+              </a:spcAft>
+              <a:buNone/>
+            </a:pPr>
+            <a:endParaRPr/>
+          </a:p>
+        </p:txBody>
+      </p:sp>
+      <p:sp>
+        <p:nvSpPr>
+          <p:cNvPr id="408" name="Google Shape;408;p28"/>
+          <p:cNvSpPr/>
+          <p:nvPr/>
+        </p:nvSpPr>
+        <p:spPr>
+          <a:xfrm>
+            <a:off x="2242407" y="2956457"/>
+            <a:ext cx="673800" cy="673800"/>
+          </a:xfrm>
+          <a:prstGeom prst="ellipse">
+            <a:avLst/>
+          </a:prstGeom>
+          <a:noFill/>
+          <a:ln>
+            <a:noFill/>
+          </a:ln>
+          <a:effectLst>
+            <a:outerShdw blurRad="57150" dist="19050" dir="5400000" algn="bl" rotWithShape="0">
+              <a:schemeClr val="accent5">
+                <a:alpha val="50000"/>
+              </a:schemeClr>
+            </a:outerShdw>
+          </a:effectLst>
+        </p:spPr>
+        <p:txBody>
+          <a:bodyPr spcFirstLastPara="1" wrap="square" lIns="91425" tIns="91425" rIns="91425" bIns="91425" anchor="ctr" anchorCtr="0">
+            <a:noAutofit/>
+          </a:bodyPr>
+          <a:lstStyle/>
+          <a:p>
+            <a:pPr marL="0" lvl="0" indent="0" algn="l" rtl="0">
+              <a:spcBef>
+                <a:spcPts val="0"/>
+              </a:spcBef>
+              <a:spcAft>
+                <a:spcPts val="0"/>
+              </a:spcAft>
+              <a:buNone/>
+            </a:pPr>
+            <a:endParaRPr/>
+          </a:p>
+        </p:txBody>
+      </p:sp>
+      <p:grpSp>
+        <p:nvGrpSpPr>
+          <p:cNvPr id="3" name="Google Shape;503;p30">
+            <a:extLst>
+              <a:ext uri="{FF2B5EF4-FFF2-40B4-BE49-F238E27FC236}">
+                <a16:creationId xmlns:a16="http://schemas.microsoft.com/office/drawing/2014/main" id="{BB05049E-7C55-A589-B7B6-8269EFA79F41}"/>
+              </a:ext>
+            </a:extLst>
+          </p:cNvPr>
+          <p:cNvGrpSpPr/>
+          <p:nvPr/>
+        </p:nvGrpSpPr>
+        <p:grpSpPr>
+          <a:xfrm>
+            <a:off x="445050" y="619129"/>
+            <a:ext cx="8253900" cy="4016544"/>
+            <a:chOff x="445050" y="393000"/>
+            <a:chExt cx="8253900" cy="3347700"/>
+          </a:xfrm>
+        </p:grpSpPr>
+        <p:sp>
+          <p:nvSpPr>
+            <p:cNvPr id="5" name="Google Shape;504;p30">
+              <a:extLst>
+                <a:ext uri="{FF2B5EF4-FFF2-40B4-BE49-F238E27FC236}">
+                  <a16:creationId xmlns:a16="http://schemas.microsoft.com/office/drawing/2014/main" id="{6AA8D716-E808-286B-C128-14AC99064135}"/>
+                </a:ext>
+              </a:extLst>
+            </p:cNvPr>
+            <p:cNvSpPr/>
+            <p:nvPr/>
+          </p:nvSpPr>
+          <p:spPr>
+            <a:xfrm>
+              <a:off x="445050" y="393000"/>
+              <a:ext cx="8253900" cy="3347700"/>
+            </a:xfrm>
+            <a:prstGeom prst="roundRect">
+              <a:avLst>
+                <a:gd name="adj" fmla="val 8573"/>
+              </a:avLst>
+            </a:prstGeom>
+            <a:solidFill>
+              <a:srgbClr val="F3F3F3"/>
+            </a:solidFill>
+            <a:ln>
+              <a:noFill/>
+            </a:ln>
+            <a:effectLst>
+              <a:outerShdw blurRad="57150" dist="47625" dir="2940000" algn="bl" rotWithShape="0">
+                <a:srgbClr val="963A2A">
+                  <a:alpha val="47000"/>
+                </a:srgbClr>
+              </a:outerShdw>
+            </a:effectLst>
+          </p:spPr>
+          <p:txBody>
+            <a:bodyPr spcFirstLastPara="1" wrap="square" lIns="91425" tIns="91425" rIns="91425" bIns="91425" anchor="ctr" anchorCtr="0">
+              <a:noAutofit/>
+            </a:bodyPr>
+            <a:lstStyle/>
+            <a:p>
+              <a:pPr marL="0" lvl="0" indent="0" algn="l" rtl="0">
+                <a:spcBef>
+                  <a:spcPts val="0"/>
+                </a:spcBef>
+                <a:spcAft>
+                  <a:spcPts val="0"/>
+                </a:spcAft>
+                <a:buNone/>
+              </a:pPr>
+              <a:endParaRPr/>
+            </a:p>
+          </p:txBody>
+        </p:sp>
+        <p:grpSp>
+          <p:nvGrpSpPr>
+            <p:cNvPr id="7" name="Google Shape;505;p30">
+              <a:extLst>
+                <a:ext uri="{FF2B5EF4-FFF2-40B4-BE49-F238E27FC236}">
+                  <a16:creationId xmlns:a16="http://schemas.microsoft.com/office/drawing/2014/main" id="{60579862-4F9C-7C3A-19A3-E374028E154B}"/>
+                </a:ext>
+              </a:extLst>
+            </p:cNvPr>
+            <p:cNvGrpSpPr/>
+            <p:nvPr/>
+          </p:nvGrpSpPr>
+          <p:grpSpPr>
+            <a:xfrm>
+              <a:off x="445050" y="393000"/>
+              <a:ext cx="8253900" cy="392400"/>
+              <a:chOff x="-8550475" y="393000"/>
+              <a:chExt cx="8253900" cy="392400"/>
+            </a:xfrm>
+          </p:grpSpPr>
+          <p:sp>
+            <p:nvSpPr>
+              <p:cNvPr id="8" name="Google Shape;506;p30">
+                <a:extLst>
+                  <a:ext uri="{FF2B5EF4-FFF2-40B4-BE49-F238E27FC236}">
+                    <a16:creationId xmlns:a16="http://schemas.microsoft.com/office/drawing/2014/main" id="{5E167DFE-804B-12FE-CE99-F38C744EA859}"/>
+                  </a:ext>
+                </a:extLst>
+              </p:cNvPr>
+              <p:cNvSpPr/>
+              <p:nvPr/>
+            </p:nvSpPr>
+            <p:spPr>
+              <a:xfrm>
+                <a:off x="-8550475" y="393000"/>
+                <a:ext cx="8253900" cy="392400"/>
+              </a:xfrm>
+              <a:prstGeom prst="round2SameRect">
+                <a:avLst>
+                  <a:gd name="adj1" fmla="val 38309"/>
+                  <a:gd name="adj2" fmla="val 0"/>
+                </a:avLst>
+              </a:prstGeom>
+              <a:solidFill>
+                <a:srgbClr val="434343"/>
+              </a:solidFill>
+              <a:ln>
+                <a:noFill/>
+              </a:ln>
+            </p:spPr>
+            <p:txBody>
+              <a:bodyPr spcFirstLastPara="1" wrap="square" lIns="91425" tIns="91425" rIns="91425" bIns="91425" anchor="ctr" anchorCtr="0">
+                <a:noAutofit/>
+              </a:bodyPr>
+              <a:lstStyle/>
+              <a:p>
+                <a:pPr marL="0" lvl="0" indent="0" algn="l" rtl="0">
+                  <a:spcBef>
+                    <a:spcPts val="0"/>
+                  </a:spcBef>
+                  <a:spcAft>
+                    <a:spcPts val="0"/>
+                  </a:spcAft>
+                  <a:buNone/>
+                </a:pPr>
+                <a:endParaRPr dirty="0"/>
+              </a:p>
+            </p:txBody>
+          </p:sp>
+          <p:sp>
+            <p:nvSpPr>
+              <p:cNvPr id="9" name="Google Shape;507;p30">
+                <a:extLst>
+                  <a:ext uri="{FF2B5EF4-FFF2-40B4-BE49-F238E27FC236}">
+                    <a16:creationId xmlns:a16="http://schemas.microsoft.com/office/drawing/2014/main" id="{FC6D0673-BBCF-E06A-CEA8-C18C09061A2A}"/>
+                  </a:ext>
+                </a:extLst>
+              </p:cNvPr>
+              <p:cNvSpPr/>
+              <p:nvPr/>
+            </p:nvSpPr>
+            <p:spPr>
+              <a:xfrm>
+                <a:off x="-8397500" y="531300"/>
+                <a:ext cx="119100" cy="119100"/>
+              </a:xfrm>
+              <a:prstGeom prst="ellipse">
+                <a:avLst/>
+              </a:prstGeom>
+              <a:solidFill>
+                <a:schemeClr val="lt2"/>
+              </a:solidFill>
+              <a:ln>
+                <a:noFill/>
+              </a:ln>
+            </p:spPr>
+            <p:txBody>
+              <a:bodyPr spcFirstLastPara="1" wrap="square" lIns="91425" tIns="91425" rIns="91425" bIns="91425" anchor="ctr" anchorCtr="0">
+                <a:noAutofit/>
+              </a:bodyPr>
+              <a:lstStyle/>
+              <a:p>
+                <a:pPr marL="0" lvl="0" indent="0" algn="l" rtl="0">
+                  <a:spcBef>
+                    <a:spcPts val="0"/>
+                  </a:spcBef>
+                  <a:spcAft>
+                    <a:spcPts val="0"/>
+                  </a:spcAft>
+                  <a:buNone/>
+                </a:pPr>
+                <a:endParaRPr/>
+              </a:p>
+            </p:txBody>
+          </p:sp>
+          <p:sp>
+            <p:nvSpPr>
+              <p:cNvPr id="10" name="Google Shape;508;p30">
+                <a:extLst>
+                  <a:ext uri="{FF2B5EF4-FFF2-40B4-BE49-F238E27FC236}">
+                    <a16:creationId xmlns:a16="http://schemas.microsoft.com/office/drawing/2014/main" id="{CA2D7C14-61B9-A7A5-80F8-AB7783825E28}"/>
+                  </a:ext>
+                </a:extLst>
+              </p:cNvPr>
+              <p:cNvSpPr/>
+              <p:nvPr/>
+            </p:nvSpPr>
+            <p:spPr>
+              <a:xfrm>
+                <a:off x="-8182900" y="531300"/>
+                <a:ext cx="119100" cy="119100"/>
+              </a:xfrm>
+              <a:prstGeom prst="ellipse">
+                <a:avLst/>
+              </a:prstGeom>
+              <a:solidFill>
+                <a:srgbClr val="FFD966"/>
+              </a:solidFill>
+              <a:ln>
+                <a:noFill/>
+              </a:ln>
+            </p:spPr>
+            <p:txBody>
+              <a:bodyPr spcFirstLastPara="1" wrap="square" lIns="91425" tIns="91425" rIns="91425" bIns="91425" anchor="ctr" anchorCtr="0">
+                <a:noAutofit/>
+              </a:bodyPr>
+              <a:lstStyle/>
+              <a:p>
+                <a:pPr marL="0" lvl="0" indent="0" algn="l" rtl="0">
+                  <a:spcBef>
+                    <a:spcPts val="0"/>
+                  </a:spcBef>
+                  <a:spcAft>
+                    <a:spcPts val="0"/>
+                  </a:spcAft>
+                  <a:buNone/>
+                </a:pPr>
+                <a:endParaRPr/>
+              </a:p>
+            </p:txBody>
+          </p:sp>
+          <p:sp>
+            <p:nvSpPr>
+              <p:cNvPr id="11" name="Google Shape;509;p30">
+                <a:extLst>
+                  <a:ext uri="{FF2B5EF4-FFF2-40B4-BE49-F238E27FC236}">
+                    <a16:creationId xmlns:a16="http://schemas.microsoft.com/office/drawing/2014/main" id="{5A183AAB-1CC0-D25A-D6B6-DFDDA0BB8A08}"/>
+                  </a:ext>
+                </a:extLst>
+              </p:cNvPr>
+              <p:cNvSpPr/>
+              <p:nvPr/>
+            </p:nvSpPr>
+            <p:spPr>
+              <a:xfrm>
+                <a:off x="-7968300" y="531300"/>
+                <a:ext cx="119100" cy="119100"/>
+              </a:xfrm>
+              <a:prstGeom prst="ellipse">
+                <a:avLst/>
+              </a:prstGeom>
+              <a:solidFill>
+                <a:srgbClr val="93C47D"/>
+              </a:solidFill>
+              <a:ln>
+                <a:noFill/>
+              </a:ln>
+            </p:spPr>
+            <p:txBody>
+              <a:bodyPr spcFirstLastPara="1" wrap="square" lIns="91425" tIns="91425" rIns="91425" bIns="91425" anchor="ctr" anchorCtr="0">
+                <a:noAutofit/>
+              </a:bodyPr>
+              <a:lstStyle/>
+              <a:p>
+                <a:pPr marL="0" lvl="0" indent="0" algn="l" rtl="0">
+                  <a:spcBef>
+                    <a:spcPts val="0"/>
+                  </a:spcBef>
+                  <a:spcAft>
+                    <a:spcPts val="0"/>
+                  </a:spcAft>
+                  <a:buNone/>
+                </a:pPr>
+                <a:endParaRPr/>
+              </a:p>
+            </p:txBody>
+          </p:sp>
+        </p:grpSp>
+      </p:grpSp>
+      <p:sp>
+        <p:nvSpPr>
+          <p:cNvPr id="12" name="Title 535">
+            <a:extLst>
+              <a:ext uri="{FF2B5EF4-FFF2-40B4-BE49-F238E27FC236}">
+                <a16:creationId xmlns:a16="http://schemas.microsoft.com/office/drawing/2014/main" id="{426448BC-30FA-5CAF-DBB9-280B95ECB937}"/>
+              </a:ext>
+            </a:extLst>
+          </p:cNvPr>
+          <p:cNvSpPr txBox="1">
+            <a:spLocks/>
+          </p:cNvSpPr>
+          <p:nvPr/>
+        </p:nvSpPr>
+        <p:spPr>
+          <a:xfrm>
+            <a:off x="1194524" y="680318"/>
+            <a:ext cx="2883567" cy="390704"/>
+          </a:xfrm>
+          <a:prstGeom prst="rect">
+            <a:avLst/>
+          </a:prstGeom>
+        </p:spPr>
+        <p:txBody>
+          <a:bodyPr/>
+          <a:lstStyle>
+            <a:defPPr marR="0" lvl="0" algn="l" rtl="0">
+              <a:lnSpc>
+                <a:spcPct val="100000"/>
+              </a:lnSpc>
+              <a:spcBef>
+                <a:spcPts val="0"/>
+              </a:spcBef>
+              <a:spcAft>
+                <a:spcPts val="0"/>
+              </a:spcAft>
+            </a:defPPr>
+            <a:lvl1pPr marR="0" lvl="0" algn="l" rtl="0">
+              <a:lnSpc>
+                <a:spcPct val="100000"/>
+              </a:lnSpc>
+              <a:spcBef>
+                <a:spcPts val="0"/>
+              </a:spcBef>
+              <a:spcAft>
+                <a:spcPts val="0"/>
+              </a:spcAft>
+              <a:buClr>
+                <a:srgbClr val="000000"/>
+              </a:buClr>
+              <a:buFont typeface="Arial"/>
+              <a:defRPr sz="1400" b="0" i="0" u="none" strike="noStrike" cap="none">
+                <a:solidFill>
+                  <a:srgbClr val="000000"/>
+                </a:solidFill>
+                <a:latin typeface="Arial"/>
+                <a:ea typeface="Arial"/>
+                <a:cs typeface="Arial"/>
+                <a:sym typeface="Arial"/>
+              </a:defRPr>
+            </a:lvl1pPr>
+            <a:lvl2pPr marR="0" lvl="1" algn="l" rtl="0">
+              <a:lnSpc>
+                <a:spcPct val="100000"/>
+              </a:lnSpc>
+              <a:spcBef>
+                <a:spcPts val="0"/>
+              </a:spcBef>
+              <a:spcAft>
+                <a:spcPts val="0"/>
+              </a:spcAft>
+              <a:buClr>
+                <a:srgbClr val="000000"/>
+              </a:buClr>
+              <a:buFont typeface="Arial"/>
+              <a:defRPr sz="1400" b="0" i="0" u="none" strike="noStrike" cap="none">
+                <a:solidFill>
+                  <a:srgbClr val="000000"/>
+                </a:solidFill>
+                <a:latin typeface="Arial"/>
+                <a:ea typeface="Arial"/>
+                <a:cs typeface="Arial"/>
+                <a:sym typeface="Arial"/>
+              </a:defRPr>
+            </a:lvl2pPr>
+            <a:lvl3pPr marR="0" lvl="2" algn="l" rtl="0">
+              <a:lnSpc>
+                <a:spcPct val="100000"/>
+              </a:lnSpc>
+              <a:spcBef>
+                <a:spcPts val="0"/>
+              </a:spcBef>
+              <a:spcAft>
+                <a:spcPts val="0"/>
+              </a:spcAft>
+              <a:buClr>
+                <a:srgbClr val="000000"/>
+              </a:buClr>
+              <a:buFont typeface="Arial"/>
+              <a:defRPr sz="1400" b="0" i="0" u="none" strike="noStrike" cap="none">
+                <a:solidFill>
+                  <a:srgbClr val="000000"/>
+                </a:solidFill>
+                <a:latin typeface="Arial"/>
+                <a:ea typeface="Arial"/>
+                <a:cs typeface="Arial"/>
+                <a:sym typeface="Arial"/>
+              </a:defRPr>
+            </a:lvl3pPr>
+            <a:lvl4pPr marR="0" lvl="3" algn="l" rtl="0">
+              <a:lnSpc>
+                <a:spcPct val="100000"/>
+              </a:lnSpc>
+              <a:spcBef>
+                <a:spcPts val="0"/>
+              </a:spcBef>
+              <a:spcAft>
+                <a:spcPts val="0"/>
+              </a:spcAft>
+              <a:buClr>
+                <a:srgbClr val="000000"/>
+              </a:buClr>
+              <a:buFont typeface="Arial"/>
+              <a:defRPr sz="1400" b="0" i="0" u="none" strike="noStrike" cap="none">
+                <a:solidFill>
+                  <a:srgbClr val="000000"/>
+                </a:solidFill>
+                <a:latin typeface="Arial"/>
+                <a:ea typeface="Arial"/>
+                <a:cs typeface="Arial"/>
+                <a:sym typeface="Arial"/>
+              </a:defRPr>
+            </a:lvl4pPr>
+            <a:lvl5pPr marR="0" lvl="4" algn="l" rtl="0">
+              <a:lnSpc>
+                <a:spcPct val="100000"/>
+              </a:lnSpc>
+              <a:spcBef>
+                <a:spcPts val="0"/>
+              </a:spcBef>
+              <a:spcAft>
+                <a:spcPts val="0"/>
+              </a:spcAft>
+              <a:buClr>
+                <a:srgbClr val="000000"/>
+              </a:buClr>
+              <a:buFont typeface="Arial"/>
+              <a:defRPr sz="1400" b="0" i="0" u="none" strike="noStrike" cap="none">
+                <a:solidFill>
+                  <a:srgbClr val="000000"/>
+                </a:solidFill>
+                <a:latin typeface="Arial"/>
+                <a:ea typeface="Arial"/>
+                <a:cs typeface="Arial"/>
+                <a:sym typeface="Arial"/>
+              </a:defRPr>
+            </a:lvl5pPr>
+            <a:lvl6pPr marR="0" lvl="5" algn="l" rtl="0">
+              <a:lnSpc>
+                <a:spcPct val="100000"/>
+              </a:lnSpc>
+              <a:spcBef>
+                <a:spcPts val="0"/>
+              </a:spcBef>
+              <a:spcAft>
+                <a:spcPts val="0"/>
+              </a:spcAft>
+              <a:buClr>
+                <a:srgbClr val="000000"/>
+              </a:buClr>
+              <a:buFont typeface="Arial"/>
+              <a:defRPr sz="1400" b="0" i="0" u="none" strike="noStrike" cap="none">
+                <a:solidFill>
+                  <a:srgbClr val="000000"/>
+                </a:solidFill>
+                <a:latin typeface="Arial"/>
+                <a:ea typeface="Arial"/>
+                <a:cs typeface="Arial"/>
+                <a:sym typeface="Arial"/>
+              </a:defRPr>
+            </a:lvl6pPr>
+            <a:lvl7pPr marR="0" lvl="6" algn="l" rtl="0">
+              <a:lnSpc>
+                <a:spcPct val="100000"/>
+              </a:lnSpc>
+              <a:spcBef>
+                <a:spcPts val="0"/>
+              </a:spcBef>
+              <a:spcAft>
+                <a:spcPts val="0"/>
+              </a:spcAft>
+              <a:buClr>
+                <a:srgbClr val="000000"/>
+              </a:buClr>
+              <a:buFont typeface="Arial"/>
+              <a:defRPr sz="1400" b="0" i="0" u="none" strike="noStrike" cap="none">
+                <a:solidFill>
+                  <a:srgbClr val="000000"/>
+                </a:solidFill>
+                <a:latin typeface="Arial"/>
+                <a:ea typeface="Arial"/>
+                <a:cs typeface="Arial"/>
+                <a:sym typeface="Arial"/>
+              </a:defRPr>
+            </a:lvl7pPr>
+            <a:lvl8pPr marR="0" lvl="7" algn="l" rtl="0">
+              <a:lnSpc>
+                <a:spcPct val="100000"/>
+              </a:lnSpc>
+              <a:spcBef>
+                <a:spcPts val="0"/>
+              </a:spcBef>
+              <a:spcAft>
+                <a:spcPts val="0"/>
+              </a:spcAft>
+              <a:buClr>
+                <a:srgbClr val="000000"/>
+              </a:buClr>
+              <a:buFont typeface="Arial"/>
+              <a:defRPr sz="1400" b="0" i="0" u="none" strike="noStrike" cap="none">
+                <a:solidFill>
+                  <a:srgbClr val="000000"/>
+                </a:solidFill>
+                <a:latin typeface="Arial"/>
+                <a:ea typeface="Arial"/>
+                <a:cs typeface="Arial"/>
+                <a:sym typeface="Arial"/>
+              </a:defRPr>
+            </a:lvl8pPr>
+            <a:lvl9pPr marR="0" lvl="8" algn="l" rtl="0">
+              <a:lnSpc>
+                <a:spcPct val="100000"/>
+              </a:lnSpc>
+              <a:spcBef>
+                <a:spcPts val="0"/>
+              </a:spcBef>
+              <a:spcAft>
+                <a:spcPts val="0"/>
+              </a:spcAft>
+              <a:buClr>
+                <a:srgbClr val="000000"/>
+              </a:buClr>
+              <a:buFont typeface="Arial"/>
+              <a:defRPr sz="1400" b="0" i="0" u="none" strike="noStrike" cap="none">
+                <a:solidFill>
+                  <a:srgbClr val="000000"/>
+                </a:solidFill>
+                <a:latin typeface="Arial"/>
+                <a:ea typeface="Arial"/>
+                <a:cs typeface="Arial"/>
+                <a:sym typeface="Arial"/>
+              </a:defRPr>
+            </a:lvl9pPr>
+          </a:lstStyle>
+          <a:p>
+            <a:r>
+              <a:rPr lang="en-US" sz="1600" b="1" dirty="0">
+                <a:solidFill>
+                  <a:schemeClr val="dk1"/>
+                </a:solidFill>
+                <a:latin typeface="Abel" panose="02000506030000020004" pitchFamily="2" charset="0"/>
+                <a:ea typeface="Abel"/>
+                <a:cs typeface="Abel"/>
+                <a:sym typeface="Abel"/>
+              </a:rPr>
+              <a:t>FreeBSD Facilities and the Kernel</a:t>
+            </a:r>
+            <a:endParaRPr lang="en-US" sz="1800" b="1" dirty="0">
+              <a:solidFill>
+                <a:schemeClr val="tx1"/>
+              </a:solidFill>
+              <a:latin typeface="Abel" panose="02000506030000020004" pitchFamily="2" charset="0"/>
+            </a:endParaRPr>
+          </a:p>
+        </p:txBody>
+      </p:sp>
+      <p:sp>
+        <p:nvSpPr>
+          <p:cNvPr id="2" name="Google Shape;224;p27">
+            <a:extLst>
+              <a:ext uri="{FF2B5EF4-FFF2-40B4-BE49-F238E27FC236}">
+                <a16:creationId xmlns:a16="http://schemas.microsoft.com/office/drawing/2014/main" id="{13425FA2-D645-323A-611D-132F230E8FC3}"/>
+              </a:ext>
+            </a:extLst>
+          </p:cNvPr>
+          <p:cNvSpPr/>
+          <p:nvPr/>
+        </p:nvSpPr>
+        <p:spPr>
+          <a:xfrm>
+            <a:off x="0" y="-1362"/>
+            <a:ext cx="9144000" cy="392400"/>
+          </a:xfrm>
+          <a:prstGeom prst="rect">
+            <a:avLst/>
+          </a:prstGeom>
+          <a:solidFill>
+            <a:srgbClr val="434343"/>
+          </a:solidFill>
+          <a:ln>
+            <a:noFill/>
+          </a:ln>
+        </p:spPr>
+        <p:txBody>
+          <a:bodyPr spcFirstLastPara="1" wrap="square" lIns="91425" tIns="91425" rIns="91425" bIns="91425" anchor="ctr" anchorCtr="0">
+            <a:noAutofit/>
+          </a:bodyPr>
+          <a:lstStyle/>
+          <a:p>
+            <a:pPr marL="0" lvl="0" indent="0" algn="l" rtl="0">
+              <a:spcBef>
+                <a:spcPts val="0"/>
+              </a:spcBef>
+              <a:spcAft>
+                <a:spcPts val="0"/>
+              </a:spcAft>
+              <a:buNone/>
+            </a:pPr>
+            <a:endParaRPr/>
+          </a:p>
+        </p:txBody>
+      </p:sp>
+      <p:sp>
+        <p:nvSpPr>
+          <p:cNvPr id="4" name="Google Shape;225;p27">
+            <a:extLst>
+              <a:ext uri="{FF2B5EF4-FFF2-40B4-BE49-F238E27FC236}">
+                <a16:creationId xmlns:a16="http://schemas.microsoft.com/office/drawing/2014/main" id="{65267A36-851D-9DAE-FB0E-D2CA0615763D}"/>
+              </a:ext>
+            </a:extLst>
+          </p:cNvPr>
+          <p:cNvSpPr/>
+          <p:nvPr/>
+        </p:nvSpPr>
+        <p:spPr>
+          <a:xfrm>
+            <a:off x="-50" y="-1362"/>
+            <a:ext cx="693900" cy="392400"/>
+          </a:xfrm>
+          <a:prstGeom prst="rect">
+            <a:avLst/>
+          </a:prstGeom>
+          <a:solidFill>
+            <a:schemeClr val="accent6"/>
+          </a:solidFill>
+          <a:ln>
+            <a:noFill/>
+          </a:ln>
+        </p:spPr>
+        <p:txBody>
+          <a:bodyPr spcFirstLastPara="1" wrap="square" lIns="91425" tIns="91425" rIns="91425" bIns="91425" anchor="ctr" anchorCtr="0">
+            <a:noAutofit/>
+          </a:bodyPr>
+          <a:lstStyle/>
+          <a:p>
+            <a:pPr marL="0" lvl="0" indent="0" algn="l" rtl="0">
+              <a:spcBef>
+                <a:spcPts val="0"/>
+              </a:spcBef>
+              <a:spcAft>
+                <a:spcPts val="0"/>
+              </a:spcAft>
+              <a:buNone/>
+            </a:pPr>
+            <a:endParaRPr/>
+          </a:p>
+        </p:txBody>
+      </p:sp>
+      <p:sp>
+        <p:nvSpPr>
+          <p:cNvPr id="6" name="Google Shape;226;p27">
+            <a:extLst>
+              <a:ext uri="{FF2B5EF4-FFF2-40B4-BE49-F238E27FC236}">
+                <a16:creationId xmlns:a16="http://schemas.microsoft.com/office/drawing/2014/main" id="{3285A459-24E2-3B69-2256-EBCB2FAAD3A3}"/>
+              </a:ext>
+            </a:extLst>
+          </p:cNvPr>
+          <p:cNvSpPr/>
+          <p:nvPr/>
+        </p:nvSpPr>
+        <p:spPr>
+          <a:xfrm>
+            <a:off x="693867" y="-1362"/>
+            <a:ext cx="1408200" cy="392400"/>
+          </a:xfrm>
+          <a:prstGeom prst="rect">
+            <a:avLst/>
+          </a:prstGeom>
+          <a:solidFill>
+            <a:schemeClr val="lt1"/>
+          </a:solidFill>
+          <a:ln>
+            <a:noFill/>
+          </a:ln>
+        </p:spPr>
+        <p:txBody>
+          <a:bodyPr spcFirstLastPara="1" wrap="square" lIns="91425" tIns="91425" rIns="91425" bIns="91425" anchor="ctr" anchorCtr="0">
+            <a:noAutofit/>
+          </a:bodyPr>
+          <a:lstStyle/>
+          <a:p>
+            <a:pPr marL="0" lvl="0" indent="0" algn="l" rtl="0">
+              <a:spcBef>
+                <a:spcPts val="0"/>
+              </a:spcBef>
+              <a:spcAft>
+                <a:spcPts val="0"/>
+              </a:spcAft>
+              <a:buNone/>
+            </a:pPr>
+            <a:endParaRPr/>
+          </a:p>
+        </p:txBody>
+      </p:sp>
+      <p:sp>
+        <p:nvSpPr>
+          <p:cNvPr id="29" name="Google Shape;227;p27">
+            <a:extLst>
+              <a:ext uri="{FF2B5EF4-FFF2-40B4-BE49-F238E27FC236}">
+                <a16:creationId xmlns:a16="http://schemas.microsoft.com/office/drawing/2014/main" id="{DDF69776-A0AE-D157-DB61-772764049163}"/>
+              </a:ext>
+            </a:extLst>
+          </p:cNvPr>
+          <p:cNvSpPr/>
+          <p:nvPr/>
+        </p:nvSpPr>
+        <p:spPr>
+          <a:xfrm>
+            <a:off x="2102224" y="-1362"/>
+            <a:ext cx="1408200" cy="392400"/>
+          </a:xfrm>
+          <a:prstGeom prst="rect">
+            <a:avLst/>
+          </a:prstGeom>
+          <a:solidFill>
+            <a:srgbClr val="434343"/>
+          </a:solidFill>
+          <a:ln>
+            <a:noFill/>
+          </a:ln>
+        </p:spPr>
+        <p:txBody>
+          <a:bodyPr spcFirstLastPara="1" wrap="square" lIns="91425" tIns="91425" rIns="91425" bIns="91425" anchor="ctr" anchorCtr="0">
+            <a:noAutofit/>
+          </a:bodyPr>
+          <a:lstStyle/>
+          <a:p>
+            <a:pPr marL="0" lvl="0" indent="0" algn="l" rtl="0">
+              <a:spcBef>
+                <a:spcPts val="0"/>
+              </a:spcBef>
+              <a:spcAft>
+                <a:spcPts val="0"/>
+              </a:spcAft>
+              <a:buNone/>
+            </a:pPr>
+            <a:endParaRPr/>
+          </a:p>
+        </p:txBody>
+      </p:sp>
+      <p:sp>
+        <p:nvSpPr>
+          <p:cNvPr id="30" name="Google Shape;228;p27">
+            <a:extLst>
+              <a:ext uri="{FF2B5EF4-FFF2-40B4-BE49-F238E27FC236}">
+                <a16:creationId xmlns:a16="http://schemas.microsoft.com/office/drawing/2014/main" id="{2F0A9AE5-8457-0A56-3918-879D50257598}"/>
+              </a:ext>
+            </a:extLst>
+          </p:cNvPr>
+          <p:cNvSpPr/>
+          <p:nvPr/>
+        </p:nvSpPr>
+        <p:spPr>
+          <a:xfrm>
+            <a:off x="3510581" y="-1362"/>
+            <a:ext cx="1408200" cy="392400"/>
+          </a:xfrm>
+          <a:prstGeom prst="rect">
+            <a:avLst/>
+          </a:prstGeom>
+          <a:solidFill>
+            <a:srgbClr val="434343"/>
+          </a:solidFill>
+          <a:ln>
+            <a:noFill/>
+          </a:ln>
+        </p:spPr>
+        <p:txBody>
+          <a:bodyPr spcFirstLastPara="1" wrap="square" lIns="91425" tIns="91425" rIns="91425" bIns="91425" anchor="ctr" anchorCtr="0">
+            <a:noAutofit/>
+          </a:bodyPr>
+          <a:lstStyle/>
+          <a:p>
+            <a:pPr marL="0" lvl="0" indent="0" algn="l" rtl="0">
+              <a:spcBef>
+                <a:spcPts val="0"/>
+              </a:spcBef>
+              <a:spcAft>
+                <a:spcPts val="0"/>
+              </a:spcAft>
+              <a:buNone/>
+            </a:pPr>
+            <a:endParaRPr/>
+          </a:p>
+        </p:txBody>
+      </p:sp>
+      <p:sp>
+        <p:nvSpPr>
+          <p:cNvPr id="31" name="Google Shape;229;p27">
+            <a:extLst>
+              <a:ext uri="{FF2B5EF4-FFF2-40B4-BE49-F238E27FC236}">
+                <a16:creationId xmlns:a16="http://schemas.microsoft.com/office/drawing/2014/main" id="{6EC63BBE-018B-75C0-36B0-680AEF1ABBE2}"/>
+              </a:ext>
+            </a:extLst>
+          </p:cNvPr>
+          <p:cNvSpPr/>
+          <p:nvPr/>
+        </p:nvSpPr>
+        <p:spPr>
+          <a:xfrm>
+            <a:off x="4918938" y="-1362"/>
+            <a:ext cx="1408200" cy="392400"/>
+          </a:xfrm>
+          <a:prstGeom prst="rect">
+            <a:avLst/>
+          </a:prstGeom>
+          <a:solidFill>
+            <a:srgbClr val="434343"/>
+          </a:solidFill>
+          <a:ln>
+            <a:noFill/>
+          </a:ln>
+        </p:spPr>
+        <p:txBody>
+          <a:bodyPr spcFirstLastPara="1" wrap="square" lIns="91425" tIns="91425" rIns="91425" bIns="91425" anchor="ctr" anchorCtr="0">
+            <a:noAutofit/>
+          </a:bodyPr>
+          <a:lstStyle/>
+          <a:p>
+            <a:pPr marL="0" lvl="0" indent="0" algn="l" rtl="0">
+              <a:spcBef>
+                <a:spcPts val="0"/>
+              </a:spcBef>
+              <a:spcAft>
+                <a:spcPts val="0"/>
+              </a:spcAft>
+              <a:buNone/>
+            </a:pPr>
+            <a:endParaRPr/>
+          </a:p>
+        </p:txBody>
+      </p:sp>
+      <p:sp>
+        <p:nvSpPr>
+          <p:cNvPr id="32" name="Google Shape;230;p27">
+            <a:extLst>
+              <a:ext uri="{FF2B5EF4-FFF2-40B4-BE49-F238E27FC236}">
+                <a16:creationId xmlns:a16="http://schemas.microsoft.com/office/drawing/2014/main" id="{A8A368E3-5E4D-A421-12E4-4209941CB5EF}"/>
+              </a:ext>
+            </a:extLst>
+          </p:cNvPr>
+          <p:cNvSpPr/>
+          <p:nvPr/>
+        </p:nvSpPr>
+        <p:spPr>
+          <a:xfrm>
+            <a:off x="6327295" y="-1362"/>
+            <a:ext cx="1408200" cy="392400"/>
+          </a:xfrm>
+          <a:prstGeom prst="rect">
+            <a:avLst/>
+          </a:prstGeom>
+          <a:solidFill>
+            <a:srgbClr val="434343"/>
+          </a:solidFill>
+          <a:ln>
+            <a:noFill/>
+          </a:ln>
+        </p:spPr>
+        <p:txBody>
+          <a:bodyPr spcFirstLastPara="1" wrap="square" lIns="91425" tIns="91425" rIns="91425" bIns="91425" anchor="ctr" anchorCtr="0">
+            <a:noAutofit/>
+          </a:bodyPr>
+          <a:lstStyle/>
+          <a:p>
+            <a:pPr marL="0" lvl="0" indent="0" algn="l" rtl="0">
+              <a:spcBef>
+                <a:spcPts val="0"/>
+              </a:spcBef>
+              <a:spcAft>
+                <a:spcPts val="0"/>
+              </a:spcAft>
+              <a:buNone/>
+            </a:pPr>
+            <a:endParaRPr/>
+          </a:p>
+        </p:txBody>
+      </p:sp>
+      <p:sp>
+        <p:nvSpPr>
+          <p:cNvPr id="33" name="Google Shape;231;p27">
+            <a:extLst>
+              <a:ext uri="{FF2B5EF4-FFF2-40B4-BE49-F238E27FC236}">
+                <a16:creationId xmlns:a16="http://schemas.microsoft.com/office/drawing/2014/main" id="{3E5C1270-FD45-45C8-ADDD-E3FDB5D0364A}"/>
+              </a:ext>
+            </a:extLst>
+          </p:cNvPr>
+          <p:cNvSpPr/>
+          <p:nvPr/>
+        </p:nvSpPr>
+        <p:spPr>
+          <a:xfrm>
+            <a:off x="7735644" y="-1362"/>
+            <a:ext cx="1408200" cy="392400"/>
+          </a:xfrm>
+          <a:prstGeom prst="rect">
+            <a:avLst/>
+          </a:prstGeom>
+          <a:solidFill>
+            <a:srgbClr val="434343"/>
+          </a:solidFill>
+          <a:ln>
+            <a:noFill/>
+          </a:ln>
+        </p:spPr>
+        <p:txBody>
+          <a:bodyPr spcFirstLastPara="1" wrap="square" lIns="91425" tIns="91425" rIns="91425" bIns="91425" anchor="ctr" anchorCtr="0">
+            <a:noAutofit/>
+          </a:bodyPr>
+          <a:lstStyle/>
+          <a:p>
+            <a:pPr marL="0" lvl="0" indent="0" algn="l" rtl="0">
+              <a:spcBef>
+                <a:spcPts val="0"/>
+              </a:spcBef>
+              <a:spcAft>
+                <a:spcPts val="0"/>
+              </a:spcAft>
+              <a:buNone/>
+            </a:pPr>
+            <a:endParaRPr/>
+          </a:p>
+        </p:txBody>
+      </p:sp>
+      <p:sp>
+        <p:nvSpPr>
+          <p:cNvPr id="34" name="Google Shape;242;p27">
+            <a:extLst>
+              <a:ext uri="{FF2B5EF4-FFF2-40B4-BE49-F238E27FC236}">
+                <a16:creationId xmlns:a16="http://schemas.microsoft.com/office/drawing/2014/main" id="{7352190B-B8E2-9C10-F380-FB52780B9833}"/>
+              </a:ext>
+            </a:extLst>
+          </p:cNvPr>
+          <p:cNvSpPr txBox="1"/>
+          <p:nvPr/>
+        </p:nvSpPr>
+        <p:spPr>
+          <a:xfrm>
+            <a:off x="959094" y="90250"/>
+            <a:ext cx="1008943" cy="198900"/>
+          </a:xfrm>
+          <a:prstGeom prst="rect">
+            <a:avLst/>
+          </a:prstGeom>
+          <a:noFill/>
+          <a:ln>
+            <a:noFill/>
+          </a:ln>
+        </p:spPr>
+        <p:txBody>
+          <a:bodyPr spcFirstLastPara="1" wrap="square" lIns="91425" tIns="182875" rIns="91425" bIns="0" anchor="ctr" anchorCtr="0">
+            <a:noAutofit/>
+          </a:bodyPr>
+          <a:lstStyle/>
+          <a:p>
+            <a:pPr marL="0" marR="45720" lvl="0" indent="0" algn="ctr" rtl="0">
+              <a:spcBef>
+                <a:spcPts val="0"/>
+              </a:spcBef>
+              <a:spcAft>
+                <a:spcPts val="1600"/>
+              </a:spcAft>
+              <a:buNone/>
+            </a:pPr>
+            <a:r>
+              <a:rPr lang="en-US" sz="1200" dirty="0">
+                <a:solidFill>
+                  <a:schemeClr val="dk1"/>
+                </a:solidFill>
+                <a:latin typeface="Abel"/>
+                <a:ea typeface="Abel"/>
+                <a:cs typeface="Abel"/>
+                <a:sym typeface="Abel"/>
+              </a:rPr>
+              <a:t>Introduction</a:t>
+            </a:r>
+            <a:endParaRPr sz="1200" dirty="0">
+              <a:solidFill>
+                <a:schemeClr val="dk1"/>
+              </a:solidFill>
+              <a:latin typeface="Abel"/>
+              <a:ea typeface="Abel"/>
+              <a:cs typeface="Abel"/>
+              <a:sym typeface="Abel"/>
+            </a:endParaRPr>
+          </a:p>
+        </p:txBody>
+      </p:sp>
+      <p:sp>
+        <p:nvSpPr>
+          <p:cNvPr id="35" name="Google Shape;243;p27">
+            <a:extLst>
+              <a:ext uri="{FF2B5EF4-FFF2-40B4-BE49-F238E27FC236}">
+                <a16:creationId xmlns:a16="http://schemas.microsoft.com/office/drawing/2014/main" id="{436B2C43-3FEA-031D-5A5F-7C8698C2E858}"/>
+              </a:ext>
+            </a:extLst>
+          </p:cNvPr>
+          <p:cNvSpPr txBox="1"/>
+          <p:nvPr/>
+        </p:nvSpPr>
+        <p:spPr>
+          <a:xfrm>
+            <a:off x="2360388" y="73457"/>
+            <a:ext cx="885583" cy="198900"/>
+          </a:xfrm>
+          <a:prstGeom prst="rect">
+            <a:avLst/>
+          </a:prstGeom>
+          <a:noFill/>
+          <a:ln>
+            <a:noFill/>
+          </a:ln>
+        </p:spPr>
+        <p:txBody>
+          <a:bodyPr spcFirstLastPara="1" wrap="square" lIns="91425" tIns="182875" rIns="91425" bIns="0" anchor="ctr" anchorCtr="0">
+            <a:noAutofit/>
+          </a:bodyPr>
+          <a:lstStyle/>
+          <a:p>
+            <a:pPr marL="0" marR="45720" lvl="0" indent="0" algn="ctr" rtl="0">
+              <a:spcBef>
+                <a:spcPts val="0"/>
+              </a:spcBef>
+              <a:spcAft>
+                <a:spcPts val="1600"/>
+              </a:spcAft>
+              <a:buNone/>
+            </a:pPr>
+            <a:r>
+              <a:rPr lang="en-US" sz="1200" dirty="0">
+                <a:solidFill>
+                  <a:schemeClr val="dk1"/>
+                </a:solidFill>
+                <a:latin typeface="Abel"/>
+                <a:ea typeface="Abel"/>
+                <a:cs typeface="Abel"/>
+                <a:sym typeface="Abel"/>
+              </a:rPr>
+              <a:t>Evolution </a:t>
+            </a:r>
+            <a:endParaRPr sz="1200" dirty="0">
+              <a:solidFill>
+                <a:schemeClr val="dk1"/>
+              </a:solidFill>
+              <a:latin typeface="Abel"/>
+              <a:ea typeface="Abel"/>
+              <a:cs typeface="Abel"/>
+              <a:sym typeface="Abel"/>
+            </a:endParaRPr>
+          </a:p>
+        </p:txBody>
+      </p:sp>
+      <p:sp>
+        <p:nvSpPr>
+          <p:cNvPr id="36" name="Google Shape;244;p27">
+            <a:extLst>
+              <a:ext uri="{FF2B5EF4-FFF2-40B4-BE49-F238E27FC236}">
+                <a16:creationId xmlns:a16="http://schemas.microsoft.com/office/drawing/2014/main" id="{71A4813D-4A6B-E143-90E6-FECF3616FE60}"/>
+              </a:ext>
+            </a:extLst>
+          </p:cNvPr>
+          <p:cNvSpPr txBox="1"/>
+          <p:nvPr/>
+        </p:nvSpPr>
+        <p:spPr>
+          <a:xfrm>
+            <a:off x="3768902" y="90250"/>
+            <a:ext cx="891600" cy="198900"/>
+          </a:xfrm>
+          <a:prstGeom prst="rect">
+            <a:avLst/>
+          </a:prstGeom>
+          <a:noFill/>
+          <a:ln>
+            <a:noFill/>
+          </a:ln>
+        </p:spPr>
+        <p:txBody>
+          <a:bodyPr spcFirstLastPara="1" wrap="square" lIns="91425" tIns="182875" rIns="91425" bIns="0" anchor="ctr" anchorCtr="0">
+            <a:noAutofit/>
+          </a:bodyPr>
+          <a:lstStyle/>
+          <a:p>
+            <a:pPr marL="0" marR="45720" lvl="0" indent="0" algn="ctr" rtl="0">
+              <a:spcBef>
+                <a:spcPts val="0"/>
+              </a:spcBef>
+              <a:spcAft>
+                <a:spcPts val="1600"/>
+              </a:spcAft>
+              <a:buNone/>
+            </a:pPr>
+            <a:r>
+              <a:rPr lang="en" sz="1200" dirty="0">
+                <a:solidFill>
+                  <a:schemeClr val="dk1"/>
+                </a:solidFill>
+                <a:latin typeface="Abel"/>
+                <a:ea typeface="Abel"/>
+                <a:cs typeface="Abel"/>
+                <a:sym typeface="Abel"/>
+              </a:rPr>
+              <a:t>Process</a:t>
+            </a:r>
+            <a:endParaRPr sz="1200" dirty="0">
+              <a:solidFill>
+                <a:schemeClr val="dk1"/>
+              </a:solidFill>
+              <a:latin typeface="Abel"/>
+              <a:ea typeface="Abel"/>
+              <a:cs typeface="Abel"/>
+              <a:sym typeface="Abel"/>
+            </a:endParaRPr>
+          </a:p>
+        </p:txBody>
+      </p:sp>
+      <p:sp>
+        <p:nvSpPr>
+          <p:cNvPr id="37" name="Google Shape;247;p27">
+            <a:extLst>
+              <a:ext uri="{FF2B5EF4-FFF2-40B4-BE49-F238E27FC236}">
+                <a16:creationId xmlns:a16="http://schemas.microsoft.com/office/drawing/2014/main" id="{3CD9EEFA-B658-99EC-4761-AB855F5921EA}"/>
+              </a:ext>
+            </a:extLst>
+          </p:cNvPr>
+          <p:cNvSpPr/>
+          <p:nvPr/>
+        </p:nvSpPr>
+        <p:spPr>
+          <a:xfrm>
+            <a:off x="-37" y="-6437"/>
+            <a:ext cx="693900" cy="392400"/>
+          </a:xfrm>
+          <a:prstGeom prst="rect">
+            <a:avLst/>
+          </a:prstGeom>
+          <a:noFill/>
+          <a:ln>
+            <a:noFill/>
+          </a:ln>
+        </p:spPr>
+        <p:txBody>
+          <a:bodyPr spcFirstLastPara="1" wrap="square" lIns="91425" tIns="91425" rIns="91425" bIns="91425" anchor="ctr" anchorCtr="0">
+            <a:noAutofit/>
+          </a:bodyPr>
+          <a:lstStyle/>
+          <a:p>
+            <a:pPr marL="0" lvl="0" indent="0" algn="l" rtl="0">
+              <a:spcBef>
+                <a:spcPts val="0"/>
+              </a:spcBef>
+              <a:spcAft>
+                <a:spcPts val="0"/>
+              </a:spcAft>
+              <a:buNone/>
+            </a:pPr>
+            <a:endParaRPr/>
+          </a:p>
+        </p:txBody>
+      </p:sp>
+      <p:sp>
+        <p:nvSpPr>
+          <p:cNvPr id="38" name="Google Shape;248;p27">
+            <a:extLst>
+              <a:ext uri="{FF2B5EF4-FFF2-40B4-BE49-F238E27FC236}">
+                <a16:creationId xmlns:a16="http://schemas.microsoft.com/office/drawing/2014/main" id="{4AB01BA6-105B-9FA3-6B92-68156603B6AD}"/>
+              </a:ext>
+            </a:extLst>
+          </p:cNvPr>
+          <p:cNvSpPr txBox="1"/>
+          <p:nvPr/>
+        </p:nvSpPr>
+        <p:spPr>
+          <a:xfrm>
+            <a:off x="5149500" y="83398"/>
+            <a:ext cx="947100" cy="198900"/>
+          </a:xfrm>
+          <a:prstGeom prst="rect">
+            <a:avLst/>
+          </a:prstGeom>
+          <a:noFill/>
+          <a:ln>
+            <a:noFill/>
+          </a:ln>
+        </p:spPr>
+        <p:txBody>
+          <a:bodyPr spcFirstLastPara="1" wrap="square" lIns="91425" tIns="182875" rIns="91425" bIns="0" anchor="ctr" anchorCtr="0">
+            <a:noAutofit/>
+          </a:bodyPr>
+          <a:lstStyle/>
+          <a:p>
+            <a:pPr marL="0" marR="45720" lvl="0" indent="0" algn="ctr" rtl="0">
+              <a:spcBef>
+                <a:spcPts val="0"/>
+              </a:spcBef>
+              <a:spcAft>
+                <a:spcPts val="1600"/>
+              </a:spcAft>
+              <a:buNone/>
+            </a:pPr>
+            <a:r>
+              <a:rPr lang="en" sz="1200" dirty="0">
+                <a:solidFill>
+                  <a:schemeClr val="dk1"/>
+                </a:solidFill>
+                <a:latin typeface="Abel"/>
+                <a:ea typeface="Abel"/>
+                <a:cs typeface="Abel"/>
+                <a:sym typeface="Abel"/>
+              </a:rPr>
+              <a:t>Memory</a:t>
+            </a:r>
+            <a:endParaRPr sz="1200" dirty="0">
+              <a:solidFill>
+                <a:schemeClr val="dk1"/>
+              </a:solidFill>
+              <a:latin typeface="Abel"/>
+              <a:ea typeface="Abel"/>
+              <a:cs typeface="Abel"/>
+              <a:sym typeface="Abel"/>
+            </a:endParaRPr>
+          </a:p>
+        </p:txBody>
+      </p:sp>
+      <p:sp>
+        <p:nvSpPr>
+          <p:cNvPr id="39" name="Google Shape;249;p27">
+            <a:extLst>
+              <a:ext uri="{FF2B5EF4-FFF2-40B4-BE49-F238E27FC236}">
+                <a16:creationId xmlns:a16="http://schemas.microsoft.com/office/drawing/2014/main" id="{C8626735-042A-E3CC-9003-4D7103B238BB}"/>
+              </a:ext>
+            </a:extLst>
+          </p:cNvPr>
+          <p:cNvSpPr txBox="1"/>
+          <p:nvPr/>
+        </p:nvSpPr>
+        <p:spPr>
+          <a:xfrm>
+            <a:off x="6537200" y="90250"/>
+            <a:ext cx="988500" cy="198900"/>
+          </a:xfrm>
+          <a:prstGeom prst="rect">
+            <a:avLst/>
+          </a:prstGeom>
+          <a:noFill/>
+          <a:ln>
+            <a:noFill/>
+          </a:ln>
+        </p:spPr>
+        <p:txBody>
+          <a:bodyPr spcFirstLastPara="1" wrap="square" lIns="91425" tIns="182875" rIns="91425" bIns="0" anchor="ctr" anchorCtr="0">
+            <a:noAutofit/>
+          </a:bodyPr>
+          <a:lstStyle/>
+          <a:p>
+            <a:pPr marL="0" marR="45720" lvl="0" indent="0" algn="ctr" rtl="0">
+              <a:spcBef>
+                <a:spcPts val="0"/>
+              </a:spcBef>
+              <a:spcAft>
+                <a:spcPts val="1600"/>
+              </a:spcAft>
+              <a:buNone/>
+            </a:pPr>
+            <a:r>
+              <a:rPr lang="en" sz="1200" dirty="0">
+                <a:solidFill>
+                  <a:schemeClr val="dk1"/>
+                </a:solidFill>
+                <a:latin typeface="Abel"/>
+                <a:ea typeface="Abel"/>
+                <a:cs typeface="Abel"/>
+                <a:sym typeface="Abel"/>
+              </a:rPr>
+              <a:t>Security</a:t>
+            </a:r>
+            <a:endParaRPr sz="1200" dirty="0">
+              <a:solidFill>
+                <a:schemeClr val="dk1"/>
+              </a:solidFill>
+              <a:latin typeface="Abel"/>
+              <a:ea typeface="Abel"/>
+              <a:cs typeface="Abel"/>
+              <a:sym typeface="Abel"/>
+            </a:endParaRPr>
+          </a:p>
+        </p:txBody>
+      </p:sp>
+      <p:sp>
+        <p:nvSpPr>
+          <p:cNvPr id="40" name="Google Shape;250;p27">
+            <a:extLst>
+              <a:ext uri="{FF2B5EF4-FFF2-40B4-BE49-F238E27FC236}">
+                <a16:creationId xmlns:a16="http://schemas.microsoft.com/office/drawing/2014/main" id="{31904107-3871-E62F-F141-4D641B7CFB2A}"/>
+              </a:ext>
+            </a:extLst>
+          </p:cNvPr>
+          <p:cNvSpPr txBox="1"/>
+          <p:nvPr/>
+        </p:nvSpPr>
+        <p:spPr>
+          <a:xfrm>
+            <a:off x="7665011" y="90250"/>
+            <a:ext cx="1337244" cy="192048"/>
+          </a:xfrm>
+          <a:prstGeom prst="rect">
+            <a:avLst/>
+          </a:prstGeom>
+          <a:noFill/>
+          <a:ln>
+            <a:noFill/>
+          </a:ln>
+        </p:spPr>
+        <p:txBody>
+          <a:bodyPr spcFirstLastPara="1" wrap="square" lIns="91425" tIns="182875" rIns="91425" bIns="0" anchor="ctr" anchorCtr="0">
+            <a:noAutofit/>
+          </a:bodyPr>
+          <a:lstStyle/>
+          <a:p>
+            <a:pPr marL="0" marR="45720" lvl="0" indent="0" algn="ctr" rtl="0">
+              <a:spcBef>
+                <a:spcPts val="0"/>
+              </a:spcBef>
+              <a:spcAft>
+                <a:spcPts val="1600"/>
+              </a:spcAft>
+              <a:buNone/>
+            </a:pPr>
+            <a:r>
+              <a:rPr lang="en" sz="1200" dirty="0">
+                <a:solidFill>
+                  <a:schemeClr val="dk1"/>
+                </a:solidFill>
+                <a:latin typeface="Abel"/>
+                <a:ea typeface="Abel"/>
+                <a:cs typeface="Abel"/>
+                <a:sym typeface="Abel"/>
+              </a:rPr>
+              <a:t>Additional Points</a:t>
+            </a:r>
+            <a:endParaRPr sz="1200" dirty="0">
+              <a:solidFill>
+                <a:schemeClr val="dk1"/>
+              </a:solidFill>
+              <a:latin typeface="Abel"/>
+              <a:ea typeface="Abel"/>
+              <a:cs typeface="Abel"/>
+              <a:sym typeface="Abel"/>
+            </a:endParaRPr>
+          </a:p>
+        </p:txBody>
+      </p:sp>
+      <p:pic>
+        <p:nvPicPr>
+          <p:cNvPr id="41" name="Graphic 40" descr="Back with solid fill">
+            <a:hlinkClick r:id="rId3" action="ppaction://hlinksldjump"/>
+            <a:extLst>
+              <a:ext uri="{FF2B5EF4-FFF2-40B4-BE49-F238E27FC236}">
+                <a16:creationId xmlns:a16="http://schemas.microsoft.com/office/drawing/2014/main" id="{199DD413-2826-9F32-9DEC-401B5B386610}"/>
+              </a:ext>
+            </a:extLst>
+          </p:cNvPr>
+          <p:cNvPicPr>
+            <a:picLocks noChangeAspect="1"/>
+          </p:cNvPicPr>
+          <p:nvPr/>
+        </p:nvPicPr>
+        <p:blipFill>
+          <a:blip r:embed="rId4">
+            <a:extLst>
+              <a:ext uri="{96DAC541-7B7A-43D3-8B79-37D633B846F1}">
+                <asvg:svgBlip xmlns:asvg="http://schemas.microsoft.com/office/drawing/2016/SVG/main" r:embed="rId5"/>
+              </a:ext>
+            </a:extLst>
+          </a:blip>
+          <a:stretch>
+            <a:fillRect/>
+          </a:stretch>
+        </p:blipFill>
+        <p:spPr>
+          <a:xfrm>
+            <a:off x="141745" y="-23796"/>
+            <a:ext cx="393405" cy="393405"/>
+          </a:xfrm>
+          <a:prstGeom prst="rect">
+            <a:avLst/>
+          </a:prstGeom>
+        </p:spPr>
+      </p:pic>
+      <p:sp>
+        <p:nvSpPr>
+          <p:cNvPr id="42" name="Google Shape;408;p28">
+            <a:extLst>
+              <a:ext uri="{FF2B5EF4-FFF2-40B4-BE49-F238E27FC236}">
+                <a16:creationId xmlns:a16="http://schemas.microsoft.com/office/drawing/2014/main" id="{3A3392E1-E602-B8B2-FB86-27E31AA0652A}"/>
+              </a:ext>
+            </a:extLst>
+          </p:cNvPr>
+          <p:cNvSpPr/>
+          <p:nvPr/>
+        </p:nvSpPr>
+        <p:spPr>
+          <a:xfrm>
+            <a:off x="2242407" y="2956457"/>
+            <a:ext cx="673800" cy="673800"/>
+          </a:xfrm>
+          <a:prstGeom prst="ellipse">
+            <a:avLst/>
+          </a:prstGeom>
+          <a:noFill/>
+          <a:ln>
+            <a:noFill/>
+          </a:ln>
+          <a:effectLst>
+            <a:outerShdw blurRad="57150" dist="19050" dir="5400000" algn="bl" rotWithShape="0">
+              <a:schemeClr val="accent5">
+                <a:alpha val="50000"/>
+              </a:schemeClr>
+            </a:outerShdw>
+          </a:effectLst>
+        </p:spPr>
+        <p:txBody>
+          <a:bodyPr spcFirstLastPara="1" wrap="square" lIns="91425" tIns="91425" rIns="91425" bIns="91425" anchor="ctr" anchorCtr="0">
+            <a:noAutofit/>
+          </a:bodyPr>
+          <a:lstStyle/>
+          <a:p>
+            <a:pPr marL="0" lvl="0" indent="0" algn="l" rtl="0">
+              <a:spcBef>
+                <a:spcPts val="0"/>
+              </a:spcBef>
+              <a:spcAft>
+                <a:spcPts val="0"/>
+              </a:spcAft>
+              <a:buNone/>
+            </a:pPr>
+            <a:endParaRPr/>
+          </a:p>
+        </p:txBody>
+      </p:sp>
+      <p:sp>
+        <p:nvSpPr>
+          <p:cNvPr id="43" name="TextBox 42">
+            <a:extLst>
+              <a:ext uri="{FF2B5EF4-FFF2-40B4-BE49-F238E27FC236}">
+                <a16:creationId xmlns:a16="http://schemas.microsoft.com/office/drawing/2014/main" id="{51B29022-0DDA-381F-8A90-02C034EAAAEF}"/>
+              </a:ext>
+            </a:extLst>
+          </p:cNvPr>
+          <p:cNvSpPr txBox="1"/>
+          <p:nvPr/>
+        </p:nvSpPr>
+        <p:spPr>
+          <a:xfrm>
+            <a:off x="1362687" y="1915673"/>
+            <a:ext cx="6595628" cy="1423455"/>
+          </a:xfrm>
+          <a:prstGeom prst="roundRect">
+            <a:avLst>
+              <a:gd name="adj" fmla="val 7604"/>
+            </a:avLst>
+          </a:prstGeom>
+          <a:noFill/>
+          <a:ln w="38100">
+            <a:noFill/>
+          </a:ln>
+        </p:spPr>
+        <p:txBody>
+          <a:bodyPr wrap="square" rtlCol="0">
+            <a:spAutoFit/>
+          </a:bodyPr>
+          <a:lstStyle/>
+          <a:p>
+            <a:pPr marL="0" marR="0">
+              <a:lnSpc>
+                <a:spcPct val="107000"/>
+              </a:lnSpc>
+              <a:spcBef>
+                <a:spcPts val="0"/>
+              </a:spcBef>
+              <a:spcAft>
+                <a:spcPts val="800"/>
+              </a:spcAft>
+            </a:pPr>
+            <a:r>
+              <a:rPr lang="en-US" sz="1800" kern="100" dirty="0">
+                <a:effectLst/>
+                <a:latin typeface="Abel" panose="02000506030000020004" pitchFamily="2" charset="0"/>
+                <a:ea typeface="Calibri" panose="020F0502020204030204" pitchFamily="34" charset="0"/>
+                <a:cs typeface="Arial" panose="020B0604020202020204" pitchFamily="34" charset="0"/>
+              </a:rPr>
+              <a:t>1</a:t>
+            </a:r>
+            <a:r>
+              <a:rPr lang="en-US" sz="1800" b="1" kern="100" dirty="0">
+                <a:effectLst/>
+                <a:latin typeface="Abel" panose="02000506030000020004" pitchFamily="2" charset="0"/>
+                <a:ea typeface="Calibri" panose="020F0502020204030204" pitchFamily="34" charset="0"/>
+                <a:cs typeface="Arial" panose="020B0604020202020204" pitchFamily="34" charset="0"/>
+              </a:rPr>
+              <a:t>. As a static</a:t>
+            </a:r>
+            <a:r>
+              <a:rPr lang="en-US" sz="1800" kern="100" dirty="0">
+                <a:effectLst/>
+                <a:latin typeface="Abel" panose="02000506030000020004" pitchFamily="2" charset="0"/>
+                <a:ea typeface="Calibri" panose="020F0502020204030204" pitchFamily="34" charset="0"/>
+                <a:cs typeface="Arial" panose="020B0604020202020204" pitchFamily="34" charset="0"/>
+              </a:rPr>
+              <a:t> body of software, categorized by the functionality offered by the modules that make up the kernel.</a:t>
+            </a:r>
+            <a:endParaRPr lang="en-US" sz="1200" kern="100" dirty="0">
+              <a:effectLst/>
+              <a:latin typeface="Abel" panose="02000506030000020004" pitchFamily="2" charset="0"/>
+              <a:ea typeface="Calibri" panose="020F0502020204030204" pitchFamily="34" charset="0"/>
+              <a:cs typeface="Arial" panose="020B0604020202020204" pitchFamily="34" charset="0"/>
+            </a:endParaRPr>
+          </a:p>
+          <a:p>
+            <a:pPr marL="0" marR="0">
+              <a:lnSpc>
+                <a:spcPct val="107000"/>
+              </a:lnSpc>
+              <a:spcBef>
+                <a:spcPts val="0"/>
+              </a:spcBef>
+              <a:spcAft>
+                <a:spcPts val="800"/>
+              </a:spcAft>
+            </a:pPr>
+            <a:r>
+              <a:rPr lang="en-US" sz="1800" kern="100" dirty="0">
+                <a:effectLst/>
+                <a:latin typeface="Abel" panose="02000506030000020004" pitchFamily="2" charset="0"/>
+                <a:ea typeface="Calibri" panose="020F0502020204030204" pitchFamily="34" charset="0"/>
+                <a:cs typeface="Arial" panose="020B0604020202020204" pitchFamily="34" charset="0"/>
+              </a:rPr>
+              <a:t>2. </a:t>
+            </a:r>
+            <a:r>
+              <a:rPr lang="en-US" sz="1800" b="1" kern="100" dirty="0">
+                <a:effectLst/>
+                <a:latin typeface="Abel" panose="02000506030000020004" pitchFamily="2" charset="0"/>
+                <a:ea typeface="Calibri" panose="020F0502020204030204" pitchFamily="34" charset="0"/>
+                <a:cs typeface="Arial" panose="020B0604020202020204" pitchFamily="34" charset="0"/>
+              </a:rPr>
+              <a:t>By its dynamic</a:t>
+            </a:r>
+            <a:r>
+              <a:rPr lang="en-US" sz="1800" kern="100" dirty="0">
+                <a:effectLst/>
+                <a:latin typeface="Abel" panose="02000506030000020004" pitchFamily="2" charset="0"/>
+                <a:ea typeface="Calibri" panose="020F0502020204030204" pitchFamily="34" charset="0"/>
+                <a:cs typeface="Arial" panose="020B0604020202020204" pitchFamily="34" charset="0"/>
+              </a:rPr>
+              <a:t> operation, categorized according to the services provided to users.</a:t>
+            </a:r>
+            <a:endParaRPr lang="en-US" sz="1200" kern="100" dirty="0">
+              <a:effectLst/>
+              <a:latin typeface="Abel" panose="02000506030000020004" pitchFamily="2" charset="0"/>
+              <a:ea typeface="Calibri" panose="020F0502020204030204" pitchFamily="34" charset="0"/>
+              <a:cs typeface="Arial" panose="020B0604020202020204" pitchFamily="34" charset="0"/>
+            </a:endParaRPr>
+          </a:p>
+        </p:txBody>
+      </p:sp>
+      <p:sp>
+        <p:nvSpPr>
+          <p:cNvPr id="15" name="TextBox 14">
+            <a:extLst>
+              <a:ext uri="{FF2B5EF4-FFF2-40B4-BE49-F238E27FC236}">
+                <a16:creationId xmlns:a16="http://schemas.microsoft.com/office/drawing/2014/main" id="{8E347918-A830-7BE5-6DAA-8DD58F303935}"/>
+              </a:ext>
+            </a:extLst>
+          </p:cNvPr>
+          <p:cNvSpPr txBox="1"/>
+          <p:nvPr/>
+        </p:nvSpPr>
+        <p:spPr>
+          <a:xfrm>
+            <a:off x="1511639" y="1292929"/>
+            <a:ext cx="6297725" cy="461665"/>
+          </a:xfrm>
+          <a:prstGeom prst="rect">
+            <a:avLst/>
+          </a:prstGeom>
+          <a:noFill/>
+        </p:spPr>
+        <p:txBody>
+          <a:bodyPr wrap="square" rtlCol="0">
+            <a:spAutoFit/>
+          </a:bodyPr>
+          <a:lstStyle/>
+          <a:p>
+            <a:pPr algn="ctr"/>
+            <a:r>
+              <a:rPr lang="en-US" sz="2400" b="1" dirty="0">
+                <a:latin typeface="Abel" panose="02000506030000020004" pitchFamily="2" charset="0"/>
+                <a:ea typeface="ADLaM Display" panose="02010000000000000000" pitchFamily="2" charset="0"/>
+                <a:cs typeface="ADLaM Display" panose="02010000000000000000" pitchFamily="2" charset="0"/>
+              </a:rPr>
+              <a:t>organization of the FreeBSD kernel in two ways</a:t>
+            </a:r>
+          </a:p>
+        </p:txBody>
+      </p:sp>
+    </p:spTree>
+    <p:extLst>
+      <p:ext uri="{BB962C8B-B14F-4D97-AF65-F5344CB8AC3E}">
+        <p14:creationId xmlns:p14="http://schemas.microsoft.com/office/powerpoint/2010/main" val="1584280174"/>
+      </p:ext>
+    </p:extLst>
+  </p:cSld>
+  <p:clrMapOvr>
+    <a:masterClrMapping/>
+  </p:clrMapOvr>
+  <mc:AlternateContent xmlns:mc="http://schemas.openxmlformats.org/markup-compatibility/2006" xmlns:p159="http://schemas.microsoft.com/office/powerpoint/2015/09/main">
+    <mc:Choice Requires="p159">
+      <p:transition xmlns:p14="http://schemas.microsoft.com/office/powerpoint/2010/main" spd="slow" p14:dur="2000">
+        <p159:morph option="byObject"/>
+      </p:transition>
+    </mc:Choice>
+    <mc:Fallback xmlns="">
+      <p:transition spd="slow">
+        <p:fade/>
+      </p:transition>
+    </mc:Fallback>
+  </mc:AlternateContent>
+</p:sld>
+</file>
+
+<file path=ppt/slides/slide4.xml><?xml version="1.0" encoding="utf-8"?>
 <p:sld xmlns:a="http://schemas.openxmlformats.org/drawingml/2006/main" xmlns:r="http://schemas.openxmlformats.org/officeDocument/2006/relationships" xmlns:p="http://schemas.openxmlformats.org/presentationml/2006/main">
   <p:cSld>
     <p:spTree>
@@ -9283,30 +11119,45 @@
         </p:nvSpPr>
         <p:spPr>
           <a:xfrm>
-            <a:off x="598025" y="1330996"/>
-            <a:ext cx="7946368" cy="607397"/>
+            <a:off x="1196664" y="1244413"/>
+            <a:ext cx="6927675" cy="710446"/>
           </a:xfrm>
           <a:prstGeom prst="roundRect">
             <a:avLst>
-              <a:gd name="adj" fmla="val 7604"/>
+              <a:gd name="adj" fmla="val 45857"/>
             </a:avLst>
           </a:prstGeom>
-          <a:noFill/>
-          <a:ln w="38100">
-            <a:noFill/>
-          </a:ln>
-        </p:spPr>
-        <p:txBody>
-          <a:bodyPr wrap="square" rtlCol="0">
+          <a:ln/>
+        </p:spPr>
+        <p:style>
+          <a:lnRef idx="0">
+            <a:schemeClr val="accent5"/>
+          </a:lnRef>
+          <a:fillRef idx="3">
+            <a:schemeClr val="accent5"/>
+          </a:fillRef>
+          <a:effectRef idx="3">
+            <a:schemeClr val="accent5"/>
+          </a:effectRef>
+          <a:fontRef idx="minor">
+            <a:schemeClr val="lt1"/>
+          </a:fontRef>
+        </p:style>
+        <p:txBody>
+          <a:bodyPr wrap="square" rtlCol="0" anchor="ctr">
             <a:spAutoFit/>
           </a:bodyPr>
           <a:lstStyle/>
           <a:p>
+            <a:pPr algn="ctr"/>
             <a:r>
-              <a:rPr lang="en-US" sz="3200" b="1" dirty="0">
+              <a:rPr lang="en-US" sz="2800" b="1" dirty="0">
+                <a:solidFill>
+                  <a:srgbClr val="F3F3F3"/>
+                </a:solidFill>
                 <a:latin typeface="Abel" panose="02000506030000020004" pitchFamily="2" charset="0"/>
               </a:rPr>
-              <a:t>FreeBSD Kernal provides four basic facilities:</a:t>
+              <a:t>FreeBSD Kernal provides four basic facilities</a:t>
             </a:r>
           </a:p>
         </p:txBody>
@@ -10158,8 +12009,8 @@
         </p:nvSpPr>
         <p:spPr>
           <a:xfrm>
-            <a:off x="693850" y="2072614"/>
-            <a:ext cx="7021267" cy="1815882"/>
+            <a:off x="717125" y="2349484"/>
+            <a:ext cx="7407214" cy="1569660"/>
           </a:xfrm>
           <a:prstGeom prst="rect">
             <a:avLst/>
@@ -10177,7 +12028,7 @@
               <a:buAutoNum type="arabicPeriod"/>
             </a:pPr>
             <a:r>
-              <a:rPr lang="en-US" sz="2800" i="0" dirty="0">
+              <a:rPr lang="en-US" sz="2400" i="0" dirty="0">
                 <a:solidFill>
                   <a:schemeClr val="bg1">
                     <a:lumMod val="50000"/>
@@ -10195,7 +12046,7 @@
               <a:buAutoNum type="arabicPeriod"/>
             </a:pPr>
             <a:r>
-              <a:rPr lang="en-US" sz="2800" dirty="0">
+              <a:rPr lang="en-US" sz="2400" dirty="0">
                 <a:solidFill>
                   <a:schemeClr val="bg1">
                     <a:lumMod val="50000"/>
@@ -10212,7 +12063,7 @@
               <a:buAutoNum type="arabicPeriod"/>
             </a:pPr>
             <a:r>
-              <a:rPr lang="en-US" sz="2800" i="0" dirty="0">
+              <a:rPr lang="en-US" sz="2400" i="0" dirty="0">
                 <a:solidFill>
                   <a:schemeClr val="bg1">
                     <a:lumMod val="50000"/>
@@ -10230,7 +12081,7 @@
               <a:buAutoNum type="arabicPeriod"/>
             </a:pPr>
             <a:r>
-              <a:rPr lang="en-US" sz="2800" dirty="0">
+              <a:rPr lang="en-US" sz="2400" dirty="0">
                 <a:solidFill>
                   <a:schemeClr val="bg1">
                     <a:lumMod val="50000"/>
@@ -10238,9 +12089,31 @@
                 </a:solidFill>
                 <a:latin typeface="Abel" panose="02000506030000020004" pitchFamily="2" charset="0"/>
               </a:rPr>
-              <a:t>System startup</a:t>
+              <a:t>System</a:t>
             </a:r>
-            <a:endParaRPr lang="en-US" sz="2800" i="0" dirty="0">
+            <a:r>
+              <a:rPr lang="ar-EG" sz="2400" dirty="0">
+                <a:solidFill>
+                  <a:schemeClr val="bg1">
+                    <a:lumMod val="50000"/>
+                  </a:schemeClr>
+                </a:solidFill>
+                <a:latin typeface="Abel" panose="02000506030000020004" pitchFamily="2" charset="0"/>
+              </a:rPr>
+              <a:t> </a:t>
+            </a:r>
+            <a:r>
+              <a:rPr lang="en-US" sz="2400" dirty="0">
+                <a:solidFill>
+                  <a:schemeClr val="bg1">
+                    <a:lumMod val="50000"/>
+                  </a:schemeClr>
+                </a:solidFill>
+                <a:latin typeface="Abel" panose="02000506030000020004" pitchFamily="2" charset="0"/>
+              </a:rPr>
+              <a:t>startup</a:t>
+            </a:r>
+            <a:endParaRPr lang="en-US" sz="2400" i="0" dirty="0">
               <a:solidFill>
                 <a:schemeClr val="bg1">
                   <a:lumMod val="50000"/>
@@ -10248,6 +12121,530 @@
               </a:solidFill>
               <a:effectLst/>
               <a:latin typeface="Abel" panose="02000506030000020004" pitchFamily="2" charset="0"/>
+            </a:endParaRPr>
+          </a:p>
+        </p:txBody>
+      </p:sp>
+      <p:sp>
+        <p:nvSpPr>
+          <p:cNvPr id="13" name="Arrow: Right 12">
+            <a:extLst>
+              <a:ext uri="{FF2B5EF4-FFF2-40B4-BE49-F238E27FC236}">
+                <a16:creationId xmlns:a16="http://schemas.microsoft.com/office/drawing/2014/main" id="{B0734172-44AE-FEFF-C1E5-EFD6809BCCBC}"/>
+              </a:ext>
+            </a:extLst>
+          </p:cNvPr>
+          <p:cNvSpPr/>
+          <p:nvPr/>
+        </p:nvSpPr>
+        <p:spPr>
+          <a:xfrm>
+            <a:off x="2360388" y="2467239"/>
+            <a:ext cx="3485213" cy="247338"/>
+          </a:xfrm>
+          <a:prstGeom prst="rightArrow">
+            <a:avLst/>
+          </a:prstGeom>
+        </p:spPr>
+        <p:style>
+          <a:lnRef idx="2">
+            <a:schemeClr val="accent1">
+              <a:shade val="15000"/>
+            </a:schemeClr>
+          </a:lnRef>
+          <a:fillRef idx="1">
+            <a:schemeClr val="accent1"/>
+          </a:fillRef>
+          <a:effectRef idx="0">
+            <a:schemeClr val="accent1"/>
+          </a:effectRef>
+          <a:fontRef idx="minor">
+            <a:schemeClr val="lt1"/>
+          </a:fontRef>
+        </p:style>
+        <p:txBody>
+          <a:bodyPr rtlCol="0" anchor="ctr"/>
+          <a:lstStyle/>
+          <a:p>
+            <a:pPr algn="ctr"/>
+            <a:endParaRPr lang="en-US"/>
+          </a:p>
+        </p:txBody>
+      </p:sp>
+      <p:sp>
+        <p:nvSpPr>
+          <p:cNvPr id="14" name="Arrow: Right 13">
+            <a:extLst>
+              <a:ext uri="{FF2B5EF4-FFF2-40B4-BE49-F238E27FC236}">
+                <a16:creationId xmlns:a16="http://schemas.microsoft.com/office/drawing/2014/main" id="{0EDE5E7E-6A03-9080-07C9-BA2993460073}"/>
+              </a:ext>
+            </a:extLst>
+          </p:cNvPr>
+          <p:cNvSpPr/>
+          <p:nvPr/>
+        </p:nvSpPr>
+        <p:spPr>
+          <a:xfrm>
+            <a:off x="2579308" y="2832788"/>
+            <a:ext cx="3266294" cy="247338"/>
+          </a:xfrm>
+          <a:prstGeom prst="rightArrow">
+            <a:avLst/>
+          </a:prstGeom>
+        </p:spPr>
+        <p:style>
+          <a:lnRef idx="2">
+            <a:schemeClr val="accent1">
+              <a:shade val="15000"/>
+            </a:schemeClr>
+          </a:lnRef>
+          <a:fillRef idx="1">
+            <a:schemeClr val="accent1"/>
+          </a:fillRef>
+          <a:effectRef idx="0">
+            <a:schemeClr val="accent1"/>
+          </a:effectRef>
+          <a:fontRef idx="minor">
+            <a:schemeClr val="lt1"/>
+          </a:fontRef>
+        </p:style>
+        <p:txBody>
+          <a:bodyPr rtlCol="0" anchor="ctr"/>
+          <a:lstStyle/>
+          <a:p>
+            <a:pPr algn="ctr"/>
+            <a:endParaRPr lang="en-US"/>
+          </a:p>
+        </p:txBody>
+      </p:sp>
+      <p:sp>
+        <p:nvSpPr>
+          <p:cNvPr id="15" name="Arrow: Right 14">
+            <a:extLst>
+              <a:ext uri="{FF2B5EF4-FFF2-40B4-BE49-F238E27FC236}">
+                <a16:creationId xmlns:a16="http://schemas.microsoft.com/office/drawing/2014/main" id="{5C909B7E-40B4-1DBF-DA4C-30AA4E0B5768}"/>
+              </a:ext>
+            </a:extLst>
+          </p:cNvPr>
+          <p:cNvSpPr/>
+          <p:nvPr/>
+        </p:nvSpPr>
+        <p:spPr>
+          <a:xfrm>
+            <a:off x="3060844" y="3197881"/>
+            <a:ext cx="2784757" cy="247338"/>
+          </a:xfrm>
+          <a:prstGeom prst="rightArrow">
+            <a:avLst/>
+          </a:prstGeom>
+        </p:spPr>
+        <p:style>
+          <a:lnRef idx="2">
+            <a:schemeClr val="accent1">
+              <a:shade val="15000"/>
+            </a:schemeClr>
+          </a:lnRef>
+          <a:fillRef idx="1">
+            <a:schemeClr val="accent1"/>
+          </a:fillRef>
+          <a:effectRef idx="0">
+            <a:schemeClr val="accent1"/>
+          </a:effectRef>
+          <a:fontRef idx="minor">
+            <a:schemeClr val="lt1"/>
+          </a:fontRef>
+        </p:style>
+        <p:txBody>
+          <a:bodyPr rtlCol="0" anchor="ctr"/>
+          <a:lstStyle/>
+          <a:p>
+            <a:pPr algn="ctr"/>
+            <a:endParaRPr lang="en-US"/>
+          </a:p>
+        </p:txBody>
+      </p:sp>
+      <p:sp>
+        <p:nvSpPr>
+          <p:cNvPr id="16" name="Arrow: Right 15">
+            <a:extLst>
+              <a:ext uri="{FF2B5EF4-FFF2-40B4-BE49-F238E27FC236}">
+                <a16:creationId xmlns:a16="http://schemas.microsoft.com/office/drawing/2014/main" id="{FA398A0D-8390-112D-C8A8-E09657CAF159}"/>
+              </a:ext>
+            </a:extLst>
+          </p:cNvPr>
+          <p:cNvSpPr/>
+          <p:nvPr/>
+        </p:nvSpPr>
+        <p:spPr>
+          <a:xfrm>
+            <a:off x="2988526" y="3558512"/>
+            <a:ext cx="2857075" cy="247338"/>
+          </a:xfrm>
+          <a:prstGeom prst="rightArrow">
+            <a:avLst/>
+          </a:prstGeom>
+        </p:spPr>
+        <p:style>
+          <a:lnRef idx="2">
+            <a:schemeClr val="accent1">
+              <a:shade val="15000"/>
+            </a:schemeClr>
+          </a:lnRef>
+          <a:fillRef idx="1">
+            <a:schemeClr val="accent1"/>
+          </a:fillRef>
+          <a:effectRef idx="0">
+            <a:schemeClr val="accent1"/>
+          </a:effectRef>
+          <a:fontRef idx="minor">
+            <a:schemeClr val="lt1"/>
+          </a:fontRef>
+        </p:style>
+        <p:txBody>
+          <a:bodyPr rtlCol="0" anchor="ctr"/>
+          <a:lstStyle/>
+          <a:p>
+            <a:pPr algn="ctr"/>
+            <a:endParaRPr lang="en-US"/>
+          </a:p>
+        </p:txBody>
+      </p:sp>
+      <p:sp>
+        <p:nvSpPr>
+          <p:cNvPr id="17" name="Rectangle: Rounded Corners 16">
+            <a:extLst>
+              <a:ext uri="{FF2B5EF4-FFF2-40B4-BE49-F238E27FC236}">
+                <a16:creationId xmlns:a16="http://schemas.microsoft.com/office/drawing/2014/main" id="{0FF3FF76-EFBC-0914-6847-11A22753D34C}"/>
+              </a:ext>
+            </a:extLst>
+          </p:cNvPr>
+          <p:cNvSpPr/>
+          <p:nvPr/>
+        </p:nvSpPr>
+        <p:spPr>
+          <a:xfrm>
+            <a:off x="5966085" y="2451829"/>
+            <a:ext cx="2460790" cy="247337"/>
+          </a:xfrm>
+          <a:prstGeom prst="roundRect">
+            <a:avLst/>
+          </a:prstGeom>
+        </p:spPr>
+        <p:style>
+          <a:lnRef idx="2">
+            <a:schemeClr val="accent1">
+              <a:shade val="15000"/>
+            </a:schemeClr>
+          </a:lnRef>
+          <a:fillRef idx="1">
+            <a:schemeClr val="accent1"/>
+          </a:fillRef>
+          <a:effectRef idx="0">
+            <a:schemeClr val="accent1"/>
+          </a:effectRef>
+          <a:fontRef idx="minor">
+            <a:schemeClr val="lt1"/>
+          </a:fontRef>
+        </p:style>
+        <p:txBody>
+          <a:bodyPr rtlCol="0" anchor="ctr"/>
+          <a:lstStyle/>
+          <a:p>
+            <a:pPr algn="ctr"/>
+            <a:r>
+              <a:rPr lang="en-US" b="1" u="sng" dirty="0">
+                <a:solidFill>
+                  <a:schemeClr val="tx1"/>
+                </a:solidFill>
+                <a:effectLst>
+                  <a:outerShdw blurRad="38100" dist="38100" dir="2700000" algn="tl">
+                    <a:srgbClr val="000000">
+                      <a:alpha val="43137"/>
+                    </a:srgbClr>
+                  </a:outerShdw>
+                </a:effectLst>
+                <a:latin typeface="ADLaM Display" panose="02010000000000000000" pitchFamily="2" charset="0"/>
+                <a:ea typeface="ADLaM Display" panose="02010000000000000000" pitchFamily="2" charset="0"/>
+                <a:cs typeface="ADLaM Display" panose="02010000000000000000" pitchFamily="2" charset="0"/>
+                <a:hlinkClick r:id="rId6" action="ppaction://hlinksldjump">
+                  <a:extLst>
+                    <a:ext uri="{A12FA001-AC4F-418D-AE19-62706E023703}">
+                      <ahyp:hlinkClr xmlns:ahyp="http://schemas.microsoft.com/office/drawing/2018/hyperlinkcolor" val="tx"/>
+                    </a:ext>
+                  </a:extLst>
+                </a:hlinkClick>
+              </a:rPr>
+              <a:t>Press Here</a:t>
+            </a:r>
+            <a:endParaRPr lang="en-US" b="1" u="sng" dirty="0">
+              <a:solidFill>
+                <a:schemeClr val="tx1"/>
+              </a:solidFill>
+              <a:effectLst>
+                <a:outerShdw blurRad="38100" dist="38100" dir="2700000" algn="tl">
+                  <a:srgbClr val="000000">
+                    <a:alpha val="43137"/>
+                  </a:srgbClr>
+                </a:outerShdw>
+              </a:effectLst>
+              <a:latin typeface="ADLaM Display" panose="02010000000000000000" pitchFamily="2" charset="0"/>
+              <a:ea typeface="ADLaM Display" panose="02010000000000000000" pitchFamily="2" charset="0"/>
+              <a:cs typeface="ADLaM Display" panose="02010000000000000000" pitchFamily="2" charset="0"/>
+            </a:endParaRPr>
+          </a:p>
+        </p:txBody>
+      </p:sp>
+      <p:sp>
+        <p:nvSpPr>
+          <p:cNvPr id="19" name="Rectangle: Rounded Corners 18">
+            <a:extLst>
+              <a:ext uri="{FF2B5EF4-FFF2-40B4-BE49-F238E27FC236}">
+                <a16:creationId xmlns:a16="http://schemas.microsoft.com/office/drawing/2014/main" id="{AE0AC67D-80C8-A102-13B8-85AB5042898B}"/>
+              </a:ext>
+            </a:extLst>
+          </p:cNvPr>
+          <p:cNvSpPr/>
+          <p:nvPr/>
+        </p:nvSpPr>
+        <p:spPr>
+          <a:xfrm>
+            <a:off x="5968585" y="2821584"/>
+            <a:ext cx="2460790" cy="247337"/>
+          </a:xfrm>
+          <a:prstGeom prst="roundRect">
+            <a:avLst/>
+          </a:prstGeom>
+        </p:spPr>
+        <p:style>
+          <a:lnRef idx="2">
+            <a:schemeClr val="accent1">
+              <a:shade val="15000"/>
+            </a:schemeClr>
+          </a:lnRef>
+          <a:fillRef idx="1">
+            <a:schemeClr val="accent1"/>
+          </a:fillRef>
+          <a:effectRef idx="0">
+            <a:schemeClr val="accent1"/>
+          </a:effectRef>
+          <a:fontRef idx="minor">
+            <a:schemeClr val="lt1"/>
+          </a:fontRef>
+        </p:style>
+        <p:txBody>
+          <a:bodyPr rtlCol="0" anchor="ctr"/>
+          <a:lstStyle/>
+          <a:p>
+            <a:pPr algn="ctr"/>
+            <a:r>
+              <a:rPr lang="en-US" b="1" dirty="0">
+                <a:solidFill>
+                  <a:schemeClr val="tx1"/>
+                </a:solidFill>
+                <a:effectLst>
+                  <a:outerShdw blurRad="38100" dist="38100" dir="2700000" algn="tl">
+                    <a:srgbClr val="000000">
+                      <a:alpha val="43137"/>
+                    </a:srgbClr>
+                  </a:outerShdw>
+                </a:effectLst>
+                <a:latin typeface="ADLaM Display" panose="02010000000000000000" pitchFamily="2" charset="0"/>
+                <a:ea typeface="ADLaM Display" panose="02010000000000000000" pitchFamily="2" charset="0"/>
+                <a:cs typeface="ADLaM Display" panose="02010000000000000000" pitchFamily="2" charset="0"/>
+                <a:hlinkClick r:id="rId7" action="ppaction://hlinksldjump">
+                  <a:extLst>
+                    <a:ext uri="{A12FA001-AC4F-418D-AE19-62706E023703}">
+                      <ahyp:hlinkClr xmlns:ahyp="http://schemas.microsoft.com/office/drawing/2018/hyperlinkcolor" val="tx"/>
+                    </a:ext>
+                  </a:extLst>
+                </a:hlinkClick>
+              </a:rPr>
+              <a:t>Press Here</a:t>
+            </a:r>
+            <a:endParaRPr lang="en-US" b="1" dirty="0">
+              <a:solidFill>
+                <a:schemeClr val="tx1"/>
+              </a:solidFill>
+              <a:effectLst>
+                <a:outerShdw blurRad="38100" dist="38100" dir="2700000" algn="tl">
+                  <a:srgbClr val="000000">
+                    <a:alpha val="43137"/>
+                  </a:srgbClr>
+                </a:outerShdw>
+              </a:effectLst>
+              <a:latin typeface="ADLaM Display" panose="02010000000000000000" pitchFamily="2" charset="0"/>
+              <a:ea typeface="ADLaM Display" panose="02010000000000000000" pitchFamily="2" charset="0"/>
+              <a:cs typeface="ADLaM Display" panose="02010000000000000000" pitchFamily="2" charset="0"/>
+            </a:endParaRPr>
+          </a:p>
+        </p:txBody>
+      </p:sp>
+      <p:sp>
+        <p:nvSpPr>
+          <p:cNvPr id="20" name="Rectangle: Rounded Corners 19">
+            <a:extLst>
+              <a:ext uri="{FF2B5EF4-FFF2-40B4-BE49-F238E27FC236}">
+                <a16:creationId xmlns:a16="http://schemas.microsoft.com/office/drawing/2014/main" id="{DCB1FBAC-BB91-8111-B130-673950B8E111}"/>
+              </a:ext>
+            </a:extLst>
+          </p:cNvPr>
+          <p:cNvSpPr/>
+          <p:nvPr/>
+        </p:nvSpPr>
+        <p:spPr>
+          <a:xfrm>
+            <a:off x="5971085" y="3183844"/>
+            <a:ext cx="2460790" cy="247337"/>
+          </a:xfrm>
+          <a:prstGeom prst="roundRect">
+            <a:avLst/>
+          </a:prstGeom>
+        </p:spPr>
+        <p:style>
+          <a:lnRef idx="2">
+            <a:schemeClr val="accent1">
+              <a:shade val="15000"/>
+            </a:schemeClr>
+          </a:lnRef>
+          <a:fillRef idx="1">
+            <a:schemeClr val="accent1"/>
+          </a:fillRef>
+          <a:effectRef idx="0">
+            <a:schemeClr val="accent1"/>
+          </a:effectRef>
+          <a:fontRef idx="minor">
+            <a:schemeClr val="lt1"/>
+          </a:fontRef>
+        </p:style>
+        <p:txBody>
+          <a:bodyPr rtlCol="0" anchor="ctr"/>
+          <a:lstStyle/>
+          <a:p>
+            <a:pPr algn="ctr"/>
+            <a:r>
+              <a:rPr lang="en-US" b="1" dirty="0">
+                <a:solidFill>
+                  <a:schemeClr val="tx1"/>
+                </a:solidFill>
+                <a:effectLst>
+                  <a:outerShdw blurRad="38100" dist="38100" dir="2700000" algn="tl">
+                    <a:srgbClr val="000000">
+                      <a:alpha val="43137"/>
+                    </a:srgbClr>
+                  </a:outerShdw>
+                </a:effectLst>
+                <a:latin typeface="ADLaM Display" panose="02010000000000000000" pitchFamily="2" charset="0"/>
+                <a:ea typeface="ADLaM Display" panose="02010000000000000000" pitchFamily="2" charset="0"/>
+                <a:cs typeface="ADLaM Display" panose="02010000000000000000" pitchFamily="2" charset="0"/>
+                <a:hlinkClick r:id="rId8" action="ppaction://hlinksldjump">
+                  <a:extLst>
+                    <a:ext uri="{A12FA001-AC4F-418D-AE19-62706E023703}">
+                      <ahyp:hlinkClr xmlns:ahyp="http://schemas.microsoft.com/office/drawing/2018/hyperlinkcolor" val="tx"/>
+                    </a:ext>
+                  </a:extLst>
+                </a:hlinkClick>
+              </a:rPr>
+              <a:t>Press Here</a:t>
+            </a:r>
+            <a:endParaRPr lang="en-US" b="1" dirty="0">
+              <a:solidFill>
+                <a:schemeClr val="tx1"/>
+              </a:solidFill>
+              <a:effectLst>
+                <a:outerShdw blurRad="38100" dist="38100" dir="2700000" algn="tl">
+                  <a:srgbClr val="000000">
+                    <a:alpha val="43137"/>
+                  </a:srgbClr>
+                </a:outerShdw>
+              </a:effectLst>
+              <a:latin typeface="ADLaM Display" panose="02010000000000000000" pitchFamily="2" charset="0"/>
+              <a:ea typeface="ADLaM Display" panose="02010000000000000000" pitchFamily="2" charset="0"/>
+              <a:cs typeface="ADLaM Display" panose="02010000000000000000" pitchFamily="2" charset="0"/>
+            </a:endParaRPr>
+          </a:p>
+        </p:txBody>
+      </p:sp>
+      <p:sp>
+        <p:nvSpPr>
+          <p:cNvPr id="21" name="Rectangle: Rounded Corners 20">
+            <a:extLst>
+              <a:ext uri="{FF2B5EF4-FFF2-40B4-BE49-F238E27FC236}">
+                <a16:creationId xmlns:a16="http://schemas.microsoft.com/office/drawing/2014/main" id="{EBEF6833-58B6-F032-D518-4D63C82145CA}"/>
+              </a:ext>
+            </a:extLst>
+          </p:cNvPr>
+          <p:cNvSpPr/>
+          <p:nvPr/>
+        </p:nvSpPr>
+        <p:spPr>
+          <a:xfrm>
+            <a:off x="5963590" y="3558594"/>
+            <a:ext cx="2460790" cy="247337"/>
+          </a:xfrm>
+          <a:prstGeom prst="roundRect">
+            <a:avLst/>
+          </a:prstGeom>
+        </p:spPr>
+        <p:style>
+          <a:lnRef idx="2">
+            <a:schemeClr val="accent1">
+              <a:shade val="15000"/>
+            </a:schemeClr>
+          </a:lnRef>
+          <a:fillRef idx="1">
+            <a:schemeClr val="accent1"/>
+          </a:fillRef>
+          <a:effectRef idx="0">
+            <a:schemeClr val="accent1"/>
+          </a:effectRef>
+          <a:fontRef idx="minor">
+            <a:schemeClr val="lt1"/>
+          </a:fontRef>
+        </p:style>
+        <p:txBody>
+          <a:bodyPr rtlCol="0" anchor="ctr"/>
+          <a:lstStyle/>
+          <a:p>
+            <a:pPr algn="ctr"/>
+            <a:r>
+              <a:rPr lang="en-US" b="1" dirty="0">
+                <a:solidFill>
+                  <a:schemeClr val="tx1"/>
+                </a:solidFill>
+                <a:effectLst>
+                  <a:outerShdw blurRad="38100" dist="38100" dir="2700000" algn="tl">
+                    <a:srgbClr val="000000">
+                      <a:alpha val="43137"/>
+                    </a:srgbClr>
+                  </a:outerShdw>
+                </a:effectLst>
+                <a:latin typeface="ADLaM Display" panose="02010000000000000000" pitchFamily="2" charset="0"/>
+                <a:ea typeface="ADLaM Display" panose="02010000000000000000" pitchFamily="2" charset="0"/>
+                <a:cs typeface="ADLaM Display" panose="02010000000000000000" pitchFamily="2" charset="0"/>
+                <a:hlinkClick r:id="rId9" action="ppaction://hlinksldjump">
+                  <a:extLst>
+                    <a:ext uri="{A12FA001-AC4F-418D-AE19-62706E023703}">
+                      <ahyp:hlinkClr xmlns:ahyp="http://schemas.microsoft.com/office/drawing/2018/hyperlinkcolor" val="tx"/>
+                    </a:ext>
+                  </a:extLst>
+                </a:hlinkClick>
+              </a:rPr>
+              <a:t>Press Here</a:t>
+            </a:r>
+            <a:endParaRPr lang="en-US" b="1" dirty="0">
+              <a:solidFill>
+                <a:schemeClr val="tx1"/>
+              </a:solidFill>
+              <a:effectLst>
+                <a:outerShdw blurRad="38100" dist="38100" dir="2700000" algn="tl">
+                  <a:srgbClr val="000000">
+                    <a:alpha val="43137"/>
+                  </a:srgbClr>
+                </a:outerShdw>
+              </a:effectLst>
+              <a:latin typeface="ADLaM Display" panose="02010000000000000000" pitchFamily="2" charset="0"/>
+              <a:ea typeface="ADLaM Display" panose="02010000000000000000" pitchFamily="2" charset="0"/>
+              <a:cs typeface="ADLaM Display" panose="02010000000000000000" pitchFamily="2" charset="0"/>
             </a:endParaRPr>
           </a:p>
         </p:txBody>
@@ -10277,8 +12674,8 @@
 </p:sld>
 </file>
 
-<file path=ppt/slides/slide4.xml><?xml version="1.0" encoding="utf-8"?>
-<p:sld xmlns:a="http://schemas.openxmlformats.org/drawingml/2006/main" xmlns:r="http://schemas.openxmlformats.org/officeDocument/2006/relationships" xmlns:p="http://schemas.openxmlformats.org/presentationml/2006/main">
+<file path=ppt/slides/slide5.xml><?xml version="1.0" encoding="utf-8"?>
+<p:sld xmlns:a="http://schemas.openxmlformats.org/drawingml/2006/main" xmlns:r="http://schemas.openxmlformats.org/officeDocument/2006/relationships" xmlns:p="http://schemas.openxmlformats.org/presentationml/2006/main" show="0">
   <p:cSld>
     <p:spTree>
       <p:nvGrpSpPr>
@@ -10381,566 +12778,6 @@
               <a:buNone/>
             </a:pPr>
             <a:endParaRPr/>
-          </a:p>
-        </p:txBody>
-      </p:sp>
-      <p:grpSp>
-        <p:nvGrpSpPr>
-          <p:cNvPr id="3" name="Google Shape;503;p30">
-            <a:extLst>
-              <a:ext uri="{FF2B5EF4-FFF2-40B4-BE49-F238E27FC236}">
-                <a16:creationId xmlns:a16="http://schemas.microsoft.com/office/drawing/2014/main" id="{BB05049E-7C55-A589-B7B6-8269EFA79F41}"/>
-              </a:ext>
-            </a:extLst>
-          </p:cNvPr>
-          <p:cNvGrpSpPr/>
-          <p:nvPr/>
-        </p:nvGrpSpPr>
-        <p:grpSpPr>
-          <a:xfrm>
-            <a:off x="436487" y="588361"/>
-            <a:ext cx="8253900" cy="4016544"/>
-            <a:chOff x="445050" y="393000"/>
-            <a:chExt cx="8253900" cy="3347700"/>
-          </a:xfrm>
-        </p:grpSpPr>
-        <p:sp>
-          <p:nvSpPr>
-            <p:cNvPr id="5" name="Google Shape;504;p30">
-              <a:extLst>
-                <a:ext uri="{FF2B5EF4-FFF2-40B4-BE49-F238E27FC236}">
-                  <a16:creationId xmlns:a16="http://schemas.microsoft.com/office/drawing/2014/main" id="{6AA8D716-E808-286B-C128-14AC99064135}"/>
-                </a:ext>
-              </a:extLst>
-            </p:cNvPr>
-            <p:cNvSpPr/>
-            <p:nvPr/>
-          </p:nvSpPr>
-          <p:spPr>
-            <a:xfrm>
-              <a:off x="445050" y="393000"/>
-              <a:ext cx="8253900" cy="3347700"/>
-            </a:xfrm>
-            <a:prstGeom prst="roundRect">
-              <a:avLst>
-                <a:gd name="adj" fmla="val 8573"/>
-              </a:avLst>
-            </a:prstGeom>
-            <a:solidFill>
-              <a:srgbClr val="F3F3F3"/>
-            </a:solidFill>
-            <a:ln>
-              <a:noFill/>
-            </a:ln>
-            <a:effectLst>
-              <a:outerShdw blurRad="57150" dist="47625" dir="2940000" algn="bl" rotWithShape="0">
-                <a:srgbClr val="963A2A">
-                  <a:alpha val="47000"/>
-                </a:srgbClr>
-              </a:outerShdw>
-            </a:effectLst>
-          </p:spPr>
-          <p:txBody>
-            <a:bodyPr spcFirstLastPara="1" wrap="square" lIns="91425" tIns="91425" rIns="91425" bIns="91425" anchor="ctr" anchorCtr="0">
-              <a:noAutofit/>
-            </a:bodyPr>
-            <a:lstStyle/>
-            <a:p>
-              <a:pPr marL="0" lvl="0" indent="0" algn="l" rtl="0">
-                <a:spcBef>
-                  <a:spcPts val="0"/>
-                </a:spcBef>
-                <a:spcAft>
-                  <a:spcPts val="0"/>
-                </a:spcAft>
-                <a:buNone/>
-              </a:pPr>
-              <a:endParaRPr dirty="0"/>
-            </a:p>
-          </p:txBody>
-        </p:sp>
-        <p:grpSp>
-          <p:nvGrpSpPr>
-            <p:cNvPr id="7" name="Google Shape;505;p30">
-              <a:extLst>
-                <a:ext uri="{FF2B5EF4-FFF2-40B4-BE49-F238E27FC236}">
-                  <a16:creationId xmlns:a16="http://schemas.microsoft.com/office/drawing/2014/main" id="{60579862-4F9C-7C3A-19A3-E374028E154B}"/>
-                </a:ext>
-              </a:extLst>
-            </p:cNvPr>
-            <p:cNvGrpSpPr/>
-            <p:nvPr/>
-          </p:nvGrpSpPr>
-          <p:grpSpPr>
-            <a:xfrm>
-              <a:off x="445050" y="393000"/>
-              <a:ext cx="8253900" cy="392400"/>
-              <a:chOff x="-8550475" y="393000"/>
-              <a:chExt cx="8253900" cy="392400"/>
-            </a:xfrm>
-          </p:grpSpPr>
-          <p:sp>
-            <p:nvSpPr>
-              <p:cNvPr id="8" name="Google Shape;506;p30">
-                <a:extLst>
-                  <a:ext uri="{FF2B5EF4-FFF2-40B4-BE49-F238E27FC236}">
-                    <a16:creationId xmlns:a16="http://schemas.microsoft.com/office/drawing/2014/main" id="{5E167DFE-804B-12FE-CE99-F38C744EA859}"/>
-                  </a:ext>
-                </a:extLst>
-              </p:cNvPr>
-              <p:cNvSpPr/>
-              <p:nvPr/>
-            </p:nvSpPr>
-            <p:spPr>
-              <a:xfrm>
-                <a:off x="-8550475" y="393000"/>
-                <a:ext cx="8253900" cy="392400"/>
-              </a:xfrm>
-              <a:prstGeom prst="round2SameRect">
-                <a:avLst>
-                  <a:gd name="adj1" fmla="val 38309"/>
-                  <a:gd name="adj2" fmla="val 0"/>
-                </a:avLst>
-              </a:prstGeom>
-              <a:solidFill>
-                <a:srgbClr val="434343"/>
-              </a:solidFill>
-              <a:ln>
-                <a:noFill/>
-              </a:ln>
-            </p:spPr>
-            <p:txBody>
-              <a:bodyPr spcFirstLastPara="1" wrap="square" lIns="91425" tIns="91425" rIns="91425" bIns="91425" anchor="ctr" anchorCtr="0">
-                <a:noAutofit/>
-              </a:bodyPr>
-              <a:lstStyle/>
-              <a:p>
-                <a:pPr marL="0" lvl="0" indent="0" algn="l" rtl="0">
-                  <a:spcBef>
-                    <a:spcPts val="0"/>
-                  </a:spcBef>
-                  <a:spcAft>
-                    <a:spcPts val="0"/>
-                  </a:spcAft>
-                  <a:buNone/>
-                </a:pPr>
-                <a:endParaRPr dirty="0"/>
-              </a:p>
-            </p:txBody>
-          </p:sp>
-          <p:sp>
-            <p:nvSpPr>
-              <p:cNvPr id="9" name="Google Shape;507;p30">
-                <a:extLst>
-                  <a:ext uri="{FF2B5EF4-FFF2-40B4-BE49-F238E27FC236}">
-                    <a16:creationId xmlns:a16="http://schemas.microsoft.com/office/drawing/2014/main" id="{FC6D0673-BBCF-E06A-CEA8-C18C09061A2A}"/>
-                  </a:ext>
-                </a:extLst>
-              </p:cNvPr>
-              <p:cNvSpPr/>
-              <p:nvPr/>
-            </p:nvSpPr>
-            <p:spPr>
-              <a:xfrm>
-                <a:off x="-8397500" y="531300"/>
-                <a:ext cx="119100" cy="119100"/>
-              </a:xfrm>
-              <a:prstGeom prst="ellipse">
-                <a:avLst/>
-              </a:prstGeom>
-              <a:solidFill>
-                <a:schemeClr val="lt2"/>
-              </a:solidFill>
-              <a:ln>
-                <a:noFill/>
-              </a:ln>
-            </p:spPr>
-            <p:txBody>
-              <a:bodyPr spcFirstLastPara="1" wrap="square" lIns="91425" tIns="91425" rIns="91425" bIns="91425" anchor="ctr" anchorCtr="0">
-                <a:noAutofit/>
-              </a:bodyPr>
-              <a:lstStyle/>
-              <a:p>
-                <a:pPr marL="0" lvl="0" indent="0" algn="l" rtl="0">
-                  <a:spcBef>
-                    <a:spcPts val="0"/>
-                  </a:spcBef>
-                  <a:spcAft>
-                    <a:spcPts val="0"/>
-                  </a:spcAft>
-                  <a:buNone/>
-                </a:pPr>
-                <a:endParaRPr/>
-              </a:p>
-            </p:txBody>
-          </p:sp>
-          <p:sp>
-            <p:nvSpPr>
-              <p:cNvPr id="10" name="Google Shape;508;p30">
-                <a:extLst>
-                  <a:ext uri="{FF2B5EF4-FFF2-40B4-BE49-F238E27FC236}">
-                    <a16:creationId xmlns:a16="http://schemas.microsoft.com/office/drawing/2014/main" id="{CA2D7C14-61B9-A7A5-80F8-AB7783825E28}"/>
-                  </a:ext>
-                </a:extLst>
-              </p:cNvPr>
-              <p:cNvSpPr/>
-              <p:nvPr/>
-            </p:nvSpPr>
-            <p:spPr>
-              <a:xfrm>
-                <a:off x="-8182900" y="531300"/>
-                <a:ext cx="119100" cy="119100"/>
-              </a:xfrm>
-              <a:prstGeom prst="ellipse">
-                <a:avLst/>
-              </a:prstGeom>
-              <a:solidFill>
-                <a:srgbClr val="FFD966"/>
-              </a:solidFill>
-              <a:ln>
-                <a:noFill/>
-              </a:ln>
-            </p:spPr>
-            <p:txBody>
-              <a:bodyPr spcFirstLastPara="1" wrap="square" lIns="91425" tIns="91425" rIns="91425" bIns="91425" anchor="ctr" anchorCtr="0">
-                <a:noAutofit/>
-              </a:bodyPr>
-              <a:lstStyle/>
-              <a:p>
-                <a:pPr marL="0" lvl="0" indent="0" algn="l" rtl="0">
-                  <a:spcBef>
-                    <a:spcPts val="0"/>
-                  </a:spcBef>
-                  <a:spcAft>
-                    <a:spcPts val="0"/>
-                  </a:spcAft>
-                  <a:buNone/>
-                </a:pPr>
-                <a:endParaRPr/>
-              </a:p>
-            </p:txBody>
-          </p:sp>
-          <p:sp>
-            <p:nvSpPr>
-              <p:cNvPr id="11" name="Google Shape;509;p30">
-                <a:extLst>
-                  <a:ext uri="{FF2B5EF4-FFF2-40B4-BE49-F238E27FC236}">
-                    <a16:creationId xmlns:a16="http://schemas.microsoft.com/office/drawing/2014/main" id="{5A183AAB-1CC0-D25A-D6B6-DFDDA0BB8A08}"/>
-                  </a:ext>
-                </a:extLst>
-              </p:cNvPr>
-              <p:cNvSpPr/>
-              <p:nvPr/>
-            </p:nvSpPr>
-            <p:spPr>
-              <a:xfrm>
-                <a:off x="-7968300" y="531300"/>
-                <a:ext cx="119100" cy="119100"/>
-              </a:xfrm>
-              <a:prstGeom prst="ellipse">
-                <a:avLst/>
-              </a:prstGeom>
-              <a:solidFill>
-                <a:srgbClr val="93C47D"/>
-              </a:solidFill>
-              <a:ln>
-                <a:noFill/>
-              </a:ln>
-            </p:spPr>
-            <p:txBody>
-              <a:bodyPr spcFirstLastPara="1" wrap="square" lIns="91425" tIns="91425" rIns="91425" bIns="91425" anchor="ctr" anchorCtr="0">
-                <a:noAutofit/>
-              </a:bodyPr>
-              <a:lstStyle/>
-              <a:p>
-                <a:pPr marL="0" lvl="0" indent="0" algn="l" rtl="0">
-                  <a:spcBef>
-                    <a:spcPts val="0"/>
-                  </a:spcBef>
-                  <a:spcAft>
-                    <a:spcPts val="0"/>
-                  </a:spcAft>
-                  <a:buNone/>
-                </a:pPr>
-                <a:endParaRPr/>
-              </a:p>
-            </p:txBody>
-          </p:sp>
-        </p:grpSp>
-      </p:grpSp>
-      <p:sp>
-        <p:nvSpPr>
-          <p:cNvPr id="12" name="Title 535">
-            <a:extLst>
-              <a:ext uri="{FF2B5EF4-FFF2-40B4-BE49-F238E27FC236}">
-                <a16:creationId xmlns:a16="http://schemas.microsoft.com/office/drawing/2014/main" id="{426448BC-30FA-5CAF-DBB9-280B95ECB937}"/>
-              </a:ext>
-            </a:extLst>
-          </p:cNvPr>
-          <p:cNvSpPr txBox="1">
-            <a:spLocks/>
-          </p:cNvSpPr>
-          <p:nvPr/>
-        </p:nvSpPr>
-        <p:spPr>
-          <a:xfrm>
-            <a:off x="1194524" y="680318"/>
-            <a:ext cx="3097149" cy="317532"/>
-          </a:xfrm>
-          <a:prstGeom prst="rect">
-            <a:avLst/>
-          </a:prstGeom>
-        </p:spPr>
-        <p:txBody>
-          <a:bodyPr/>
-          <a:lstStyle>
-            <a:defPPr marR="0" lvl="0" algn="l" rtl="0">
-              <a:lnSpc>
-                <a:spcPct val="100000"/>
-              </a:lnSpc>
-              <a:spcBef>
-                <a:spcPts val="0"/>
-              </a:spcBef>
-              <a:spcAft>
-                <a:spcPts val="0"/>
-              </a:spcAft>
-            </a:defPPr>
-            <a:lvl1pPr marR="0" lvl="0" algn="l" rtl="0">
-              <a:lnSpc>
-                <a:spcPct val="100000"/>
-              </a:lnSpc>
-              <a:spcBef>
-                <a:spcPts val="0"/>
-              </a:spcBef>
-              <a:spcAft>
-                <a:spcPts val="0"/>
-              </a:spcAft>
-              <a:buClr>
-                <a:srgbClr val="000000"/>
-              </a:buClr>
-              <a:buFont typeface="Arial"/>
-              <a:defRPr sz="1400" b="0" i="0" u="none" strike="noStrike" cap="none">
-                <a:solidFill>
-                  <a:srgbClr val="000000"/>
-                </a:solidFill>
-                <a:latin typeface="Arial"/>
-                <a:ea typeface="Arial"/>
-                <a:cs typeface="Arial"/>
-                <a:sym typeface="Arial"/>
-              </a:defRPr>
-            </a:lvl1pPr>
-            <a:lvl2pPr marR="0" lvl="1" algn="l" rtl="0">
-              <a:lnSpc>
-                <a:spcPct val="100000"/>
-              </a:lnSpc>
-              <a:spcBef>
-                <a:spcPts val="0"/>
-              </a:spcBef>
-              <a:spcAft>
-                <a:spcPts val="0"/>
-              </a:spcAft>
-              <a:buClr>
-                <a:srgbClr val="000000"/>
-              </a:buClr>
-              <a:buFont typeface="Arial"/>
-              <a:defRPr sz="1400" b="0" i="0" u="none" strike="noStrike" cap="none">
-                <a:solidFill>
-                  <a:srgbClr val="000000"/>
-                </a:solidFill>
-                <a:latin typeface="Arial"/>
-                <a:ea typeface="Arial"/>
-                <a:cs typeface="Arial"/>
-                <a:sym typeface="Arial"/>
-              </a:defRPr>
-            </a:lvl2pPr>
-            <a:lvl3pPr marR="0" lvl="2" algn="l" rtl="0">
-              <a:lnSpc>
-                <a:spcPct val="100000"/>
-              </a:lnSpc>
-              <a:spcBef>
-                <a:spcPts val="0"/>
-              </a:spcBef>
-              <a:spcAft>
-                <a:spcPts val="0"/>
-              </a:spcAft>
-              <a:buClr>
-                <a:srgbClr val="000000"/>
-              </a:buClr>
-              <a:buFont typeface="Arial"/>
-              <a:defRPr sz="1400" b="0" i="0" u="none" strike="noStrike" cap="none">
-                <a:solidFill>
-                  <a:srgbClr val="000000"/>
-                </a:solidFill>
-                <a:latin typeface="Arial"/>
-                <a:ea typeface="Arial"/>
-                <a:cs typeface="Arial"/>
-                <a:sym typeface="Arial"/>
-              </a:defRPr>
-            </a:lvl3pPr>
-            <a:lvl4pPr marR="0" lvl="3" algn="l" rtl="0">
-              <a:lnSpc>
-                <a:spcPct val="100000"/>
-              </a:lnSpc>
-              <a:spcBef>
-                <a:spcPts val="0"/>
-              </a:spcBef>
-              <a:spcAft>
-                <a:spcPts val="0"/>
-              </a:spcAft>
-              <a:buClr>
-                <a:srgbClr val="000000"/>
-              </a:buClr>
-              <a:buFont typeface="Arial"/>
-              <a:defRPr sz="1400" b="0" i="0" u="none" strike="noStrike" cap="none">
-                <a:solidFill>
-                  <a:srgbClr val="000000"/>
-                </a:solidFill>
-                <a:latin typeface="Arial"/>
-                <a:ea typeface="Arial"/>
-                <a:cs typeface="Arial"/>
-                <a:sym typeface="Arial"/>
-              </a:defRPr>
-            </a:lvl4pPr>
-            <a:lvl5pPr marR="0" lvl="4" algn="l" rtl="0">
-              <a:lnSpc>
-                <a:spcPct val="100000"/>
-              </a:lnSpc>
-              <a:spcBef>
-                <a:spcPts val="0"/>
-              </a:spcBef>
-              <a:spcAft>
-                <a:spcPts val="0"/>
-              </a:spcAft>
-              <a:buClr>
-                <a:srgbClr val="000000"/>
-              </a:buClr>
-              <a:buFont typeface="Arial"/>
-              <a:defRPr sz="1400" b="0" i="0" u="none" strike="noStrike" cap="none">
-                <a:solidFill>
-                  <a:srgbClr val="000000"/>
-                </a:solidFill>
-                <a:latin typeface="Arial"/>
-                <a:ea typeface="Arial"/>
-                <a:cs typeface="Arial"/>
-                <a:sym typeface="Arial"/>
-              </a:defRPr>
-            </a:lvl5pPr>
-            <a:lvl6pPr marR="0" lvl="5" algn="l" rtl="0">
-              <a:lnSpc>
-                <a:spcPct val="100000"/>
-              </a:lnSpc>
-              <a:spcBef>
-                <a:spcPts val="0"/>
-              </a:spcBef>
-              <a:spcAft>
-                <a:spcPts val="0"/>
-              </a:spcAft>
-              <a:buClr>
-                <a:srgbClr val="000000"/>
-              </a:buClr>
-              <a:buFont typeface="Arial"/>
-              <a:defRPr sz="1400" b="0" i="0" u="none" strike="noStrike" cap="none">
-                <a:solidFill>
-                  <a:srgbClr val="000000"/>
-                </a:solidFill>
-                <a:latin typeface="Arial"/>
-                <a:ea typeface="Arial"/>
-                <a:cs typeface="Arial"/>
-                <a:sym typeface="Arial"/>
-              </a:defRPr>
-            </a:lvl6pPr>
-            <a:lvl7pPr marR="0" lvl="6" algn="l" rtl="0">
-              <a:lnSpc>
-                <a:spcPct val="100000"/>
-              </a:lnSpc>
-              <a:spcBef>
-                <a:spcPts val="0"/>
-              </a:spcBef>
-              <a:spcAft>
-                <a:spcPts val="0"/>
-              </a:spcAft>
-              <a:buClr>
-                <a:srgbClr val="000000"/>
-              </a:buClr>
-              <a:buFont typeface="Arial"/>
-              <a:defRPr sz="1400" b="0" i="0" u="none" strike="noStrike" cap="none">
-                <a:solidFill>
-                  <a:srgbClr val="000000"/>
-                </a:solidFill>
-                <a:latin typeface="Arial"/>
-                <a:ea typeface="Arial"/>
-                <a:cs typeface="Arial"/>
-                <a:sym typeface="Arial"/>
-              </a:defRPr>
-            </a:lvl7pPr>
-            <a:lvl8pPr marR="0" lvl="7" algn="l" rtl="0">
-              <a:lnSpc>
-                <a:spcPct val="100000"/>
-              </a:lnSpc>
-              <a:spcBef>
-                <a:spcPts val="0"/>
-              </a:spcBef>
-              <a:spcAft>
-                <a:spcPts val="0"/>
-              </a:spcAft>
-              <a:buClr>
-                <a:srgbClr val="000000"/>
-              </a:buClr>
-              <a:buFont typeface="Arial"/>
-              <a:defRPr sz="1400" b="0" i="0" u="none" strike="noStrike" cap="none">
-                <a:solidFill>
-                  <a:srgbClr val="000000"/>
-                </a:solidFill>
-                <a:latin typeface="Arial"/>
-                <a:ea typeface="Arial"/>
-                <a:cs typeface="Arial"/>
-                <a:sym typeface="Arial"/>
-              </a:defRPr>
-            </a:lvl8pPr>
-            <a:lvl9pPr marR="0" lvl="8" algn="l" rtl="0">
-              <a:lnSpc>
-                <a:spcPct val="100000"/>
-              </a:lnSpc>
-              <a:spcBef>
-                <a:spcPts val="0"/>
-              </a:spcBef>
-              <a:spcAft>
-                <a:spcPts val="0"/>
-              </a:spcAft>
-              <a:buClr>
-                <a:srgbClr val="000000"/>
-              </a:buClr>
-              <a:buFont typeface="Arial"/>
-              <a:defRPr sz="1400" b="0" i="0" u="none" strike="noStrike" cap="none">
-                <a:solidFill>
-                  <a:srgbClr val="000000"/>
-                </a:solidFill>
-                <a:latin typeface="Arial"/>
-                <a:ea typeface="Arial"/>
-                <a:cs typeface="Arial"/>
-                <a:sym typeface="Arial"/>
-              </a:defRPr>
-            </a:lvl9pPr>
-          </a:lstStyle>
-          <a:p>
-            <a:r>
-              <a:rPr lang="en-US" sz="1600" b="1" dirty="0">
-                <a:solidFill>
-                  <a:schemeClr val="dk1"/>
-                </a:solidFill>
-                <a:latin typeface="Abel" panose="02000506030000020004" pitchFamily="2" charset="0"/>
-                <a:ea typeface="Abel"/>
-                <a:cs typeface="Abel"/>
-                <a:sym typeface="Abel"/>
-              </a:rPr>
-              <a:t>FreeBSD Facilities and the Kernel</a:t>
-            </a:r>
-            <a:endParaRPr lang="en-US" sz="1800" b="1" dirty="0">
-              <a:solidFill>
-                <a:schemeClr val="tx1"/>
-              </a:solidFill>
-              <a:latin typeface="Abel" panose="02000506030000020004" pitchFamily="2" charset="0"/>
-            </a:endParaRPr>
           </a:p>
         </p:txBody>
       </p:sp>
@@ -11830,10 +13667,144 @@
       </p:sp>
       <p:sp>
         <p:nvSpPr>
-          <p:cNvPr id="43" name="TextBox 42">
+          <p:cNvPr id="16" name="Rectangle: Rounded Corners 15">
             <a:extLst>
               <a:ext uri="{FF2B5EF4-FFF2-40B4-BE49-F238E27FC236}">
-                <a16:creationId xmlns:a16="http://schemas.microsoft.com/office/drawing/2014/main" id="{51B29022-0DDA-381F-8A90-02C034EAAAEF}"/>
+                <a16:creationId xmlns:a16="http://schemas.microsoft.com/office/drawing/2014/main" id="{C931422E-26EA-4D8B-FF0C-0A1C267D31FE}"/>
+              </a:ext>
+            </a:extLst>
+          </p:cNvPr>
+          <p:cNvSpPr/>
+          <p:nvPr/>
+        </p:nvSpPr>
+        <p:spPr>
+          <a:xfrm>
+            <a:off x="693850" y="771993"/>
+            <a:ext cx="7735525" cy="3695075"/>
+          </a:xfrm>
+          <a:prstGeom prst="roundRect">
+            <a:avLst>
+              <a:gd name="adj" fmla="val 2644"/>
+            </a:avLst>
+          </a:prstGeom>
+        </p:spPr>
+        <p:style>
+          <a:lnRef idx="2">
+            <a:schemeClr val="accent1">
+              <a:shade val="15000"/>
+            </a:schemeClr>
+          </a:lnRef>
+          <a:fillRef idx="1">
+            <a:schemeClr val="accent1"/>
+          </a:fillRef>
+          <a:effectRef idx="0">
+            <a:schemeClr val="accent1"/>
+          </a:effectRef>
+          <a:fontRef idx="minor">
+            <a:schemeClr val="lt1"/>
+          </a:fontRef>
+        </p:style>
+        <p:txBody>
+          <a:bodyPr rtlCol="0" anchor="t"/>
+          <a:lstStyle/>
+          <a:p>
+            <a:pPr marL="0" marR="0" algn="ctr" rtl="0">
+              <a:lnSpc>
+                <a:spcPct val="107000"/>
+              </a:lnSpc>
+              <a:spcBef>
+                <a:spcPts val="0"/>
+              </a:spcBef>
+              <a:spcAft>
+                <a:spcPts val="800"/>
+              </a:spcAft>
+            </a:pPr>
+            <a:endParaRPr lang="en-US" sz="1800" b="1" i="0" dirty="0">
+              <a:solidFill>
+                <a:srgbClr val="F3F3F3"/>
+              </a:solidFill>
+              <a:effectLst>
+                <a:outerShdw blurRad="38100" dist="38100" dir="2700000" algn="tl">
+                  <a:srgbClr val="000000">
+                    <a:alpha val="43137"/>
+                  </a:srgbClr>
+                </a:outerShdw>
+              </a:effectLst>
+              <a:latin typeface="ADLaM Display" panose="02010000000000000000" pitchFamily="2" charset="0"/>
+              <a:ea typeface="ADLaM Display" panose="02010000000000000000" pitchFamily="2" charset="0"/>
+              <a:cs typeface="ADLaM Display" panose="02010000000000000000" pitchFamily="2" charset="0"/>
+            </a:endParaRPr>
+          </a:p>
+          <a:p>
+            <a:pPr marL="0" marR="0" algn="ctr" rtl="0">
+              <a:lnSpc>
+                <a:spcPct val="107000"/>
+              </a:lnSpc>
+              <a:spcBef>
+                <a:spcPts val="0"/>
+              </a:spcBef>
+              <a:spcAft>
+                <a:spcPts val="800"/>
+              </a:spcAft>
+            </a:pPr>
+            <a:r>
+              <a:rPr lang="en-US" sz="1800" b="1" i="0" dirty="0">
+                <a:solidFill>
+                  <a:srgbClr val="F3F3F3"/>
+                </a:solidFill>
+                <a:effectLst>
+                  <a:outerShdw blurRad="38100" dist="38100" dir="2700000" algn="tl">
+                    <a:srgbClr val="000000">
+                      <a:alpha val="43137"/>
+                    </a:srgbClr>
+                  </a:outerShdw>
+                </a:effectLst>
+                <a:latin typeface="ADLaM Display" panose="02010000000000000000" pitchFamily="2" charset="0"/>
+                <a:ea typeface="ADLaM Display" panose="02010000000000000000" pitchFamily="2" charset="0"/>
+                <a:cs typeface="ADLaM Display" panose="02010000000000000000" pitchFamily="2" charset="0"/>
+              </a:rPr>
+              <a:t>Composed of an address space with one or more threads of control running within it.</a:t>
+            </a:r>
+          </a:p>
+          <a:p>
+            <a:pPr marL="0" marR="0" algn="ctr" rtl="0">
+              <a:lnSpc>
+                <a:spcPct val="107000"/>
+              </a:lnSpc>
+              <a:spcBef>
+                <a:spcPts val="0"/>
+              </a:spcBef>
+              <a:spcAft>
+                <a:spcPts val="800"/>
+              </a:spcAft>
+            </a:pPr>
+            <a:r>
+              <a:rPr lang="en-US" sz="1800" b="1" i="0" dirty="0">
+                <a:solidFill>
+                  <a:srgbClr val="F3F3F3"/>
+                </a:solidFill>
+                <a:effectLst>
+                  <a:outerShdw blurRad="38100" dist="38100" dir="2700000" algn="tl">
+                    <a:srgbClr val="000000">
+                      <a:alpha val="43137"/>
+                    </a:srgbClr>
+                  </a:outerShdw>
+                </a:effectLst>
+                <a:latin typeface="ADLaM Display" panose="02010000000000000000" pitchFamily="2" charset="0"/>
+                <a:ea typeface="ADLaM Display" panose="02010000000000000000" pitchFamily="2" charset="0"/>
+                <a:cs typeface="ADLaM Display" panose="02010000000000000000" pitchFamily="2" charset="0"/>
+              </a:rPr>
+              <a:t> The system multiplexes separate virtual-address spaces for each process.</a:t>
+            </a:r>
+          </a:p>
+        </p:txBody>
+      </p:sp>
+      <p:sp>
+        <p:nvSpPr>
+          <p:cNvPr id="22" name="TextBox 21">
+            <a:extLst>
+              <a:ext uri="{FF2B5EF4-FFF2-40B4-BE49-F238E27FC236}">
+                <a16:creationId xmlns:a16="http://schemas.microsoft.com/office/drawing/2014/main" id="{1B0E2D6D-5A23-991F-2F95-2A724E0DD35B}"/>
               </a:ext>
             </a:extLst>
           </p:cNvPr>
@@ -11842,43 +13813,153 @@
         </p:nvSpPr>
         <p:spPr>
           <a:xfrm>
-            <a:off x="590253" y="1192804"/>
-            <a:ext cx="7946368" cy="415588"/>
-          </a:xfrm>
-          <a:prstGeom prst="roundRect">
-            <a:avLst>
-              <a:gd name="adj" fmla="val 7604"/>
-            </a:avLst>
+            <a:off x="2275612" y="870782"/>
+            <a:ext cx="4572000" cy="400110"/>
+          </a:xfrm>
+          <a:prstGeom prst="rect">
+            <a:avLst/>
           </a:prstGeom>
           <a:noFill/>
-          <a:ln w="38100">
-            <a:noFill/>
-          </a:ln>
-        </p:spPr>
-        <p:txBody>
-          <a:bodyPr wrap="square" rtlCol="0">
+        </p:spPr>
+        <p:txBody>
+          <a:bodyPr wrap="square">
             <a:spAutoFit/>
           </a:bodyPr>
           <a:lstStyle/>
           <a:p>
+            <a:pPr algn="ctr"/>
             <a:r>
-              <a:rPr lang="en-US" sz="2000" b="1" dirty="0">
-                <a:solidFill>
-                  <a:schemeClr val="bg1"/>
-                </a:solidFill>
-                <a:latin typeface="Abel" panose="02000506030000020004" pitchFamily="2" charset="0"/>
+              <a:rPr lang="en-US" sz="2000" b="1" u="sng" dirty="0">
+                <a:solidFill>
+                  <a:srgbClr val="F3F3F3"/>
+                </a:solidFill>
+                <a:effectLst>
+                  <a:outerShdw blurRad="38100" dist="38100" dir="2700000" algn="tl">
+                    <a:srgbClr val="000000">
+                      <a:alpha val="43137"/>
+                    </a:srgbClr>
+                  </a:outerShdw>
+                </a:effectLst>
+                <a:latin typeface="ADLaM Display" panose="02010000000000000000" pitchFamily="2" charset="0"/>
+                <a:ea typeface="ADLaM Display" panose="02010000000000000000" pitchFamily="2" charset="0"/>
+                <a:cs typeface="ADLaM Display" panose="02010000000000000000" pitchFamily="2" charset="0"/>
               </a:rPr>
-              <a:t>1- Processes</a:t>
+              <a:t>Processes</a:t>
             </a:r>
+          </a:p>
+        </p:txBody>
+      </p:sp>
+      <p:sp>
+        <p:nvSpPr>
+          <p:cNvPr id="28" name="Rectangle 4">
+            <a:extLst>
+              <a:ext uri="{FF2B5EF4-FFF2-40B4-BE49-F238E27FC236}">
+                <a16:creationId xmlns:a16="http://schemas.microsoft.com/office/drawing/2014/main" id="{24CBBCCA-F5C4-16C7-63C4-B05C08797FD3}"/>
+              </a:ext>
+            </a:extLst>
+          </p:cNvPr>
+          <p:cNvSpPr>
+            <a:spLocks noChangeArrowheads="1"/>
+          </p:cNvSpPr>
+          <p:nvPr/>
+        </p:nvSpPr>
+        <p:spPr bwMode="auto">
+          <a:xfrm flipH="1">
+            <a:off x="1008074" y="3088032"/>
+            <a:ext cx="3827202" cy="289441"/>
+          </a:xfrm>
+          <a:prstGeom prst="roundRect">
+            <a:avLst/>
+          </a:prstGeom>
+          <a:ln/>
+        </p:spPr>
+        <p:style>
+          <a:lnRef idx="3">
+            <a:schemeClr val="lt1"/>
+          </a:lnRef>
+          <a:fillRef idx="1">
+            <a:schemeClr val="accent5"/>
+          </a:fillRef>
+          <a:effectRef idx="1">
+            <a:schemeClr val="accent5"/>
+          </a:effectRef>
+          <a:fontRef idx="minor">
+            <a:schemeClr val="lt1"/>
+          </a:fontRef>
+        </p:style>
+        <p:txBody>
+          <a:bodyPr vert="horz" wrap="square" lIns="91440" tIns="45720" rIns="91440" bIns="45720" numCol="1" anchor="ctr" anchorCtr="0" compatLnSpc="1">
+            <a:prstTxWarp prst="textNoShape">
+              <a:avLst/>
+            </a:prstTxWarp>
+            <a:spAutoFit/>
+          </a:bodyPr>
+          <a:lstStyle/>
+          <a:p>
+            <a:pPr marL="0" marR="0" lvl="0" indent="0" algn="ctr" defTabSz="914400" rtl="0" eaLnBrk="0" fontAlgn="base" latinLnBrk="0" hangingPunct="0">
+              <a:lnSpc>
+                <a:spcPct val="100000"/>
+              </a:lnSpc>
+              <a:spcBef>
+                <a:spcPct val="0"/>
+              </a:spcBef>
+              <a:spcAft>
+                <a:spcPct val="0"/>
+              </a:spcAft>
+              <a:buClrTx/>
+              <a:buSzTx/>
+              <a:buFontTx/>
+              <a:buNone/>
+              <a:tabLst/>
+            </a:pPr>
+            <a:r>
+              <a:rPr kumimoji="0" lang="en-US" altLang="en-US" sz="1100" i="0" u="none" strike="noStrike" cap="none" normalizeH="0" baseline="0" dirty="0">
+                <a:ln>
+                  <a:noFill/>
+                </a:ln>
+                <a:solidFill>
+                  <a:srgbClr val="F3F3F3"/>
+                </a:solidFill>
+                <a:effectLst>
+                  <a:outerShdw blurRad="38100" dist="38100" dir="2700000" algn="tl">
+                    <a:srgbClr val="000000">
+                      <a:alpha val="43137"/>
+                    </a:srgbClr>
+                  </a:outerShdw>
+                </a:effectLst>
+                <a:latin typeface="ADLaM Display" panose="02010000000000000000" pitchFamily="2" charset="0"/>
+                <a:ea typeface="ADLaM Display" panose="02010000000000000000" pitchFamily="2" charset="0"/>
+                <a:cs typeface="ADLaM Display" panose="02010000000000000000" pitchFamily="2" charset="0"/>
+              </a:rPr>
+              <a:t>To show process States, use (PS) command to show it</a:t>
+            </a:r>
+            <a:endParaRPr kumimoji="0" lang="en-US" altLang="en-US" sz="100" i="0" u="none" strike="noStrike" cap="none" normalizeH="0" baseline="0" dirty="0">
+              <a:ln>
+                <a:noFill/>
+              </a:ln>
+              <a:solidFill>
+                <a:srgbClr val="F3F3F3"/>
+              </a:solidFill>
+              <a:effectLst>
+                <a:outerShdw blurRad="38100" dist="38100" dir="2700000" algn="tl">
+                  <a:srgbClr val="000000">
+                    <a:alpha val="43137"/>
+                  </a:srgbClr>
+                </a:outerShdw>
+              </a:effectLst>
+              <a:latin typeface="ADLaM Display" panose="02010000000000000000" pitchFamily="2" charset="0"/>
+              <a:ea typeface="ADLaM Display" panose="02010000000000000000" pitchFamily="2" charset="0"/>
+              <a:cs typeface="ADLaM Display" panose="02010000000000000000" pitchFamily="2" charset="0"/>
+            </a:endParaRPr>
           </a:p>
         </p:txBody>
       </p:sp>
       <p:pic>
         <p:nvPicPr>
-          <p:cNvPr id="44" name="Picture 43">
+          <p:cNvPr id="46" name="Picture 45">
             <a:extLst>
               <a:ext uri="{FF2B5EF4-FFF2-40B4-BE49-F238E27FC236}">
-                <a16:creationId xmlns:a16="http://schemas.microsoft.com/office/drawing/2014/main" id="{FD77A539-CA69-700C-BB70-D4847E85345B}"/>
+                <a16:creationId xmlns:a16="http://schemas.microsoft.com/office/drawing/2014/main" id="{4056E15F-382B-42AC-8767-957ED557FCB9}"/>
               </a:ext>
             </a:extLst>
           </p:cNvPr>
@@ -11895,8 +13976,8 @@
         </p:blipFill>
         <p:spPr>
           <a:xfrm>
-            <a:off x="6620087" y="1766384"/>
-            <a:ext cx="1842814" cy="1902259"/>
+            <a:off x="5149500" y="2910935"/>
+            <a:ext cx="3065609" cy="1177034"/>
           </a:xfrm>
           <a:prstGeom prst="roundRect">
             <a:avLst>
@@ -11927,54 +14008,156 @@
           </a:sp3d>
         </p:spPr>
       </p:pic>
-      <p:sp>
-        <p:nvSpPr>
-          <p:cNvPr id="13" name="TextBox 12">
+      <p:cxnSp>
+        <p:nvCxnSpPr>
+          <p:cNvPr id="55" name="Connector: Elbow 54">
             <a:extLst>
               <a:ext uri="{FF2B5EF4-FFF2-40B4-BE49-F238E27FC236}">
-                <a16:creationId xmlns:a16="http://schemas.microsoft.com/office/drawing/2014/main" id="{0348FEF4-5698-60B2-8874-047F1C75BC09}"/>
+                <a16:creationId xmlns:a16="http://schemas.microsoft.com/office/drawing/2014/main" id="{D5F6D5CB-EFFD-53A7-40BF-83284D6F7890}"/>
               </a:ext>
             </a:extLst>
           </p:cNvPr>
-          <p:cNvSpPr txBox="1"/>
-          <p:nvPr/>
-        </p:nvSpPr>
-        <p:spPr>
-          <a:xfrm>
-            <a:off x="603399" y="1966994"/>
-            <a:ext cx="4762601" cy="1264642"/>
-          </a:xfrm>
-          <a:prstGeom prst="rect">
-            <a:avLst/>
-          </a:prstGeom>
-          <a:noFill/>
-        </p:spPr>
-        <p:txBody>
-          <a:bodyPr wrap="square" rtlCol="0">
-            <a:spAutoFit/>
-          </a:bodyPr>
+          <p:cNvCxnSpPr>
+            <a:cxnSpLocks/>
+          </p:cNvCxnSpPr>
+          <p:nvPr/>
+        </p:nvCxnSpPr>
+        <p:spPr>
+          <a:xfrm rot="16200000" flipH="1">
+            <a:off x="3801451" y="2497697"/>
+            <a:ext cx="469892" cy="2229444"/>
+          </a:xfrm>
+          <a:prstGeom prst="bentConnector2">
+            <a:avLst/>
+          </a:prstGeom>
+          <a:ln>
+            <a:tailEnd type="triangle"/>
+          </a:ln>
+        </p:spPr>
+        <p:style>
+          <a:lnRef idx="3">
+            <a:schemeClr val="accent5"/>
+          </a:lnRef>
+          <a:fillRef idx="0">
+            <a:schemeClr val="accent5"/>
+          </a:fillRef>
+          <a:effectRef idx="2">
+            <a:schemeClr val="accent5"/>
+          </a:effectRef>
+          <a:fontRef idx="minor">
+            <a:schemeClr val="tx1"/>
+          </a:fontRef>
+        </p:style>
+      </p:cxnSp>
+      <p:sp>
+        <p:nvSpPr>
+          <p:cNvPr id="57" name="Rectangle: Rounded Corners 56">
+            <a:hlinkClick r:id="rId3" action="ppaction://hlinksldjump"/>
+            <a:extLst>
+              <a:ext uri="{FF2B5EF4-FFF2-40B4-BE49-F238E27FC236}">
+                <a16:creationId xmlns:a16="http://schemas.microsoft.com/office/drawing/2014/main" id="{03F63E7E-1A38-93C9-1900-D3D0CC479EE6}"/>
+              </a:ext>
+            </a:extLst>
+          </p:cNvPr>
+          <p:cNvSpPr/>
+          <p:nvPr/>
+        </p:nvSpPr>
+        <p:spPr>
+          <a:xfrm>
+            <a:off x="691765" y="3819365"/>
+            <a:ext cx="1859280" cy="642461"/>
+          </a:xfrm>
+          <a:prstGeom prst="roundRect">
+            <a:avLst/>
+          </a:prstGeom>
+          <a:gradFill flip="none" rotWithShape="1">
+            <a:gsLst>
+              <a:gs pos="0">
+                <a:schemeClr val="accent1">
+                  <a:shade val="30000"/>
+                  <a:satMod val="115000"/>
+                </a:schemeClr>
+              </a:gs>
+              <a:gs pos="50000">
+                <a:schemeClr val="accent1">
+                  <a:shade val="67500"/>
+                  <a:satMod val="115000"/>
+                </a:schemeClr>
+              </a:gs>
+              <a:gs pos="100000">
+                <a:schemeClr val="accent1">
+                  <a:shade val="100000"/>
+                  <a:satMod val="115000"/>
+                </a:schemeClr>
+              </a:gs>
+            </a:gsLst>
+            <a:path path="circle">
+              <a:fillToRect t="100000" r="100000"/>
+            </a:path>
+            <a:tileRect l="-100000" b="-100000"/>
+          </a:gradFill>
+        </p:spPr>
+        <p:style>
+          <a:lnRef idx="2">
+            <a:schemeClr val="accent1">
+              <a:shade val="15000"/>
+            </a:schemeClr>
+          </a:lnRef>
+          <a:fillRef idx="1">
+            <a:schemeClr val="accent1"/>
+          </a:fillRef>
+          <a:effectRef idx="0">
+            <a:schemeClr val="accent1"/>
+          </a:effectRef>
+          <a:fontRef idx="minor">
+            <a:schemeClr val="lt1"/>
+          </a:fontRef>
+        </p:style>
+        <p:txBody>
+          <a:bodyPr rtlCol="0" anchor="ctr"/>
           <a:lstStyle/>
           <a:p>
-            <a:pPr marR="0" lvl="0">
-              <a:lnSpc>
-                <a:spcPct val="107000"/>
-              </a:lnSpc>
-              <a:spcBef>
-                <a:spcPts val="0"/>
-              </a:spcBef>
-              <a:spcAft>
-                <a:spcPts val="800"/>
-              </a:spcAft>
-            </a:pPr>
+            <a:pPr algn="ctr"/>
             <a:r>
-              <a:rPr lang="en-US" sz="1800" dirty="0">
-                <a:effectLst/>
-                <a:latin typeface="Calibri" panose="020F0502020204030204" pitchFamily="34" charset="0"/>
-                <a:ea typeface="Calibri" panose="020F0502020204030204" pitchFamily="34" charset="0"/>
-                <a:cs typeface="Times New Roman" panose="02020603050405020304" pitchFamily="18" charset="0"/>
+              <a:rPr lang="en-US" dirty="0">
+                <a:solidFill>
+                  <a:srgbClr val="F3F3F3"/>
+                </a:solidFill>
+                <a:effectLst>
+                  <a:outerShdw blurRad="38100" dist="38100" dir="2700000" algn="tl">
+                    <a:srgbClr val="000000">
+                      <a:alpha val="43137"/>
+                    </a:srgbClr>
+                  </a:outerShdw>
+                </a:effectLst>
+                <a:latin typeface="ADLaM Display" panose="02010000000000000000" pitchFamily="2" charset="0"/>
+                <a:ea typeface="ADLaM Display" panose="02010000000000000000" pitchFamily="2" charset="0"/>
+                <a:cs typeface="ADLaM Display" panose="02010000000000000000" pitchFamily="2" charset="0"/>
+                <a:hlinkClick r:id="" action="ppaction://hlinkshowjump?jump=previousslide">
+                  <a:extLst>
+                    <a:ext uri="{A12FA001-AC4F-418D-AE19-62706E023703}">
+                      <ahyp:hlinkClr xmlns:ahyp="http://schemas.microsoft.com/office/drawing/2018/hyperlinkcolor" val="tx"/>
+                    </a:ext>
+                  </a:extLst>
+                </a:hlinkClick>
               </a:rPr>
-              <a:t>Composed of an address space with one or more threads of control running within it. The system multiplexes separate virtual-address spaces for each process.</a:t>
+              <a:t>Back</a:t>
             </a:r>
+            <a:endParaRPr lang="en-US" dirty="0">
+              <a:solidFill>
+                <a:srgbClr val="F3F3F3"/>
+              </a:solidFill>
+              <a:effectLst>
+                <a:outerShdw blurRad="38100" dist="38100" dir="2700000" algn="tl">
+                  <a:srgbClr val="000000">
+                    <a:alpha val="43137"/>
+                  </a:srgbClr>
+                </a:outerShdw>
+              </a:effectLst>
+              <a:latin typeface="ADLaM Display" panose="02010000000000000000" pitchFamily="2" charset="0"/>
+              <a:ea typeface="ADLaM Display" panose="02010000000000000000" pitchFamily="2" charset="0"/>
+              <a:cs typeface="ADLaM Display" panose="02010000000000000000" pitchFamily="2" charset="0"/>
+            </a:endParaRPr>
           </a:p>
         </p:txBody>
       </p:sp>
@@ -11988,13 +14171,13 @@
   <p:clrMapOvr>
     <a:masterClrMapping/>
   </p:clrMapOvr>
-  <mc:AlternateContent xmlns:mc="http://schemas.openxmlformats.org/markup-compatibility/2006" xmlns:p159="http://schemas.microsoft.com/office/powerpoint/2015/09/main">
-    <mc:Choice Requires="p159">
+  <mc:AlternateContent xmlns:mc="http://schemas.openxmlformats.org/markup-compatibility/2006">
+    <mc:Choice xmlns:p159="http://schemas.microsoft.com/office/powerpoint/2015/09/main" Requires="p159">
       <p:transition xmlns:p14="http://schemas.microsoft.com/office/powerpoint/2010/main" spd="slow" p14:dur="2000">
         <p159:morph option="byObject"/>
       </p:transition>
     </mc:Choice>
-    <mc:Fallback xmlns="">
+    <mc:Fallback>
       <p:transition spd="slow">
         <p:fade/>
       </p:transition>
@@ -12003,8 +14186,8 @@
 </p:sld>
 </file>
 
-<file path=ppt/slides/slide5.xml><?xml version="1.0" encoding="utf-8"?>
-<p:sld xmlns:a="http://schemas.openxmlformats.org/drawingml/2006/main" xmlns:r="http://schemas.openxmlformats.org/officeDocument/2006/relationships" xmlns:p="http://schemas.openxmlformats.org/presentationml/2006/main">
+<file path=ppt/slides/slide6.xml><?xml version="1.0" encoding="utf-8"?>
+<p:sld xmlns:a="http://schemas.openxmlformats.org/drawingml/2006/main" xmlns:r="http://schemas.openxmlformats.org/officeDocument/2006/relationships" xmlns:p="http://schemas.openxmlformats.org/presentationml/2006/main" show="0">
   <p:cSld>
     <p:spTree>
       <p:nvGrpSpPr>
@@ -12107,566 +14290,6 @@
               <a:buNone/>
             </a:pPr>
             <a:endParaRPr/>
-          </a:p>
-        </p:txBody>
-      </p:sp>
-      <p:grpSp>
-        <p:nvGrpSpPr>
-          <p:cNvPr id="3" name="Google Shape;503;p30">
-            <a:extLst>
-              <a:ext uri="{FF2B5EF4-FFF2-40B4-BE49-F238E27FC236}">
-                <a16:creationId xmlns:a16="http://schemas.microsoft.com/office/drawing/2014/main" id="{BB05049E-7C55-A589-B7B6-8269EFA79F41}"/>
-              </a:ext>
-            </a:extLst>
-          </p:cNvPr>
-          <p:cNvGrpSpPr/>
-          <p:nvPr/>
-        </p:nvGrpSpPr>
-        <p:grpSpPr>
-          <a:xfrm>
-            <a:off x="436487" y="588361"/>
-            <a:ext cx="8253900" cy="4016544"/>
-            <a:chOff x="445050" y="393000"/>
-            <a:chExt cx="8253900" cy="3347700"/>
-          </a:xfrm>
-        </p:grpSpPr>
-        <p:sp>
-          <p:nvSpPr>
-            <p:cNvPr id="5" name="Google Shape;504;p30">
-              <a:extLst>
-                <a:ext uri="{FF2B5EF4-FFF2-40B4-BE49-F238E27FC236}">
-                  <a16:creationId xmlns:a16="http://schemas.microsoft.com/office/drawing/2014/main" id="{6AA8D716-E808-286B-C128-14AC99064135}"/>
-                </a:ext>
-              </a:extLst>
-            </p:cNvPr>
-            <p:cNvSpPr/>
-            <p:nvPr/>
-          </p:nvSpPr>
-          <p:spPr>
-            <a:xfrm>
-              <a:off x="445050" y="393000"/>
-              <a:ext cx="8253900" cy="3347700"/>
-            </a:xfrm>
-            <a:prstGeom prst="roundRect">
-              <a:avLst>
-                <a:gd name="adj" fmla="val 8573"/>
-              </a:avLst>
-            </a:prstGeom>
-            <a:solidFill>
-              <a:srgbClr val="F3F3F3"/>
-            </a:solidFill>
-            <a:ln>
-              <a:noFill/>
-            </a:ln>
-            <a:effectLst>
-              <a:outerShdw blurRad="57150" dist="47625" dir="2940000" algn="bl" rotWithShape="0">
-                <a:srgbClr val="963A2A">
-                  <a:alpha val="47000"/>
-                </a:srgbClr>
-              </a:outerShdw>
-            </a:effectLst>
-          </p:spPr>
-          <p:txBody>
-            <a:bodyPr spcFirstLastPara="1" wrap="square" lIns="91425" tIns="91425" rIns="91425" bIns="91425" anchor="ctr" anchorCtr="0">
-              <a:noAutofit/>
-            </a:bodyPr>
-            <a:lstStyle/>
-            <a:p>
-              <a:pPr marL="0" lvl="0" indent="0" algn="l" rtl="0">
-                <a:spcBef>
-                  <a:spcPts val="0"/>
-                </a:spcBef>
-                <a:spcAft>
-                  <a:spcPts val="0"/>
-                </a:spcAft>
-                <a:buNone/>
-              </a:pPr>
-              <a:endParaRPr dirty="0"/>
-            </a:p>
-          </p:txBody>
-        </p:sp>
-        <p:grpSp>
-          <p:nvGrpSpPr>
-            <p:cNvPr id="7" name="Google Shape;505;p30">
-              <a:extLst>
-                <a:ext uri="{FF2B5EF4-FFF2-40B4-BE49-F238E27FC236}">
-                  <a16:creationId xmlns:a16="http://schemas.microsoft.com/office/drawing/2014/main" id="{60579862-4F9C-7C3A-19A3-E374028E154B}"/>
-                </a:ext>
-              </a:extLst>
-            </p:cNvPr>
-            <p:cNvGrpSpPr/>
-            <p:nvPr/>
-          </p:nvGrpSpPr>
-          <p:grpSpPr>
-            <a:xfrm>
-              <a:off x="445050" y="393000"/>
-              <a:ext cx="8253900" cy="392400"/>
-              <a:chOff x="-8550475" y="393000"/>
-              <a:chExt cx="8253900" cy="392400"/>
-            </a:xfrm>
-          </p:grpSpPr>
-          <p:sp>
-            <p:nvSpPr>
-              <p:cNvPr id="8" name="Google Shape;506;p30">
-                <a:extLst>
-                  <a:ext uri="{FF2B5EF4-FFF2-40B4-BE49-F238E27FC236}">
-                    <a16:creationId xmlns:a16="http://schemas.microsoft.com/office/drawing/2014/main" id="{5E167DFE-804B-12FE-CE99-F38C744EA859}"/>
-                  </a:ext>
-                </a:extLst>
-              </p:cNvPr>
-              <p:cNvSpPr/>
-              <p:nvPr/>
-            </p:nvSpPr>
-            <p:spPr>
-              <a:xfrm>
-                <a:off x="-8550475" y="393000"/>
-                <a:ext cx="8253900" cy="392400"/>
-              </a:xfrm>
-              <a:prstGeom prst="round2SameRect">
-                <a:avLst>
-                  <a:gd name="adj1" fmla="val 38309"/>
-                  <a:gd name="adj2" fmla="val 0"/>
-                </a:avLst>
-              </a:prstGeom>
-              <a:solidFill>
-                <a:srgbClr val="434343"/>
-              </a:solidFill>
-              <a:ln>
-                <a:noFill/>
-              </a:ln>
-            </p:spPr>
-            <p:txBody>
-              <a:bodyPr spcFirstLastPara="1" wrap="square" lIns="91425" tIns="91425" rIns="91425" bIns="91425" anchor="ctr" anchorCtr="0">
-                <a:noAutofit/>
-              </a:bodyPr>
-              <a:lstStyle/>
-              <a:p>
-                <a:pPr marL="0" lvl="0" indent="0" algn="l" rtl="0">
-                  <a:spcBef>
-                    <a:spcPts val="0"/>
-                  </a:spcBef>
-                  <a:spcAft>
-                    <a:spcPts val="0"/>
-                  </a:spcAft>
-                  <a:buNone/>
-                </a:pPr>
-                <a:endParaRPr dirty="0"/>
-              </a:p>
-            </p:txBody>
-          </p:sp>
-          <p:sp>
-            <p:nvSpPr>
-              <p:cNvPr id="9" name="Google Shape;507;p30">
-                <a:extLst>
-                  <a:ext uri="{FF2B5EF4-FFF2-40B4-BE49-F238E27FC236}">
-                    <a16:creationId xmlns:a16="http://schemas.microsoft.com/office/drawing/2014/main" id="{FC6D0673-BBCF-E06A-CEA8-C18C09061A2A}"/>
-                  </a:ext>
-                </a:extLst>
-              </p:cNvPr>
-              <p:cNvSpPr/>
-              <p:nvPr/>
-            </p:nvSpPr>
-            <p:spPr>
-              <a:xfrm>
-                <a:off x="-8397500" y="531300"/>
-                <a:ext cx="119100" cy="119100"/>
-              </a:xfrm>
-              <a:prstGeom prst="ellipse">
-                <a:avLst/>
-              </a:prstGeom>
-              <a:solidFill>
-                <a:schemeClr val="lt2"/>
-              </a:solidFill>
-              <a:ln>
-                <a:noFill/>
-              </a:ln>
-            </p:spPr>
-            <p:txBody>
-              <a:bodyPr spcFirstLastPara="1" wrap="square" lIns="91425" tIns="91425" rIns="91425" bIns="91425" anchor="ctr" anchorCtr="0">
-                <a:noAutofit/>
-              </a:bodyPr>
-              <a:lstStyle/>
-              <a:p>
-                <a:pPr marL="0" lvl="0" indent="0" algn="l" rtl="0">
-                  <a:spcBef>
-                    <a:spcPts val="0"/>
-                  </a:spcBef>
-                  <a:spcAft>
-                    <a:spcPts val="0"/>
-                  </a:spcAft>
-                  <a:buNone/>
-                </a:pPr>
-                <a:endParaRPr/>
-              </a:p>
-            </p:txBody>
-          </p:sp>
-          <p:sp>
-            <p:nvSpPr>
-              <p:cNvPr id="10" name="Google Shape;508;p30">
-                <a:extLst>
-                  <a:ext uri="{FF2B5EF4-FFF2-40B4-BE49-F238E27FC236}">
-                    <a16:creationId xmlns:a16="http://schemas.microsoft.com/office/drawing/2014/main" id="{CA2D7C14-61B9-A7A5-80F8-AB7783825E28}"/>
-                  </a:ext>
-                </a:extLst>
-              </p:cNvPr>
-              <p:cNvSpPr/>
-              <p:nvPr/>
-            </p:nvSpPr>
-            <p:spPr>
-              <a:xfrm>
-                <a:off x="-8182900" y="531300"/>
-                <a:ext cx="119100" cy="119100"/>
-              </a:xfrm>
-              <a:prstGeom prst="ellipse">
-                <a:avLst/>
-              </a:prstGeom>
-              <a:solidFill>
-                <a:srgbClr val="FFD966"/>
-              </a:solidFill>
-              <a:ln>
-                <a:noFill/>
-              </a:ln>
-            </p:spPr>
-            <p:txBody>
-              <a:bodyPr spcFirstLastPara="1" wrap="square" lIns="91425" tIns="91425" rIns="91425" bIns="91425" anchor="ctr" anchorCtr="0">
-                <a:noAutofit/>
-              </a:bodyPr>
-              <a:lstStyle/>
-              <a:p>
-                <a:pPr marL="0" lvl="0" indent="0" algn="l" rtl="0">
-                  <a:spcBef>
-                    <a:spcPts val="0"/>
-                  </a:spcBef>
-                  <a:spcAft>
-                    <a:spcPts val="0"/>
-                  </a:spcAft>
-                  <a:buNone/>
-                </a:pPr>
-                <a:endParaRPr/>
-              </a:p>
-            </p:txBody>
-          </p:sp>
-          <p:sp>
-            <p:nvSpPr>
-              <p:cNvPr id="11" name="Google Shape;509;p30">
-                <a:extLst>
-                  <a:ext uri="{FF2B5EF4-FFF2-40B4-BE49-F238E27FC236}">
-                    <a16:creationId xmlns:a16="http://schemas.microsoft.com/office/drawing/2014/main" id="{5A183AAB-1CC0-D25A-D6B6-DFDDA0BB8A08}"/>
-                  </a:ext>
-                </a:extLst>
-              </p:cNvPr>
-              <p:cNvSpPr/>
-              <p:nvPr/>
-            </p:nvSpPr>
-            <p:spPr>
-              <a:xfrm>
-                <a:off x="-7968300" y="531300"/>
-                <a:ext cx="119100" cy="119100"/>
-              </a:xfrm>
-              <a:prstGeom prst="ellipse">
-                <a:avLst/>
-              </a:prstGeom>
-              <a:solidFill>
-                <a:srgbClr val="93C47D"/>
-              </a:solidFill>
-              <a:ln>
-                <a:noFill/>
-              </a:ln>
-            </p:spPr>
-            <p:txBody>
-              <a:bodyPr spcFirstLastPara="1" wrap="square" lIns="91425" tIns="91425" rIns="91425" bIns="91425" anchor="ctr" anchorCtr="0">
-                <a:noAutofit/>
-              </a:bodyPr>
-              <a:lstStyle/>
-              <a:p>
-                <a:pPr marL="0" lvl="0" indent="0" algn="l" rtl="0">
-                  <a:spcBef>
-                    <a:spcPts val="0"/>
-                  </a:spcBef>
-                  <a:spcAft>
-                    <a:spcPts val="0"/>
-                  </a:spcAft>
-                  <a:buNone/>
-                </a:pPr>
-                <a:endParaRPr/>
-              </a:p>
-            </p:txBody>
-          </p:sp>
-        </p:grpSp>
-      </p:grpSp>
-      <p:sp>
-        <p:nvSpPr>
-          <p:cNvPr id="12" name="Title 535">
-            <a:extLst>
-              <a:ext uri="{FF2B5EF4-FFF2-40B4-BE49-F238E27FC236}">
-                <a16:creationId xmlns:a16="http://schemas.microsoft.com/office/drawing/2014/main" id="{426448BC-30FA-5CAF-DBB9-280B95ECB937}"/>
-              </a:ext>
-            </a:extLst>
-          </p:cNvPr>
-          <p:cNvSpPr txBox="1">
-            <a:spLocks/>
-          </p:cNvSpPr>
-          <p:nvPr/>
-        </p:nvSpPr>
-        <p:spPr>
-          <a:xfrm>
-            <a:off x="1194524" y="680318"/>
-            <a:ext cx="3097149" cy="317532"/>
-          </a:xfrm>
-          <a:prstGeom prst="rect">
-            <a:avLst/>
-          </a:prstGeom>
-        </p:spPr>
-        <p:txBody>
-          <a:bodyPr/>
-          <a:lstStyle>
-            <a:defPPr marR="0" lvl="0" algn="l" rtl="0">
-              <a:lnSpc>
-                <a:spcPct val="100000"/>
-              </a:lnSpc>
-              <a:spcBef>
-                <a:spcPts val="0"/>
-              </a:spcBef>
-              <a:spcAft>
-                <a:spcPts val="0"/>
-              </a:spcAft>
-            </a:defPPr>
-            <a:lvl1pPr marR="0" lvl="0" algn="l" rtl="0">
-              <a:lnSpc>
-                <a:spcPct val="100000"/>
-              </a:lnSpc>
-              <a:spcBef>
-                <a:spcPts val="0"/>
-              </a:spcBef>
-              <a:spcAft>
-                <a:spcPts val="0"/>
-              </a:spcAft>
-              <a:buClr>
-                <a:srgbClr val="000000"/>
-              </a:buClr>
-              <a:buFont typeface="Arial"/>
-              <a:defRPr sz="1400" b="0" i="0" u="none" strike="noStrike" cap="none">
-                <a:solidFill>
-                  <a:srgbClr val="000000"/>
-                </a:solidFill>
-                <a:latin typeface="Arial"/>
-                <a:ea typeface="Arial"/>
-                <a:cs typeface="Arial"/>
-                <a:sym typeface="Arial"/>
-              </a:defRPr>
-            </a:lvl1pPr>
-            <a:lvl2pPr marR="0" lvl="1" algn="l" rtl="0">
-              <a:lnSpc>
-                <a:spcPct val="100000"/>
-              </a:lnSpc>
-              <a:spcBef>
-                <a:spcPts val="0"/>
-              </a:spcBef>
-              <a:spcAft>
-                <a:spcPts val="0"/>
-              </a:spcAft>
-              <a:buClr>
-                <a:srgbClr val="000000"/>
-              </a:buClr>
-              <a:buFont typeface="Arial"/>
-              <a:defRPr sz="1400" b="0" i="0" u="none" strike="noStrike" cap="none">
-                <a:solidFill>
-                  <a:srgbClr val="000000"/>
-                </a:solidFill>
-                <a:latin typeface="Arial"/>
-                <a:ea typeface="Arial"/>
-                <a:cs typeface="Arial"/>
-                <a:sym typeface="Arial"/>
-              </a:defRPr>
-            </a:lvl2pPr>
-            <a:lvl3pPr marR="0" lvl="2" algn="l" rtl="0">
-              <a:lnSpc>
-                <a:spcPct val="100000"/>
-              </a:lnSpc>
-              <a:spcBef>
-                <a:spcPts val="0"/>
-              </a:spcBef>
-              <a:spcAft>
-                <a:spcPts val="0"/>
-              </a:spcAft>
-              <a:buClr>
-                <a:srgbClr val="000000"/>
-              </a:buClr>
-              <a:buFont typeface="Arial"/>
-              <a:defRPr sz="1400" b="0" i="0" u="none" strike="noStrike" cap="none">
-                <a:solidFill>
-                  <a:srgbClr val="000000"/>
-                </a:solidFill>
-                <a:latin typeface="Arial"/>
-                <a:ea typeface="Arial"/>
-                <a:cs typeface="Arial"/>
-                <a:sym typeface="Arial"/>
-              </a:defRPr>
-            </a:lvl3pPr>
-            <a:lvl4pPr marR="0" lvl="3" algn="l" rtl="0">
-              <a:lnSpc>
-                <a:spcPct val="100000"/>
-              </a:lnSpc>
-              <a:spcBef>
-                <a:spcPts val="0"/>
-              </a:spcBef>
-              <a:spcAft>
-                <a:spcPts val="0"/>
-              </a:spcAft>
-              <a:buClr>
-                <a:srgbClr val="000000"/>
-              </a:buClr>
-              <a:buFont typeface="Arial"/>
-              <a:defRPr sz="1400" b="0" i="0" u="none" strike="noStrike" cap="none">
-                <a:solidFill>
-                  <a:srgbClr val="000000"/>
-                </a:solidFill>
-                <a:latin typeface="Arial"/>
-                <a:ea typeface="Arial"/>
-                <a:cs typeface="Arial"/>
-                <a:sym typeface="Arial"/>
-              </a:defRPr>
-            </a:lvl4pPr>
-            <a:lvl5pPr marR="0" lvl="4" algn="l" rtl="0">
-              <a:lnSpc>
-                <a:spcPct val="100000"/>
-              </a:lnSpc>
-              <a:spcBef>
-                <a:spcPts val="0"/>
-              </a:spcBef>
-              <a:spcAft>
-                <a:spcPts val="0"/>
-              </a:spcAft>
-              <a:buClr>
-                <a:srgbClr val="000000"/>
-              </a:buClr>
-              <a:buFont typeface="Arial"/>
-              <a:defRPr sz="1400" b="0" i="0" u="none" strike="noStrike" cap="none">
-                <a:solidFill>
-                  <a:srgbClr val="000000"/>
-                </a:solidFill>
-                <a:latin typeface="Arial"/>
-                <a:ea typeface="Arial"/>
-                <a:cs typeface="Arial"/>
-                <a:sym typeface="Arial"/>
-              </a:defRPr>
-            </a:lvl5pPr>
-            <a:lvl6pPr marR="0" lvl="5" algn="l" rtl="0">
-              <a:lnSpc>
-                <a:spcPct val="100000"/>
-              </a:lnSpc>
-              <a:spcBef>
-                <a:spcPts val="0"/>
-              </a:spcBef>
-              <a:spcAft>
-                <a:spcPts val="0"/>
-              </a:spcAft>
-              <a:buClr>
-                <a:srgbClr val="000000"/>
-              </a:buClr>
-              <a:buFont typeface="Arial"/>
-              <a:defRPr sz="1400" b="0" i="0" u="none" strike="noStrike" cap="none">
-                <a:solidFill>
-                  <a:srgbClr val="000000"/>
-                </a:solidFill>
-                <a:latin typeface="Arial"/>
-                <a:ea typeface="Arial"/>
-                <a:cs typeface="Arial"/>
-                <a:sym typeface="Arial"/>
-              </a:defRPr>
-            </a:lvl6pPr>
-            <a:lvl7pPr marR="0" lvl="6" algn="l" rtl="0">
-              <a:lnSpc>
-                <a:spcPct val="100000"/>
-              </a:lnSpc>
-              <a:spcBef>
-                <a:spcPts val="0"/>
-              </a:spcBef>
-              <a:spcAft>
-                <a:spcPts val="0"/>
-              </a:spcAft>
-              <a:buClr>
-                <a:srgbClr val="000000"/>
-              </a:buClr>
-              <a:buFont typeface="Arial"/>
-              <a:defRPr sz="1400" b="0" i="0" u="none" strike="noStrike" cap="none">
-                <a:solidFill>
-                  <a:srgbClr val="000000"/>
-                </a:solidFill>
-                <a:latin typeface="Arial"/>
-                <a:ea typeface="Arial"/>
-                <a:cs typeface="Arial"/>
-                <a:sym typeface="Arial"/>
-              </a:defRPr>
-            </a:lvl7pPr>
-            <a:lvl8pPr marR="0" lvl="7" algn="l" rtl="0">
-              <a:lnSpc>
-                <a:spcPct val="100000"/>
-              </a:lnSpc>
-              <a:spcBef>
-                <a:spcPts val="0"/>
-              </a:spcBef>
-              <a:spcAft>
-                <a:spcPts val="0"/>
-              </a:spcAft>
-              <a:buClr>
-                <a:srgbClr val="000000"/>
-              </a:buClr>
-              <a:buFont typeface="Arial"/>
-              <a:defRPr sz="1400" b="0" i="0" u="none" strike="noStrike" cap="none">
-                <a:solidFill>
-                  <a:srgbClr val="000000"/>
-                </a:solidFill>
-                <a:latin typeface="Arial"/>
-                <a:ea typeface="Arial"/>
-                <a:cs typeface="Arial"/>
-                <a:sym typeface="Arial"/>
-              </a:defRPr>
-            </a:lvl8pPr>
-            <a:lvl9pPr marR="0" lvl="8" algn="l" rtl="0">
-              <a:lnSpc>
-                <a:spcPct val="100000"/>
-              </a:lnSpc>
-              <a:spcBef>
-                <a:spcPts val="0"/>
-              </a:spcBef>
-              <a:spcAft>
-                <a:spcPts val="0"/>
-              </a:spcAft>
-              <a:buClr>
-                <a:srgbClr val="000000"/>
-              </a:buClr>
-              <a:buFont typeface="Arial"/>
-              <a:defRPr sz="1400" b="0" i="0" u="none" strike="noStrike" cap="none">
-                <a:solidFill>
-                  <a:srgbClr val="000000"/>
-                </a:solidFill>
-                <a:latin typeface="Arial"/>
-                <a:ea typeface="Arial"/>
-                <a:cs typeface="Arial"/>
-                <a:sym typeface="Arial"/>
-              </a:defRPr>
-            </a:lvl9pPr>
-          </a:lstStyle>
-          <a:p>
-            <a:r>
-              <a:rPr lang="en-US" sz="1600" b="1" dirty="0">
-                <a:solidFill>
-                  <a:schemeClr val="dk1"/>
-                </a:solidFill>
-                <a:latin typeface="Abel" panose="02000506030000020004" pitchFamily="2" charset="0"/>
-                <a:ea typeface="Abel"/>
-                <a:cs typeface="Abel"/>
-                <a:sym typeface="Abel"/>
-              </a:rPr>
-              <a:t>FreeBSD Facilities and the Kernel</a:t>
-            </a:r>
-            <a:endParaRPr lang="en-US" sz="1800" b="1" dirty="0">
-              <a:solidFill>
-                <a:schemeClr val="tx1"/>
-              </a:solidFill>
-              <a:latin typeface="Abel" panose="02000506030000020004" pitchFamily="2" charset="0"/>
-            </a:endParaRPr>
           </a:p>
         </p:txBody>
       </p:sp>
@@ -13556,10 +15179,113 @@
       </p:sp>
       <p:sp>
         <p:nvSpPr>
-          <p:cNvPr id="43" name="TextBox 42">
+          <p:cNvPr id="16" name="Rectangle: Rounded Corners 15">
             <a:extLst>
               <a:ext uri="{FF2B5EF4-FFF2-40B4-BE49-F238E27FC236}">
-                <a16:creationId xmlns:a16="http://schemas.microsoft.com/office/drawing/2014/main" id="{51B29022-0DDA-381F-8A90-02C034EAAAEF}"/>
+                <a16:creationId xmlns:a16="http://schemas.microsoft.com/office/drawing/2014/main" id="{C931422E-26EA-4D8B-FF0C-0A1C267D31FE}"/>
+              </a:ext>
+            </a:extLst>
+          </p:cNvPr>
+          <p:cNvSpPr/>
+          <p:nvPr/>
+        </p:nvSpPr>
+        <p:spPr>
+          <a:xfrm>
+            <a:off x="693850" y="771993"/>
+            <a:ext cx="7735525" cy="3695075"/>
+          </a:xfrm>
+          <a:prstGeom prst="roundRect">
+            <a:avLst>
+              <a:gd name="adj" fmla="val 2644"/>
+            </a:avLst>
+          </a:prstGeom>
+        </p:spPr>
+        <p:style>
+          <a:lnRef idx="2">
+            <a:schemeClr val="accent1">
+              <a:shade val="15000"/>
+            </a:schemeClr>
+          </a:lnRef>
+          <a:fillRef idx="1">
+            <a:schemeClr val="accent1"/>
+          </a:fillRef>
+          <a:effectRef idx="0">
+            <a:schemeClr val="accent1"/>
+          </a:effectRef>
+          <a:fontRef idx="minor">
+            <a:schemeClr val="lt1"/>
+          </a:fontRef>
+        </p:style>
+        <p:txBody>
+          <a:bodyPr rtlCol="0" anchor="t"/>
+          <a:lstStyle/>
+          <a:p>
+            <a:pPr marL="0" marR="0" algn="ctr" rtl="0">
+              <a:lnSpc>
+                <a:spcPct val="107000"/>
+              </a:lnSpc>
+              <a:spcBef>
+                <a:spcPts val="0"/>
+              </a:spcBef>
+              <a:spcAft>
+                <a:spcPts val="800"/>
+              </a:spcAft>
+            </a:pPr>
+            <a:endParaRPr lang="ar-EG" sz="1800" b="1" i="0" dirty="0">
+              <a:solidFill>
+                <a:srgbClr val="F3F3F3"/>
+              </a:solidFill>
+              <a:effectLst>
+                <a:outerShdw blurRad="38100" dist="38100" dir="2700000" algn="tl">
+                  <a:srgbClr val="000000">
+                    <a:alpha val="43137"/>
+                  </a:srgbClr>
+                </a:outerShdw>
+              </a:effectLst>
+              <a:latin typeface="ADLaM Display" panose="02010000000000000000" pitchFamily="2" charset="0"/>
+              <a:ea typeface="ADLaM Display" panose="02010000000000000000" pitchFamily="2" charset="0"/>
+              <a:cs typeface="ADLaM Display" panose="02010000000000000000" pitchFamily="2" charset="0"/>
+            </a:endParaRPr>
+          </a:p>
+          <a:p>
+            <a:pPr marL="0" marR="0" algn="ctr" rtl="0">
+              <a:lnSpc>
+                <a:spcPct val="107000"/>
+              </a:lnSpc>
+              <a:spcBef>
+                <a:spcPts val="0"/>
+              </a:spcBef>
+              <a:spcAft>
+                <a:spcPts val="800"/>
+              </a:spcAft>
+            </a:pPr>
+            <a:r>
+              <a:rPr lang="en-US" sz="1800" b="1" i="0" dirty="0">
+                <a:solidFill>
+                  <a:srgbClr val="F3F3F3"/>
+                </a:solidFill>
+                <a:effectLst>
+                  <a:outerShdw blurRad="38100" dist="38100" dir="2700000" algn="tl">
+                    <a:srgbClr val="000000">
+                      <a:alpha val="43137"/>
+                    </a:srgbClr>
+                  </a:outerShdw>
+                </a:effectLst>
+                <a:latin typeface="ADLaM Display" panose="02010000000000000000" pitchFamily="2" charset="0"/>
+                <a:ea typeface="ADLaM Display" panose="02010000000000000000" pitchFamily="2" charset="0"/>
+                <a:cs typeface="ADLaM Display" panose="02010000000000000000" pitchFamily="2" charset="0"/>
+              </a:rPr>
+              <a:t>The filesystem provides operations to manipulate a set of named files, organized in a tree-structured hierarchy of directories. The filesystem organizes the files and directories on physical media, such as disks.</a:t>
+            </a:r>
+          </a:p>
+        </p:txBody>
+      </p:sp>
+      <p:sp>
+        <p:nvSpPr>
+          <p:cNvPr id="22" name="TextBox 21">
+            <a:extLst>
+              <a:ext uri="{FF2B5EF4-FFF2-40B4-BE49-F238E27FC236}">
+                <a16:creationId xmlns:a16="http://schemas.microsoft.com/office/drawing/2014/main" id="{1B0E2D6D-5A23-991F-2F95-2A724E0DD35B}"/>
               </a:ext>
             </a:extLst>
           </p:cNvPr>
@@ -13568,61 +15294,184 @@
         </p:nvSpPr>
         <p:spPr>
           <a:xfrm>
-            <a:off x="590253" y="1192804"/>
-            <a:ext cx="7946368" cy="415588"/>
-          </a:xfrm>
-          <a:prstGeom prst="roundRect">
-            <a:avLst>
-              <a:gd name="adj" fmla="val 7604"/>
-            </a:avLst>
+            <a:off x="2275612" y="870782"/>
+            <a:ext cx="4572000" cy="400110"/>
+          </a:xfrm>
+          <a:prstGeom prst="rect">
+            <a:avLst/>
           </a:prstGeom>
           <a:noFill/>
-          <a:ln w="38100">
-            <a:noFill/>
-          </a:ln>
-        </p:spPr>
-        <p:txBody>
-          <a:bodyPr wrap="square" rtlCol="0">
+        </p:spPr>
+        <p:txBody>
+          <a:bodyPr wrap="square">
             <a:spAutoFit/>
           </a:bodyPr>
           <a:lstStyle/>
           <a:p>
+            <a:pPr algn="ctr"/>
             <a:r>
-              <a:rPr lang="en-US" sz="2000" b="1" dirty="0">
-                <a:solidFill>
-                  <a:schemeClr val="bg1"/>
-                </a:solidFill>
-                <a:latin typeface="Abel" panose="02000506030000020004" pitchFamily="2" charset="0"/>
+              <a:rPr lang="en-US" sz="2000" b="1" u="sng" dirty="0">
+                <a:solidFill>
+                  <a:srgbClr val="F3F3F3"/>
+                </a:solidFill>
+                <a:effectLst>
+                  <a:outerShdw blurRad="38100" dist="38100" dir="2700000" algn="tl">
+                    <a:srgbClr val="000000">
+                      <a:alpha val="43137"/>
+                    </a:srgbClr>
+                  </a:outerShdw>
+                </a:effectLst>
+                <a:latin typeface="ADLaM Display" panose="02010000000000000000" pitchFamily="2" charset="0"/>
+                <a:ea typeface="ADLaM Display" panose="02010000000000000000" pitchFamily="2" charset="0"/>
+                <a:cs typeface="ADLaM Display" panose="02010000000000000000" pitchFamily="2" charset="0"/>
               </a:rPr>
-              <a:t>2- Filesystem</a:t>
+              <a:t>Filesystem</a:t>
             </a:r>
+          </a:p>
+        </p:txBody>
+      </p:sp>
+      <p:sp>
+        <p:nvSpPr>
+          <p:cNvPr id="57" name="Rectangle: Rounded Corners 56">
+            <a:extLst>
+              <a:ext uri="{FF2B5EF4-FFF2-40B4-BE49-F238E27FC236}">
+                <a16:creationId xmlns:a16="http://schemas.microsoft.com/office/drawing/2014/main" id="{03F63E7E-1A38-93C9-1900-D3D0CC479EE6}"/>
+              </a:ext>
+            </a:extLst>
+          </p:cNvPr>
+          <p:cNvSpPr/>
+          <p:nvPr/>
+        </p:nvSpPr>
+        <p:spPr>
+          <a:xfrm>
+            <a:off x="691765" y="3819365"/>
+            <a:ext cx="1859280" cy="642461"/>
+          </a:xfrm>
+          <a:prstGeom prst="roundRect">
+            <a:avLst/>
+          </a:prstGeom>
+          <a:gradFill flip="none" rotWithShape="1">
+            <a:gsLst>
+              <a:gs pos="0">
+                <a:schemeClr val="accent1">
+                  <a:shade val="30000"/>
+                  <a:satMod val="115000"/>
+                </a:schemeClr>
+              </a:gs>
+              <a:gs pos="50000">
+                <a:schemeClr val="accent1">
+                  <a:shade val="67500"/>
+                  <a:satMod val="115000"/>
+                </a:schemeClr>
+              </a:gs>
+              <a:gs pos="100000">
+                <a:schemeClr val="accent1">
+                  <a:shade val="100000"/>
+                  <a:satMod val="115000"/>
+                </a:schemeClr>
+              </a:gs>
+            </a:gsLst>
+            <a:path path="circle">
+              <a:fillToRect t="100000" r="100000"/>
+            </a:path>
+            <a:tileRect l="-100000" b="-100000"/>
+          </a:gradFill>
+        </p:spPr>
+        <p:style>
+          <a:lnRef idx="2">
+            <a:schemeClr val="accent1">
+              <a:shade val="15000"/>
+            </a:schemeClr>
+          </a:lnRef>
+          <a:fillRef idx="1">
+            <a:schemeClr val="accent1"/>
+          </a:fillRef>
+          <a:effectRef idx="0">
+            <a:schemeClr val="accent1"/>
+          </a:effectRef>
+          <a:fontRef idx="minor">
+            <a:schemeClr val="lt1"/>
+          </a:fontRef>
+        </p:style>
+        <p:txBody>
+          <a:bodyPr rtlCol="0" anchor="ctr"/>
+          <a:lstStyle/>
+          <a:p>
+            <a:pPr algn="ctr"/>
+            <a:r>
+              <a:rPr lang="en-US" dirty="0">
+                <a:solidFill>
+                  <a:srgbClr val="F3F3F3"/>
+                </a:solidFill>
+                <a:effectLst>
+                  <a:outerShdw blurRad="38100" dist="38100" dir="2700000" algn="tl">
+                    <a:srgbClr val="000000">
+                      <a:alpha val="43137"/>
+                    </a:srgbClr>
+                  </a:outerShdw>
+                </a:effectLst>
+                <a:latin typeface="ADLaM Display" panose="02010000000000000000" pitchFamily="2" charset="0"/>
+                <a:ea typeface="ADLaM Display" panose="02010000000000000000" pitchFamily="2" charset="0"/>
+                <a:cs typeface="ADLaM Display" panose="02010000000000000000" pitchFamily="2" charset="0"/>
+                <a:hlinkClick r:id="" action="ppaction://hlinkshowjump?jump=previousslide">
+                  <a:extLst>
+                    <a:ext uri="{A12FA001-AC4F-418D-AE19-62706E023703}">
+                      <ahyp:hlinkClr xmlns:ahyp="http://schemas.microsoft.com/office/drawing/2018/hyperlinkcolor" val="tx"/>
+                    </a:ext>
+                  </a:extLst>
+                </a:hlinkClick>
+              </a:rPr>
+              <a:t>Back</a:t>
+            </a:r>
+            <a:endParaRPr lang="en-US" dirty="0">
+              <a:solidFill>
+                <a:srgbClr val="F3F3F3"/>
+              </a:solidFill>
+              <a:effectLst>
+                <a:outerShdw blurRad="38100" dist="38100" dir="2700000" algn="tl">
+                  <a:srgbClr val="000000">
+                    <a:alpha val="43137"/>
+                  </a:srgbClr>
+                </a:outerShdw>
+              </a:effectLst>
+              <a:latin typeface="ADLaM Display" panose="02010000000000000000" pitchFamily="2" charset="0"/>
+              <a:ea typeface="ADLaM Display" panose="02010000000000000000" pitchFamily="2" charset="0"/>
+              <a:cs typeface="ADLaM Display" panose="02010000000000000000" pitchFamily="2" charset="0"/>
+            </a:endParaRPr>
           </a:p>
         </p:txBody>
       </p:sp>
       <p:pic>
         <p:nvPicPr>
-          <p:cNvPr id="44" name="Picture 43">
+          <p:cNvPr id="2050" name="Picture 2" descr="The FreeBSD Directory Structure - FreeBSD® Unleashed [Book]">
             <a:extLst>
               <a:ext uri="{FF2B5EF4-FFF2-40B4-BE49-F238E27FC236}">
-                <a16:creationId xmlns:a16="http://schemas.microsoft.com/office/drawing/2014/main" id="{FD77A539-CA69-700C-BB70-D4847E85345B}"/>
+                <a16:creationId xmlns:a16="http://schemas.microsoft.com/office/drawing/2014/main" id="{3F9B9FE5-3650-3466-2506-F30EBA319A9E}"/>
               </a:ext>
             </a:extLst>
           </p:cNvPr>
           <p:cNvPicPr>
-            <a:picLocks noChangeAspect="1"/>
+            <a:picLocks noChangeAspect="1" noChangeArrowheads="1"/>
           </p:cNvPicPr>
           <p:nvPr/>
         </p:nvPicPr>
         <p:blipFill>
-          <a:blip r:embed="rId6"/>
+          <a:blip r:embed="rId6">
+            <a:extLst>
+              <a:ext uri="{28A0092B-C50C-407E-A947-70E740481C1C}">
+                <a14:useLocalDpi xmlns:a14="http://schemas.microsoft.com/office/drawing/2010/main" val="0"/>
+              </a:ext>
+            </a:extLst>
+          </a:blip>
+          <a:srcRect/>
           <a:stretch>
             <a:fillRect/>
           </a:stretch>
         </p:blipFill>
-        <p:spPr>
-          <a:xfrm>
-            <a:off x="6620087" y="1766384"/>
-            <a:ext cx="1842814" cy="1902259"/>
+        <p:spPr bwMode="auto">
+          <a:xfrm>
+            <a:off x="3664214" y="2505630"/>
+            <a:ext cx="4572000" cy="1836478"/>
           </a:xfrm>
           <a:prstGeom prst="roundRect">
             <a:avLst>
@@ -13651,84 +15500,21 @@
               <a:srgbClr val="969696"/>
             </a:contourClr>
           </a:sp3d>
+          <a:extLst>
+            <a:ext uri="{909E8E84-426E-40DD-AFC4-6F175D3DCCD1}">
+              <a14:hiddenFill xmlns:a14="http://schemas.microsoft.com/office/drawing/2010/main">
+                <a:solidFill>
+                  <a:srgbClr val="FFFFFF"/>
+                </a:solidFill>
+              </a14:hiddenFill>
+            </a:ext>
+          </a:extLst>
         </p:spPr>
       </p:pic>
-      <p:sp>
-        <p:nvSpPr>
-          <p:cNvPr id="13" name="TextBox 12">
-            <a:extLst>
-              <a:ext uri="{FF2B5EF4-FFF2-40B4-BE49-F238E27FC236}">
-                <a16:creationId xmlns:a16="http://schemas.microsoft.com/office/drawing/2014/main" id="{0348FEF4-5698-60B2-8874-047F1C75BC09}"/>
-              </a:ext>
-            </a:extLst>
-          </p:cNvPr>
-          <p:cNvSpPr txBox="1"/>
-          <p:nvPr/>
-        </p:nvSpPr>
-        <p:spPr>
-          <a:xfrm>
-            <a:off x="603399" y="1966994"/>
-            <a:ext cx="4762601" cy="1561005"/>
-          </a:xfrm>
-          <a:prstGeom prst="rect">
-            <a:avLst/>
-          </a:prstGeom>
-          <a:noFill/>
-        </p:spPr>
-        <p:txBody>
-          <a:bodyPr wrap="square" rtlCol="0">
-            <a:spAutoFit/>
-          </a:bodyPr>
-          <a:lstStyle/>
-          <a:p>
-            <a:pPr marR="0" lvl="0">
-              <a:lnSpc>
-                <a:spcPct val="107000"/>
-              </a:lnSpc>
-              <a:spcBef>
-                <a:spcPts val="0"/>
-              </a:spcBef>
-              <a:spcAft>
-                <a:spcPts val="800"/>
-              </a:spcAft>
-            </a:pPr>
-            <a:r>
-              <a:rPr lang="en-US" sz="1800" dirty="0">
-                <a:effectLst/>
-                <a:latin typeface="Calibri" panose="020F0502020204030204" pitchFamily="34" charset="0"/>
-                <a:ea typeface="Calibri" panose="020F0502020204030204" pitchFamily="34" charset="0"/>
-                <a:cs typeface="Times New Roman" panose="02020603050405020304" pitchFamily="18" charset="0"/>
-              </a:rPr>
-              <a:t>The filesystem provides operations to manipulate a set of named files, organized in a </a:t>
-            </a:r>
-            <a:r>
-              <a:rPr lang="en-US" sz="1800" dirty="0">
-                <a:solidFill>
-                  <a:srgbClr val="FF0000"/>
-                </a:solidFill>
-                <a:effectLst/>
-                <a:latin typeface="Calibri" panose="020F0502020204030204" pitchFamily="34" charset="0"/>
-                <a:ea typeface="Calibri" panose="020F0502020204030204" pitchFamily="34" charset="0"/>
-                <a:cs typeface="Times New Roman" panose="02020603050405020304" pitchFamily="18" charset="0"/>
-              </a:rPr>
-              <a:t>tree-structured hierarchy </a:t>
-            </a:r>
-            <a:r>
-              <a:rPr lang="en-US" sz="1800" dirty="0">
-                <a:effectLst/>
-                <a:latin typeface="Calibri" panose="020F0502020204030204" pitchFamily="34" charset="0"/>
-                <a:ea typeface="Calibri" panose="020F0502020204030204" pitchFamily="34" charset="0"/>
-                <a:cs typeface="Times New Roman" panose="02020603050405020304" pitchFamily="18" charset="0"/>
-              </a:rPr>
-              <a:t>of directories. The filesystem organizes the files and directories on physical media, such as disks.</a:t>
-            </a:r>
-          </a:p>
-        </p:txBody>
-      </p:sp>
     </p:spTree>
     <p:extLst>
       <p:ext uri="{BB962C8B-B14F-4D97-AF65-F5344CB8AC3E}">
-        <p14:creationId xmlns:p14="http://schemas.microsoft.com/office/powerpoint/2010/main" val="2337361457"/>
+        <p14:creationId xmlns:p14="http://schemas.microsoft.com/office/powerpoint/2010/main" val="1632993967"/>
       </p:ext>
     </p:extLst>
   </p:cSld>
@@ -13750,8 +15536,8 @@
 </p:sld>
 </file>
 
-<file path=ppt/slides/slide6.xml><?xml version="1.0" encoding="utf-8"?>
-<p:sld xmlns:a="http://schemas.openxmlformats.org/drawingml/2006/main" xmlns:r="http://schemas.openxmlformats.org/officeDocument/2006/relationships" xmlns:p="http://schemas.openxmlformats.org/presentationml/2006/main">
+<file path=ppt/slides/slide7.xml><?xml version="1.0" encoding="utf-8"?>
+<p:sld xmlns:a="http://schemas.openxmlformats.org/drawingml/2006/main" xmlns:r="http://schemas.openxmlformats.org/officeDocument/2006/relationships" xmlns:p="http://schemas.openxmlformats.org/presentationml/2006/main" show="0">
   <p:cSld>
     <p:spTree>
       <p:nvGrpSpPr>
@@ -13854,566 +15640,6 @@
               <a:buNone/>
             </a:pPr>
             <a:endParaRPr/>
-          </a:p>
-        </p:txBody>
-      </p:sp>
-      <p:grpSp>
-        <p:nvGrpSpPr>
-          <p:cNvPr id="3" name="Google Shape;503;p30">
-            <a:extLst>
-              <a:ext uri="{FF2B5EF4-FFF2-40B4-BE49-F238E27FC236}">
-                <a16:creationId xmlns:a16="http://schemas.microsoft.com/office/drawing/2014/main" id="{BB05049E-7C55-A589-B7B6-8269EFA79F41}"/>
-              </a:ext>
-            </a:extLst>
-          </p:cNvPr>
-          <p:cNvGrpSpPr/>
-          <p:nvPr/>
-        </p:nvGrpSpPr>
-        <p:grpSpPr>
-          <a:xfrm>
-            <a:off x="436487" y="588361"/>
-            <a:ext cx="8253900" cy="4016544"/>
-            <a:chOff x="445050" y="393000"/>
-            <a:chExt cx="8253900" cy="3347700"/>
-          </a:xfrm>
-        </p:grpSpPr>
-        <p:sp>
-          <p:nvSpPr>
-            <p:cNvPr id="5" name="Google Shape;504;p30">
-              <a:extLst>
-                <a:ext uri="{FF2B5EF4-FFF2-40B4-BE49-F238E27FC236}">
-                  <a16:creationId xmlns:a16="http://schemas.microsoft.com/office/drawing/2014/main" id="{6AA8D716-E808-286B-C128-14AC99064135}"/>
-                </a:ext>
-              </a:extLst>
-            </p:cNvPr>
-            <p:cNvSpPr/>
-            <p:nvPr/>
-          </p:nvSpPr>
-          <p:spPr>
-            <a:xfrm>
-              <a:off x="445050" y="393000"/>
-              <a:ext cx="8253900" cy="3347700"/>
-            </a:xfrm>
-            <a:prstGeom prst="roundRect">
-              <a:avLst>
-                <a:gd name="adj" fmla="val 8573"/>
-              </a:avLst>
-            </a:prstGeom>
-            <a:solidFill>
-              <a:srgbClr val="F3F3F3"/>
-            </a:solidFill>
-            <a:ln>
-              <a:noFill/>
-            </a:ln>
-            <a:effectLst>
-              <a:outerShdw blurRad="57150" dist="47625" dir="2940000" algn="bl" rotWithShape="0">
-                <a:srgbClr val="963A2A">
-                  <a:alpha val="47000"/>
-                </a:srgbClr>
-              </a:outerShdw>
-            </a:effectLst>
-          </p:spPr>
-          <p:txBody>
-            <a:bodyPr spcFirstLastPara="1" wrap="square" lIns="91425" tIns="91425" rIns="91425" bIns="91425" anchor="ctr" anchorCtr="0">
-              <a:noAutofit/>
-            </a:bodyPr>
-            <a:lstStyle/>
-            <a:p>
-              <a:pPr marL="0" lvl="0" indent="0" algn="l" rtl="0">
-                <a:spcBef>
-                  <a:spcPts val="0"/>
-                </a:spcBef>
-                <a:spcAft>
-                  <a:spcPts val="0"/>
-                </a:spcAft>
-                <a:buNone/>
-              </a:pPr>
-              <a:endParaRPr dirty="0"/>
-            </a:p>
-          </p:txBody>
-        </p:sp>
-        <p:grpSp>
-          <p:nvGrpSpPr>
-            <p:cNvPr id="7" name="Google Shape;505;p30">
-              <a:extLst>
-                <a:ext uri="{FF2B5EF4-FFF2-40B4-BE49-F238E27FC236}">
-                  <a16:creationId xmlns:a16="http://schemas.microsoft.com/office/drawing/2014/main" id="{60579862-4F9C-7C3A-19A3-E374028E154B}"/>
-                </a:ext>
-              </a:extLst>
-            </p:cNvPr>
-            <p:cNvGrpSpPr/>
-            <p:nvPr/>
-          </p:nvGrpSpPr>
-          <p:grpSpPr>
-            <a:xfrm>
-              <a:off x="445050" y="393000"/>
-              <a:ext cx="8253900" cy="392400"/>
-              <a:chOff x="-8550475" y="393000"/>
-              <a:chExt cx="8253900" cy="392400"/>
-            </a:xfrm>
-          </p:grpSpPr>
-          <p:sp>
-            <p:nvSpPr>
-              <p:cNvPr id="8" name="Google Shape;506;p30">
-                <a:extLst>
-                  <a:ext uri="{FF2B5EF4-FFF2-40B4-BE49-F238E27FC236}">
-                    <a16:creationId xmlns:a16="http://schemas.microsoft.com/office/drawing/2014/main" id="{5E167DFE-804B-12FE-CE99-F38C744EA859}"/>
-                  </a:ext>
-                </a:extLst>
-              </p:cNvPr>
-              <p:cNvSpPr/>
-              <p:nvPr/>
-            </p:nvSpPr>
-            <p:spPr>
-              <a:xfrm>
-                <a:off x="-8550475" y="393000"/>
-                <a:ext cx="8253900" cy="392400"/>
-              </a:xfrm>
-              <a:prstGeom prst="round2SameRect">
-                <a:avLst>
-                  <a:gd name="adj1" fmla="val 38309"/>
-                  <a:gd name="adj2" fmla="val 0"/>
-                </a:avLst>
-              </a:prstGeom>
-              <a:solidFill>
-                <a:srgbClr val="434343"/>
-              </a:solidFill>
-              <a:ln>
-                <a:noFill/>
-              </a:ln>
-            </p:spPr>
-            <p:txBody>
-              <a:bodyPr spcFirstLastPara="1" wrap="square" lIns="91425" tIns="91425" rIns="91425" bIns="91425" anchor="ctr" anchorCtr="0">
-                <a:noAutofit/>
-              </a:bodyPr>
-              <a:lstStyle/>
-              <a:p>
-                <a:pPr marL="0" lvl="0" indent="0" algn="l" rtl="0">
-                  <a:spcBef>
-                    <a:spcPts val="0"/>
-                  </a:spcBef>
-                  <a:spcAft>
-                    <a:spcPts val="0"/>
-                  </a:spcAft>
-                  <a:buNone/>
-                </a:pPr>
-                <a:endParaRPr dirty="0"/>
-              </a:p>
-            </p:txBody>
-          </p:sp>
-          <p:sp>
-            <p:nvSpPr>
-              <p:cNvPr id="9" name="Google Shape;507;p30">
-                <a:extLst>
-                  <a:ext uri="{FF2B5EF4-FFF2-40B4-BE49-F238E27FC236}">
-                    <a16:creationId xmlns:a16="http://schemas.microsoft.com/office/drawing/2014/main" id="{FC6D0673-BBCF-E06A-CEA8-C18C09061A2A}"/>
-                  </a:ext>
-                </a:extLst>
-              </p:cNvPr>
-              <p:cNvSpPr/>
-              <p:nvPr/>
-            </p:nvSpPr>
-            <p:spPr>
-              <a:xfrm>
-                <a:off x="-8397500" y="531300"/>
-                <a:ext cx="119100" cy="119100"/>
-              </a:xfrm>
-              <a:prstGeom prst="ellipse">
-                <a:avLst/>
-              </a:prstGeom>
-              <a:solidFill>
-                <a:schemeClr val="lt2"/>
-              </a:solidFill>
-              <a:ln>
-                <a:noFill/>
-              </a:ln>
-            </p:spPr>
-            <p:txBody>
-              <a:bodyPr spcFirstLastPara="1" wrap="square" lIns="91425" tIns="91425" rIns="91425" bIns="91425" anchor="ctr" anchorCtr="0">
-                <a:noAutofit/>
-              </a:bodyPr>
-              <a:lstStyle/>
-              <a:p>
-                <a:pPr marL="0" lvl="0" indent="0" algn="l" rtl="0">
-                  <a:spcBef>
-                    <a:spcPts val="0"/>
-                  </a:spcBef>
-                  <a:spcAft>
-                    <a:spcPts val="0"/>
-                  </a:spcAft>
-                  <a:buNone/>
-                </a:pPr>
-                <a:endParaRPr/>
-              </a:p>
-            </p:txBody>
-          </p:sp>
-          <p:sp>
-            <p:nvSpPr>
-              <p:cNvPr id="10" name="Google Shape;508;p30">
-                <a:extLst>
-                  <a:ext uri="{FF2B5EF4-FFF2-40B4-BE49-F238E27FC236}">
-                    <a16:creationId xmlns:a16="http://schemas.microsoft.com/office/drawing/2014/main" id="{CA2D7C14-61B9-A7A5-80F8-AB7783825E28}"/>
-                  </a:ext>
-                </a:extLst>
-              </p:cNvPr>
-              <p:cNvSpPr/>
-              <p:nvPr/>
-            </p:nvSpPr>
-            <p:spPr>
-              <a:xfrm>
-                <a:off x="-8182900" y="531300"/>
-                <a:ext cx="119100" cy="119100"/>
-              </a:xfrm>
-              <a:prstGeom prst="ellipse">
-                <a:avLst/>
-              </a:prstGeom>
-              <a:solidFill>
-                <a:srgbClr val="FFD966"/>
-              </a:solidFill>
-              <a:ln>
-                <a:noFill/>
-              </a:ln>
-            </p:spPr>
-            <p:txBody>
-              <a:bodyPr spcFirstLastPara="1" wrap="square" lIns="91425" tIns="91425" rIns="91425" bIns="91425" anchor="ctr" anchorCtr="0">
-                <a:noAutofit/>
-              </a:bodyPr>
-              <a:lstStyle/>
-              <a:p>
-                <a:pPr marL="0" lvl="0" indent="0" algn="l" rtl="0">
-                  <a:spcBef>
-                    <a:spcPts val="0"/>
-                  </a:spcBef>
-                  <a:spcAft>
-                    <a:spcPts val="0"/>
-                  </a:spcAft>
-                  <a:buNone/>
-                </a:pPr>
-                <a:endParaRPr/>
-              </a:p>
-            </p:txBody>
-          </p:sp>
-          <p:sp>
-            <p:nvSpPr>
-              <p:cNvPr id="11" name="Google Shape;509;p30">
-                <a:extLst>
-                  <a:ext uri="{FF2B5EF4-FFF2-40B4-BE49-F238E27FC236}">
-                    <a16:creationId xmlns:a16="http://schemas.microsoft.com/office/drawing/2014/main" id="{5A183AAB-1CC0-D25A-D6B6-DFDDA0BB8A08}"/>
-                  </a:ext>
-                </a:extLst>
-              </p:cNvPr>
-              <p:cNvSpPr/>
-              <p:nvPr/>
-            </p:nvSpPr>
-            <p:spPr>
-              <a:xfrm>
-                <a:off x="-7968300" y="531300"/>
-                <a:ext cx="119100" cy="119100"/>
-              </a:xfrm>
-              <a:prstGeom prst="ellipse">
-                <a:avLst/>
-              </a:prstGeom>
-              <a:solidFill>
-                <a:srgbClr val="93C47D"/>
-              </a:solidFill>
-              <a:ln>
-                <a:noFill/>
-              </a:ln>
-            </p:spPr>
-            <p:txBody>
-              <a:bodyPr spcFirstLastPara="1" wrap="square" lIns="91425" tIns="91425" rIns="91425" bIns="91425" anchor="ctr" anchorCtr="0">
-                <a:noAutofit/>
-              </a:bodyPr>
-              <a:lstStyle/>
-              <a:p>
-                <a:pPr marL="0" lvl="0" indent="0" algn="l" rtl="0">
-                  <a:spcBef>
-                    <a:spcPts val="0"/>
-                  </a:spcBef>
-                  <a:spcAft>
-                    <a:spcPts val="0"/>
-                  </a:spcAft>
-                  <a:buNone/>
-                </a:pPr>
-                <a:endParaRPr/>
-              </a:p>
-            </p:txBody>
-          </p:sp>
-        </p:grpSp>
-      </p:grpSp>
-      <p:sp>
-        <p:nvSpPr>
-          <p:cNvPr id="12" name="Title 535">
-            <a:extLst>
-              <a:ext uri="{FF2B5EF4-FFF2-40B4-BE49-F238E27FC236}">
-                <a16:creationId xmlns:a16="http://schemas.microsoft.com/office/drawing/2014/main" id="{426448BC-30FA-5CAF-DBB9-280B95ECB937}"/>
-              </a:ext>
-            </a:extLst>
-          </p:cNvPr>
-          <p:cNvSpPr txBox="1">
-            <a:spLocks/>
-          </p:cNvSpPr>
-          <p:nvPr/>
-        </p:nvSpPr>
-        <p:spPr>
-          <a:xfrm>
-            <a:off x="1194524" y="680318"/>
-            <a:ext cx="3097149" cy="317532"/>
-          </a:xfrm>
-          <a:prstGeom prst="rect">
-            <a:avLst/>
-          </a:prstGeom>
-        </p:spPr>
-        <p:txBody>
-          <a:bodyPr/>
-          <a:lstStyle>
-            <a:defPPr marR="0" lvl="0" algn="l" rtl="0">
-              <a:lnSpc>
-                <a:spcPct val="100000"/>
-              </a:lnSpc>
-              <a:spcBef>
-                <a:spcPts val="0"/>
-              </a:spcBef>
-              <a:spcAft>
-                <a:spcPts val="0"/>
-              </a:spcAft>
-            </a:defPPr>
-            <a:lvl1pPr marR="0" lvl="0" algn="l" rtl="0">
-              <a:lnSpc>
-                <a:spcPct val="100000"/>
-              </a:lnSpc>
-              <a:spcBef>
-                <a:spcPts val="0"/>
-              </a:spcBef>
-              <a:spcAft>
-                <a:spcPts val="0"/>
-              </a:spcAft>
-              <a:buClr>
-                <a:srgbClr val="000000"/>
-              </a:buClr>
-              <a:buFont typeface="Arial"/>
-              <a:defRPr sz="1400" b="0" i="0" u="none" strike="noStrike" cap="none">
-                <a:solidFill>
-                  <a:srgbClr val="000000"/>
-                </a:solidFill>
-                <a:latin typeface="Arial"/>
-                <a:ea typeface="Arial"/>
-                <a:cs typeface="Arial"/>
-                <a:sym typeface="Arial"/>
-              </a:defRPr>
-            </a:lvl1pPr>
-            <a:lvl2pPr marR="0" lvl="1" algn="l" rtl="0">
-              <a:lnSpc>
-                <a:spcPct val="100000"/>
-              </a:lnSpc>
-              <a:spcBef>
-                <a:spcPts val="0"/>
-              </a:spcBef>
-              <a:spcAft>
-                <a:spcPts val="0"/>
-              </a:spcAft>
-              <a:buClr>
-                <a:srgbClr val="000000"/>
-              </a:buClr>
-              <a:buFont typeface="Arial"/>
-              <a:defRPr sz="1400" b="0" i="0" u="none" strike="noStrike" cap="none">
-                <a:solidFill>
-                  <a:srgbClr val="000000"/>
-                </a:solidFill>
-                <a:latin typeface="Arial"/>
-                <a:ea typeface="Arial"/>
-                <a:cs typeface="Arial"/>
-                <a:sym typeface="Arial"/>
-              </a:defRPr>
-            </a:lvl2pPr>
-            <a:lvl3pPr marR="0" lvl="2" algn="l" rtl="0">
-              <a:lnSpc>
-                <a:spcPct val="100000"/>
-              </a:lnSpc>
-              <a:spcBef>
-                <a:spcPts val="0"/>
-              </a:spcBef>
-              <a:spcAft>
-                <a:spcPts val="0"/>
-              </a:spcAft>
-              <a:buClr>
-                <a:srgbClr val="000000"/>
-              </a:buClr>
-              <a:buFont typeface="Arial"/>
-              <a:defRPr sz="1400" b="0" i="0" u="none" strike="noStrike" cap="none">
-                <a:solidFill>
-                  <a:srgbClr val="000000"/>
-                </a:solidFill>
-                <a:latin typeface="Arial"/>
-                <a:ea typeface="Arial"/>
-                <a:cs typeface="Arial"/>
-                <a:sym typeface="Arial"/>
-              </a:defRPr>
-            </a:lvl3pPr>
-            <a:lvl4pPr marR="0" lvl="3" algn="l" rtl="0">
-              <a:lnSpc>
-                <a:spcPct val="100000"/>
-              </a:lnSpc>
-              <a:spcBef>
-                <a:spcPts val="0"/>
-              </a:spcBef>
-              <a:spcAft>
-                <a:spcPts val="0"/>
-              </a:spcAft>
-              <a:buClr>
-                <a:srgbClr val="000000"/>
-              </a:buClr>
-              <a:buFont typeface="Arial"/>
-              <a:defRPr sz="1400" b="0" i="0" u="none" strike="noStrike" cap="none">
-                <a:solidFill>
-                  <a:srgbClr val="000000"/>
-                </a:solidFill>
-                <a:latin typeface="Arial"/>
-                <a:ea typeface="Arial"/>
-                <a:cs typeface="Arial"/>
-                <a:sym typeface="Arial"/>
-              </a:defRPr>
-            </a:lvl4pPr>
-            <a:lvl5pPr marR="0" lvl="4" algn="l" rtl="0">
-              <a:lnSpc>
-                <a:spcPct val="100000"/>
-              </a:lnSpc>
-              <a:spcBef>
-                <a:spcPts val="0"/>
-              </a:spcBef>
-              <a:spcAft>
-                <a:spcPts val="0"/>
-              </a:spcAft>
-              <a:buClr>
-                <a:srgbClr val="000000"/>
-              </a:buClr>
-              <a:buFont typeface="Arial"/>
-              <a:defRPr sz="1400" b="0" i="0" u="none" strike="noStrike" cap="none">
-                <a:solidFill>
-                  <a:srgbClr val="000000"/>
-                </a:solidFill>
-                <a:latin typeface="Arial"/>
-                <a:ea typeface="Arial"/>
-                <a:cs typeface="Arial"/>
-                <a:sym typeface="Arial"/>
-              </a:defRPr>
-            </a:lvl5pPr>
-            <a:lvl6pPr marR="0" lvl="5" algn="l" rtl="0">
-              <a:lnSpc>
-                <a:spcPct val="100000"/>
-              </a:lnSpc>
-              <a:spcBef>
-                <a:spcPts val="0"/>
-              </a:spcBef>
-              <a:spcAft>
-                <a:spcPts val="0"/>
-              </a:spcAft>
-              <a:buClr>
-                <a:srgbClr val="000000"/>
-              </a:buClr>
-              <a:buFont typeface="Arial"/>
-              <a:defRPr sz="1400" b="0" i="0" u="none" strike="noStrike" cap="none">
-                <a:solidFill>
-                  <a:srgbClr val="000000"/>
-                </a:solidFill>
-                <a:latin typeface="Arial"/>
-                <a:ea typeface="Arial"/>
-                <a:cs typeface="Arial"/>
-                <a:sym typeface="Arial"/>
-              </a:defRPr>
-            </a:lvl6pPr>
-            <a:lvl7pPr marR="0" lvl="6" algn="l" rtl="0">
-              <a:lnSpc>
-                <a:spcPct val="100000"/>
-              </a:lnSpc>
-              <a:spcBef>
-                <a:spcPts val="0"/>
-              </a:spcBef>
-              <a:spcAft>
-                <a:spcPts val="0"/>
-              </a:spcAft>
-              <a:buClr>
-                <a:srgbClr val="000000"/>
-              </a:buClr>
-              <a:buFont typeface="Arial"/>
-              <a:defRPr sz="1400" b="0" i="0" u="none" strike="noStrike" cap="none">
-                <a:solidFill>
-                  <a:srgbClr val="000000"/>
-                </a:solidFill>
-                <a:latin typeface="Arial"/>
-                <a:ea typeface="Arial"/>
-                <a:cs typeface="Arial"/>
-                <a:sym typeface="Arial"/>
-              </a:defRPr>
-            </a:lvl7pPr>
-            <a:lvl8pPr marR="0" lvl="7" algn="l" rtl="0">
-              <a:lnSpc>
-                <a:spcPct val="100000"/>
-              </a:lnSpc>
-              <a:spcBef>
-                <a:spcPts val="0"/>
-              </a:spcBef>
-              <a:spcAft>
-                <a:spcPts val="0"/>
-              </a:spcAft>
-              <a:buClr>
-                <a:srgbClr val="000000"/>
-              </a:buClr>
-              <a:buFont typeface="Arial"/>
-              <a:defRPr sz="1400" b="0" i="0" u="none" strike="noStrike" cap="none">
-                <a:solidFill>
-                  <a:srgbClr val="000000"/>
-                </a:solidFill>
-                <a:latin typeface="Arial"/>
-                <a:ea typeface="Arial"/>
-                <a:cs typeface="Arial"/>
-                <a:sym typeface="Arial"/>
-              </a:defRPr>
-            </a:lvl8pPr>
-            <a:lvl9pPr marR="0" lvl="8" algn="l" rtl="0">
-              <a:lnSpc>
-                <a:spcPct val="100000"/>
-              </a:lnSpc>
-              <a:spcBef>
-                <a:spcPts val="0"/>
-              </a:spcBef>
-              <a:spcAft>
-                <a:spcPts val="0"/>
-              </a:spcAft>
-              <a:buClr>
-                <a:srgbClr val="000000"/>
-              </a:buClr>
-              <a:buFont typeface="Arial"/>
-              <a:defRPr sz="1400" b="0" i="0" u="none" strike="noStrike" cap="none">
-                <a:solidFill>
-                  <a:srgbClr val="000000"/>
-                </a:solidFill>
-                <a:latin typeface="Arial"/>
-                <a:ea typeface="Arial"/>
-                <a:cs typeface="Arial"/>
-                <a:sym typeface="Arial"/>
-              </a:defRPr>
-            </a:lvl9pPr>
-          </a:lstStyle>
-          <a:p>
-            <a:r>
-              <a:rPr lang="en-US" sz="1600" b="1" dirty="0">
-                <a:solidFill>
-                  <a:schemeClr val="dk1"/>
-                </a:solidFill>
-                <a:latin typeface="Abel" panose="02000506030000020004" pitchFamily="2" charset="0"/>
-                <a:ea typeface="Abel"/>
-                <a:cs typeface="Abel"/>
-                <a:sym typeface="Abel"/>
-              </a:rPr>
-              <a:t>FreeBSD Facilities and the Kernel</a:t>
-            </a:r>
-            <a:endParaRPr lang="en-US" sz="1800" b="1" dirty="0">
-              <a:solidFill>
-                <a:schemeClr val="tx1"/>
-              </a:solidFill>
-              <a:latin typeface="Abel" panose="02000506030000020004" pitchFamily="2" charset="0"/>
-            </a:endParaRPr>
           </a:p>
         </p:txBody>
       </p:sp>
@@ -15303,10 +16529,149 @@
       </p:sp>
       <p:sp>
         <p:nvSpPr>
-          <p:cNvPr id="43" name="TextBox 42">
+          <p:cNvPr id="16" name="Rectangle: Rounded Corners 15">
             <a:extLst>
               <a:ext uri="{FF2B5EF4-FFF2-40B4-BE49-F238E27FC236}">
-                <a16:creationId xmlns:a16="http://schemas.microsoft.com/office/drawing/2014/main" id="{51B29022-0DDA-381F-8A90-02C034EAAAEF}"/>
+                <a16:creationId xmlns:a16="http://schemas.microsoft.com/office/drawing/2014/main" id="{C931422E-26EA-4D8B-FF0C-0A1C267D31FE}"/>
+              </a:ext>
+            </a:extLst>
+          </p:cNvPr>
+          <p:cNvSpPr/>
+          <p:nvPr/>
+        </p:nvSpPr>
+        <p:spPr>
+          <a:xfrm>
+            <a:off x="693850" y="771993"/>
+            <a:ext cx="7735525" cy="3695075"/>
+          </a:xfrm>
+          <a:prstGeom prst="roundRect">
+            <a:avLst>
+              <a:gd name="adj" fmla="val 2644"/>
+            </a:avLst>
+          </a:prstGeom>
+        </p:spPr>
+        <p:style>
+          <a:lnRef idx="2">
+            <a:schemeClr val="accent1">
+              <a:shade val="15000"/>
+            </a:schemeClr>
+          </a:lnRef>
+          <a:fillRef idx="1">
+            <a:schemeClr val="accent1"/>
+          </a:fillRef>
+          <a:effectRef idx="0">
+            <a:schemeClr val="accent1"/>
+          </a:effectRef>
+          <a:fontRef idx="minor">
+            <a:schemeClr val="lt1"/>
+          </a:fontRef>
+        </p:style>
+        <p:txBody>
+          <a:bodyPr rtlCol="0" anchor="t"/>
+          <a:lstStyle/>
+          <a:p>
+            <a:pPr marL="0" marR="0" algn="ctr" rtl="0">
+              <a:lnSpc>
+                <a:spcPct val="107000"/>
+              </a:lnSpc>
+              <a:spcBef>
+                <a:spcPts val="0"/>
+              </a:spcBef>
+              <a:spcAft>
+                <a:spcPts val="800"/>
+              </a:spcAft>
+            </a:pPr>
+            <a:endParaRPr lang="ar-EG" sz="1800" b="1" i="0" dirty="0">
+              <a:solidFill>
+                <a:srgbClr val="F3F3F3"/>
+              </a:solidFill>
+              <a:effectLst>
+                <a:outerShdw blurRad="38100" dist="38100" dir="2700000" algn="tl">
+                  <a:srgbClr val="000000">
+                    <a:alpha val="43137"/>
+                  </a:srgbClr>
+                </a:outerShdw>
+              </a:effectLst>
+              <a:latin typeface="ADLaM Display" panose="02010000000000000000" pitchFamily="2" charset="0"/>
+              <a:ea typeface="ADLaM Display" panose="02010000000000000000" pitchFamily="2" charset="0"/>
+              <a:cs typeface="ADLaM Display" panose="02010000000000000000" pitchFamily="2" charset="0"/>
+            </a:endParaRPr>
+          </a:p>
+          <a:p>
+            <a:pPr marL="0" marR="0" algn="ctr" rtl="0">
+              <a:lnSpc>
+                <a:spcPct val="107000"/>
+              </a:lnSpc>
+              <a:spcBef>
+                <a:spcPts val="0"/>
+              </a:spcBef>
+              <a:spcAft>
+                <a:spcPts val="800"/>
+              </a:spcAft>
+            </a:pPr>
+            <a:r>
+              <a:rPr lang="en-US" sz="1800" b="1" i="0" dirty="0">
+                <a:solidFill>
+                  <a:srgbClr val="F3F3F3"/>
+                </a:solidFill>
+                <a:effectLst>
+                  <a:outerShdw blurRad="38100" dist="38100" dir="2700000" algn="tl">
+                    <a:srgbClr val="000000">
+                      <a:alpha val="43137"/>
+                    </a:srgbClr>
+                  </a:outerShdw>
+                </a:effectLst>
+                <a:latin typeface="ADLaM Display" panose="02010000000000000000" pitchFamily="2" charset="0"/>
+                <a:ea typeface="ADLaM Display" panose="02010000000000000000" pitchFamily="2" charset="0"/>
+                <a:cs typeface="ADLaM Display" panose="02010000000000000000" pitchFamily="2" charset="0"/>
+              </a:rPr>
+              <a:t>Provided by the traditional UNIX system, it offers a variety of communication methods like: </a:t>
+            </a:r>
+            <a:r>
+              <a:rPr lang="en-US" sz="1800" b="1" i="0" u="sng" dirty="0">
+                <a:solidFill>
+                  <a:srgbClr val="C00000"/>
+                </a:solidFill>
+                <a:effectLst>
+                  <a:outerShdw blurRad="38100" dist="38100" dir="2700000" algn="tl">
+                    <a:srgbClr val="000000">
+                      <a:alpha val="43137"/>
+                    </a:srgbClr>
+                  </a:outerShdw>
+                </a:effectLst>
+                <a:latin typeface="ADLaM Display" panose="02010000000000000000" pitchFamily="2" charset="0"/>
+                <a:ea typeface="ADLaM Display" panose="02010000000000000000" pitchFamily="2" charset="0"/>
+                <a:cs typeface="ADLaM Display" panose="02010000000000000000" pitchFamily="2" charset="0"/>
+              </a:rPr>
+              <a:t>Inter-process communication, networking, and serial communication</a:t>
+            </a:r>
+            <a:r>
+              <a:rPr lang="en-US" sz="1800" b="1" i="0" dirty="0">
+                <a:solidFill>
+                  <a:srgbClr val="F3F3F3"/>
+                </a:solidFill>
+                <a:effectLst>
+                  <a:outerShdw blurRad="38100" dist="38100" dir="2700000" algn="tl">
+                    <a:srgbClr val="000000">
+                      <a:alpha val="43137"/>
+                    </a:srgbClr>
+                  </a:outerShdw>
+                </a:effectLst>
+                <a:latin typeface="ADLaM Display" panose="02010000000000000000" pitchFamily="2" charset="0"/>
+                <a:ea typeface="ADLaM Display" panose="02010000000000000000" pitchFamily="2" charset="0"/>
+                <a:cs typeface="ADLaM Display" panose="02010000000000000000" pitchFamily="2" charset="0"/>
+              </a:rPr>
+              <a:t>. The specific communication method used depends on the application.</a:t>
+            </a:r>
+          </a:p>
+        </p:txBody>
+      </p:sp>
+      <p:sp>
+        <p:nvSpPr>
+          <p:cNvPr id="22" name="TextBox 21">
+            <a:extLst>
+              <a:ext uri="{FF2B5EF4-FFF2-40B4-BE49-F238E27FC236}">
+                <a16:creationId xmlns:a16="http://schemas.microsoft.com/office/drawing/2014/main" id="{1B0E2D6D-5A23-991F-2F95-2A724E0DD35B}"/>
               </a:ext>
             </a:extLst>
           </p:cNvPr>
@@ -15315,43 +16680,1154 @@
         </p:nvSpPr>
         <p:spPr>
           <a:xfrm>
-            <a:off x="590253" y="1192804"/>
-            <a:ext cx="7946368" cy="415588"/>
-          </a:xfrm>
-          <a:prstGeom prst="roundRect">
-            <a:avLst>
-              <a:gd name="adj" fmla="val 7604"/>
-            </a:avLst>
+            <a:off x="2275612" y="870782"/>
+            <a:ext cx="4572000" cy="400110"/>
+          </a:xfrm>
+          <a:prstGeom prst="rect">
+            <a:avLst/>
           </a:prstGeom>
           <a:noFill/>
-          <a:ln w="38100">
-            <a:noFill/>
-          </a:ln>
-        </p:spPr>
-        <p:txBody>
-          <a:bodyPr wrap="square" rtlCol="0">
+        </p:spPr>
+        <p:txBody>
+          <a:bodyPr wrap="square">
             <a:spAutoFit/>
           </a:bodyPr>
           <a:lstStyle/>
           <a:p>
+            <a:pPr algn="ctr"/>
             <a:r>
-              <a:rPr lang="en-US" sz="2000" b="1" dirty="0">
-                <a:solidFill>
-                  <a:schemeClr val="bg1"/>
-                </a:solidFill>
-                <a:latin typeface="Abel" panose="02000506030000020004" pitchFamily="2" charset="0"/>
+              <a:rPr lang="en-US" sz="2000" b="1" u="sng" dirty="0">
+                <a:solidFill>
+                  <a:srgbClr val="F3F3F3"/>
+                </a:solidFill>
+                <a:effectLst>
+                  <a:outerShdw blurRad="38100" dist="38100" dir="2700000" algn="tl">
+                    <a:srgbClr val="000000">
+                      <a:alpha val="43137"/>
+                    </a:srgbClr>
+                  </a:outerShdw>
+                </a:effectLst>
+                <a:latin typeface="ADLaM Display" panose="02010000000000000000" pitchFamily="2" charset="0"/>
+                <a:ea typeface="ADLaM Display" panose="02010000000000000000" pitchFamily="2" charset="0"/>
+                <a:cs typeface="ADLaM Display" panose="02010000000000000000" pitchFamily="2" charset="0"/>
               </a:rPr>
-              <a:t>3- Communications</a:t>
+              <a:t>Communications</a:t>
             </a:r>
+          </a:p>
+        </p:txBody>
+      </p:sp>
+      <p:sp>
+        <p:nvSpPr>
+          <p:cNvPr id="57" name="Rectangle: Rounded Corners 56">
+            <a:extLst>
+              <a:ext uri="{FF2B5EF4-FFF2-40B4-BE49-F238E27FC236}">
+                <a16:creationId xmlns:a16="http://schemas.microsoft.com/office/drawing/2014/main" id="{03F63E7E-1A38-93C9-1900-D3D0CC479EE6}"/>
+              </a:ext>
+            </a:extLst>
+          </p:cNvPr>
+          <p:cNvSpPr/>
+          <p:nvPr/>
+        </p:nvSpPr>
+        <p:spPr>
+          <a:xfrm>
+            <a:off x="691765" y="3819365"/>
+            <a:ext cx="1859280" cy="642461"/>
+          </a:xfrm>
+          <a:prstGeom prst="roundRect">
+            <a:avLst/>
+          </a:prstGeom>
+          <a:gradFill flip="none" rotWithShape="1">
+            <a:gsLst>
+              <a:gs pos="0">
+                <a:schemeClr val="accent1">
+                  <a:shade val="30000"/>
+                  <a:satMod val="115000"/>
+                </a:schemeClr>
+              </a:gs>
+              <a:gs pos="50000">
+                <a:schemeClr val="accent1">
+                  <a:shade val="67500"/>
+                  <a:satMod val="115000"/>
+                </a:schemeClr>
+              </a:gs>
+              <a:gs pos="100000">
+                <a:schemeClr val="accent1">
+                  <a:shade val="100000"/>
+                  <a:satMod val="115000"/>
+                </a:schemeClr>
+              </a:gs>
+            </a:gsLst>
+            <a:path path="circle">
+              <a:fillToRect t="100000" r="100000"/>
+            </a:path>
+            <a:tileRect l="-100000" b="-100000"/>
+          </a:gradFill>
+        </p:spPr>
+        <p:style>
+          <a:lnRef idx="2">
+            <a:schemeClr val="accent1">
+              <a:shade val="15000"/>
+            </a:schemeClr>
+          </a:lnRef>
+          <a:fillRef idx="1">
+            <a:schemeClr val="accent1"/>
+          </a:fillRef>
+          <a:effectRef idx="0">
+            <a:schemeClr val="accent1"/>
+          </a:effectRef>
+          <a:fontRef idx="minor">
+            <a:schemeClr val="lt1"/>
+          </a:fontRef>
+        </p:style>
+        <p:txBody>
+          <a:bodyPr rtlCol="0" anchor="ctr"/>
+          <a:lstStyle/>
+          <a:p>
+            <a:pPr algn="ctr"/>
+            <a:r>
+              <a:rPr lang="en-US" dirty="0">
+                <a:solidFill>
+                  <a:srgbClr val="F3F3F3"/>
+                </a:solidFill>
+                <a:effectLst>
+                  <a:outerShdw blurRad="38100" dist="38100" dir="2700000" algn="tl">
+                    <a:srgbClr val="000000">
+                      <a:alpha val="43137"/>
+                    </a:srgbClr>
+                  </a:outerShdw>
+                </a:effectLst>
+                <a:latin typeface="ADLaM Display" panose="02010000000000000000" pitchFamily="2" charset="0"/>
+                <a:ea typeface="ADLaM Display" panose="02010000000000000000" pitchFamily="2" charset="0"/>
+                <a:cs typeface="ADLaM Display" panose="02010000000000000000" pitchFamily="2" charset="0"/>
+                <a:hlinkClick r:id="" action="ppaction://hlinkshowjump?jump=previousslide">
+                  <a:extLst>
+                    <a:ext uri="{A12FA001-AC4F-418D-AE19-62706E023703}">
+                      <ahyp:hlinkClr xmlns:ahyp="http://schemas.microsoft.com/office/drawing/2018/hyperlinkcolor" val="tx"/>
+                    </a:ext>
+                  </a:extLst>
+                </a:hlinkClick>
+              </a:rPr>
+              <a:t>Back</a:t>
+            </a:r>
+            <a:endParaRPr lang="en-US" dirty="0">
+              <a:solidFill>
+                <a:srgbClr val="F3F3F3"/>
+              </a:solidFill>
+              <a:effectLst>
+                <a:outerShdw blurRad="38100" dist="38100" dir="2700000" algn="tl">
+                  <a:srgbClr val="000000">
+                    <a:alpha val="43137"/>
+                  </a:srgbClr>
+                </a:outerShdw>
+              </a:effectLst>
+              <a:latin typeface="ADLaM Display" panose="02010000000000000000" pitchFamily="2" charset="0"/>
+              <a:ea typeface="ADLaM Display" panose="02010000000000000000" pitchFamily="2" charset="0"/>
+              <a:cs typeface="ADLaM Display" panose="02010000000000000000" pitchFamily="2" charset="0"/>
+            </a:endParaRPr>
           </a:p>
         </p:txBody>
       </p:sp>
       <p:pic>
         <p:nvPicPr>
-          <p:cNvPr id="44" name="Picture 43">
+          <p:cNvPr id="2050" name="Picture 2">
             <a:extLst>
               <a:ext uri="{FF2B5EF4-FFF2-40B4-BE49-F238E27FC236}">
-                <a16:creationId xmlns:a16="http://schemas.microsoft.com/office/drawing/2014/main" id="{FD77A539-CA69-700C-BB70-D4847E85345B}"/>
+                <a16:creationId xmlns:a16="http://schemas.microsoft.com/office/drawing/2014/main" id="{3F9B9FE5-3650-3466-2506-F30EBA319A9E}"/>
+              </a:ext>
+            </a:extLst>
+          </p:cNvPr>
+          <p:cNvPicPr>
+            <a:picLocks noChangeAspect="1" noChangeArrowheads="1"/>
+          </p:cNvPicPr>
+          <p:nvPr/>
+        </p:nvPicPr>
+        <p:blipFill>
+          <a:blip r:embed="rId6"/>
+          <a:srcRect l="608" r="608"/>
+          <a:stretch/>
+        </p:blipFill>
+        <p:spPr bwMode="auto">
+          <a:xfrm>
+            <a:off x="3654051" y="2578096"/>
+            <a:ext cx="4076178" cy="1637317"/>
+          </a:xfrm>
+          <a:prstGeom prst="roundRect">
+            <a:avLst>
+              <a:gd name="adj" fmla="val 16667"/>
+            </a:avLst>
+          </a:prstGeom>
+          <a:ln>
+            <a:solidFill>
+              <a:schemeClr val="bg1">
+                <a:lumMod val="50000"/>
+              </a:schemeClr>
+            </a:solidFill>
+          </a:ln>
+          <a:effectLst>
+            <a:outerShdw blurRad="76200" dist="38100" dir="7800000" algn="tl" rotWithShape="0">
+              <a:srgbClr val="000000">
+                <a:alpha val="40000"/>
+              </a:srgbClr>
+            </a:outerShdw>
+          </a:effectLst>
+          <a:scene3d>
+            <a:camera prst="orthographicFront"/>
+            <a:lightRig rig="contrasting" dir="t">
+              <a:rot lat="0" lon="0" rev="4200000"/>
+            </a:lightRig>
+          </a:scene3d>
+          <a:sp3d prstMaterial="plastic">
+            <a:bevelT w="381000" h="114300" prst="relaxedInset"/>
+            <a:contourClr>
+              <a:srgbClr val="969696"/>
+            </a:contourClr>
+          </a:sp3d>
+          <a:extLst>
+            <a:ext uri="{909E8E84-426E-40DD-AFC4-6F175D3DCCD1}">
+              <a14:hiddenFill xmlns:a14="http://schemas.microsoft.com/office/drawing/2010/main">
+                <a:solidFill>
+                  <a:srgbClr val="FFFFFF"/>
+                </a:solidFill>
+              </a14:hiddenFill>
+            </a:ext>
+          </a:extLst>
+        </p:spPr>
+      </p:pic>
+    </p:spTree>
+    <p:extLst>
+      <p:ext uri="{BB962C8B-B14F-4D97-AF65-F5344CB8AC3E}">
+        <p14:creationId xmlns:p14="http://schemas.microsoft.com/office/powerpoint/2010/main" val="3747851586"/>
+      </p:ext>
+    </p:extLst>
+  </p:cSld>
+  <p:clrMapOvr>
+    <a:masterClrMapping/>
+  </p:clrMapOvr>
+  <mc:AlternateContent xmlns:mc="http://schemas.openxmlformats.org/markup-compatibility/2006">
+    <mc:Choice xmlns:p159="http://schemas.microsoft.com/office/powerpoint/2015/09/main" Requires="p159">
+      <p:transition xmlns:p14="http://schemas.microsoft.com/office/powerpoint/2010/main" spd="slow" p14:dur="2000">
+        <p159:morph option="byObject"/>
+      </p:transition>
+    </mc:Choice>
+    <mc:Fallback>
+      <p:transition spd="slow">
+        <p:fade/>
+      </p:transition>
+    </mc:Fallback>
+  </mc:AlternateContent>
+</p:sld>
+</file>
+
+<file path=ppt/slides/slide8.xml><?xml version="1.0" encoding="utf-8"?>
+<p:sld xmlns:a="http://schemas.openxmlformats.org/drawingml/2006/main" xmlns:r="http://schemas.openxmlformats.org/officeDocument/2006/relationships" xmlns:p="http://schemas.openxmlformats.org/presentationml/2006/main" show="0">
+  <p:cSld>
+    <p:spTree>
+      <p:nvGrpSpPr>
+        <p:cNvPr id="1" name="Shape 254"/>
+        <p:cNvGrpSpPr/>
+        <p:nvPr/>
+      </p:nvGrpSpPr>
+      <p:grpSpPr>
+        <a:xfrm>
+          <a:off x="0" y="0"/>
+          <a:ext cx="0" cy="0"/>
+          <a:chOff x="0" y="0"/>
+          <a:chExt cx="0" cy="0"/>
+        </a:xfrm>
+      </p:grpSpPr>
+      <p:sp>
+        <p:nvSpPr>
+          <p:cNvPr id="406" name="Google Shape;406;p28"/>
+          <p:cNvSpPr/>
+          <p:nvPr/>
+        </p:nvSpPr>
+        <p:spPr>
+          <a:xfrm>
+            <a:off x="2242407" y="533882"/>
+            <a:ext cx="673800" cy="673800"/>
+          </a:xfrm>
+          <a:prstGeom prst="ellipse">
+            <a:avLst/>
+          </a:prstGeom>
+          <a:noFill/>
+          <a:ln>
+            <a:noFill/>
+          </a:ln>
+          <a:effectLst>
+            <a:outerShdw blurRad="57150" dist="19050" dir="5400000" algn="bl" rotWithShape="0">
+              <a:schemeClr val="accent5">
+                <a:alpha val="50000"/>
+              </a:schemeClr>
+            </a:outerShdw>
+          </a:effectLst>
+        </p:spPr>
+        <p:txBody>
+          <a:bodyPr spcFirstLastPara="1" wrap="square" lIns="91425" tIns="91425" rIns="91425" bIns="91425" anchor="ctr" anchorCtr="0">
+            <a:noAutofit/>
+          </a:bodyPr>
+          <a:lstStyle/>
+          <a:p>
+            <a:pPr marL="0" lvl="0" indent="0" algn="l" rtl="0">
+              <a:spcBef>
+                <a:spcPts val="0"/>
+              </a:spcBef>
+              <a:spcAft>
+                <a:spcPts val="0"/>
+              </a:spcAft>
+              <a:buNone/>
+            </a:pPr>
+            <a:endParaRPr/>
+          </a:p>
+        </p:txBody>
+      </p:sp>
+      <p:sp>
+        <p:nvSpPr>
+          <p:cNvPr id="408" name="Google Shape;408;p28"/>
+          <p:cNvSpPr/>
+          <p:nvPr/>
+        </p:nvSpPr>
+        <p:spPr>
+          <a:xfrm>
+            <a:off x="2242407" y="2956457"/>
+            <a:ext cx="673800" cy="673800"/>
+          </a:xfrm>
+          <a:prstGeom prst="ellipse">
+            <a:avLst/>
+          </a:prstGeom>
+          <a:noFill/>
+          <a:ln>
+            <a:noFill/>
+          </a:ln>
+          <a:effectLst>
+            <a:outerShdw blurRad="57150" dist="19050" dir="5400000" algn="bl" rotWithShape="0">
+              <a:schemeClr val="accent5">
+                <a:alpha val="50000"/>
+              </a:schemeClr>
+            </a:outerShdw>
+          </a:effectLst>
+        </p:spPr>
+        <p:txBody>
+          <a:bodyPr spcFirstLastPara="1" wrap="square" lIns="91425" tIns="91425" rIns="91425" bIns="91425" anchor="ctr" anchorCtr="0">
+            <a:noAutofit/>
+          </a:bodyPr>
+          <a:lstStyle/>
+          <a:p>
+            <a:pPr marL="0" lvl="0" indent="0" algn="l" rtl="0">
+              <a:spcBef>
+                <a:spcPts val="0"/>
+              </a:spcBef>
+              <a:spcAft>
+                <a:spcPts val="0"/>
+              </a:spcAft>
+              <a:buNone/>
+            </a:pPr>
+            <a:endParaRPr/>
+          </a:p>
+        </p:txBody>
+      </p:sp>
+      <p:sp>
+        <p:nvSpPr>
+          <p:cNvPr id="2" name="Google Shape;224;p27">
+            <a:extLst>
+              <a:ext uri="{FF2B5EF4-FFF2-40B4-BE49-F238E27FC236}">
+                <a16:creationId xmlns:a16="http://schemas.microsoft.com/office/drawing/2014/main" id="{13425FA2-D645-323A-611D-132F230E8FC3}"/>
+              </a:ext>
+            </a:extLst>
+          </p:cNvPr>
+          <p:cNvSpPr/>
+          <p:nvPr/>
+        </p:nvSpPr>
+        <p:spPr>
+          <a:xfrm>
+            <a:off x="0" y="-1362"/>
+            <a:ext cx="9144000" cy="392400"/>
+          </a:xfrm>
+          <a:prstGeom prst="rect">
+            <a:avLst/>
+          </a:prstGeom>
+          <a:solidFill>
+            <a:srgbClr val="434343"/>
+          </a:solidFill>
+          <a:ln>
+            <a:noFill/>
+          </a:ln>
+        </p:spPr>
+        <p:txBody>
+          <a:bodyPr spcFirstLastPara="1" wrap="square" lIns="91425" tIns="91425" rIns="91425" bIns="91425" anchor="ctr" anchorCtr="0">
+            <a:noAutofit/>
+          </a:bodyPr>
+          <a:lstStyle/>
+          <a:p>
+            <a:pPr marL="0" lvl="0" indent="0" algn="l" rtl="0">
+              <a:spcBef>
+                <a:spcPts val="0"/>
+              </a:spcBef>
+              <a:spcAft>
+                <a:spcPts val="0"/>
+              </a:spcAft>
+              <a:buNone/>
+            </a:pPr>
+            <a:endParaRPr/>
+          </a:p>
+        </p:txBody>
+      </p:sp>
+      <p:sp>
+        <p:nvSpPr>
+          <p:cNvPr id="4" name="Google Shape;225;p27">
+            <a:extLst>
+              <a:ext uri="{FF2B5EF4-FFF2-40B4-BE49-F238E27FC236}">
+                <a16:creationId xmlns:a16="http://schemas.microsoft.com/office/drawing/2014/main" id="{65267A36-851D-9DAE-FB0E-D2CA0615763D}"/>
+              </a:ext>
+            </a:extLst>
+          </p:cNvPr>
+          <p:cNvSpPr/>
+          <p:nvPr/>
+        </p:nvSpPr>
+        <p:spPr>
+          <a:xfrm>
+            <a:off x="-50" y="-1362"/>
+            <a:ext cx="693900" cy="392400"/>
+          </a:xfrm>
+          <a:prstGeom prst="rect">
+            <a:avLst/>
+          </a:prstGeom>
+          <a:solidFill>
+            <a:schemeClr val="accent6"/>
+          </a:solidFill>
+          <a:ln>
+            <a:noFill/>
+          </a:ln>
+        </p:spPr>
+        <p:txBody>
+          <a:bodyPr spcFirstLastPara="1" wrap="square" lIns="91425" tIns="91425" rIns="91425" bIns="91425" anchor="ctr" anchorCtr="0">
+            <a:noAutofit/>
+          </a:bodyPr>
+          <a:lstStyle/>
+          <a:p>
+            <a:pPr marL="0" lvl="0" indent="0" algn="l" rtl="0">
+              <a:spcBef>
+                <a:spcPts val="0"/>
+              </a:spcBef>
+              <a:spcAft>
+                <a:spcPts val="0"/>
+              </a:spcAft>
+              <a:buNone/>
+            </a:pPr>
+            <a:endParaRPr/>
+          </a:p>
+        </p:txBody>
+      </p:sp>
+      <p:sp>
+        <p:nvSpPr>
+          <p:cNvPr id="6" name="Google Shape;226;p27">
+            <a:extLst>
+              <a:ext uri="{FF2B5EF4-FFF2-40B4-BE49-F238E27FC236}">
+                <a16:creationId xmlns:a16="http://schemas.microsoft.com/office/drawing/2014/main" id="{3285A459-24E2-3B69-2256-EBCB2FAAD3A3}"/>
+              </a:ext>
+            </a:extLst>
+          </p:cNvPr>
+          <p:cNvSpPr/>
+          <p:nvPr/>
+        </p:nvSpPr>
+        <p:spPr>
+          <a:xfrm>
+            <a:off x="693867" y="-1362"/>
+            <a:ext cx="1408200" cy="392400"/>
+          </a:xfrm>
+          <a:prstGeom prst="rect">
+            <a:avLst/>
+          </a:prstGeom>
+          <a:solidFill>
+            <a:schemeClr val="lt1"/>
+          </a:solidFill>
+          <a:ln>
+            <a:noFill/>
+          </a:ln>
+        </p:spPr>
+        <p:txBody>
+          <a:bodyPr spcFirstLastPara="1" wrap="square" lIns="91425" tIns="91425" rIns="91425" bIns="91425" anchor="ctr" anchorCtr="0">
+            <a:noAutofit/>
+          </a:bodyPr>
+          <a:lstStyle/>
+          <a:p>
+            <a:pPr marL="0" lvl="0" indent="0" algn="l" rtl="0">
+              <a:spcBef>
+                <a:spcPts val="0"/>
+              </a:spcBef>
+              <a:spcAft>
+                <a:spcPts val="0"/>
+              </a:spcAft>
+              <a:buNone/>
+            </a:pPr>
+            <a:endParaRPr/>
+          </a:p>
+        </p:txBody>
+      </p:sp>
+      <p:sp>
+        <p:nvSpPr>
+          <p:cNvPr id="29" name="Google Shape;227;p27">
+            <a:extLst>
+              <a:ext uri="{FF2B5EF4-FFF2-40B4-BE49-F238E27FC236}">
+                <a16:creationId xmlns:a16="http://schemas.microsoft.com/office/drawing/2014/main" id="{DDF69776-A0AE-D157-DB61-772764049163}"/>
+              </a:ext>
+            </a:extLst>
+          </p:cNvPr>
+          <p:cNvSpPr/>
+          <p:nvPr/>
+        </p:nvSpPr>
+        <p:spPr>
+          <a:xfrm>
+            <a:off x="2102224" y="-1362"/>
+            <a:ext cx="1408200" cy="392400"/>
+          </a:xfrm>
+          <a:prstGeom prst="rect">
+            <a:avLst/>
+          </a:prstGeom>
+          <a:solidFill>
+            <a:srgbClr val="434343"/>
+          </a:solidFill>
+          <a:ln>
+            <a:noFill/>
+          </a:ln>
+        </p:spPr>
+        <p:txBody>
+          <a:bodyPr spcFirstLastPara="1" wrap="square" lIns="91425" tIns="91425" rIns="91425" bIns="91425" anchor="ctr" anchorCtr="0">
+            <a:noAutofit/>
+          </a:bodyPr>
+          <a:lstStyle/>
+          <a:p>
+            <a:pPr marL="0" lvl="0" indent="0" algn="l" rtl="0">
+              <a:spcBef>
+                <a:spcPts val="0"/>
+              </a:spcBef>
+              <a:spcAft>
+                <a:spcPts val="0"/>
+              </a:spcAft>
+              <a:buNone/>
+            </a:pPr>
+            <a:endParaRPr/>
+          </a:p>
+        </p:txBody>
+      </p:sp>
+      <p:sp>
+        <p:nvSpPr>
+          <p:cNvPr id="30" name="Google Shape;228;p27">
+            <a:extLst>
+              <a:ext uri="{FF2B5EF4-FFF2-40B4-BE49-F238E27FC236}">
+                <a16:creationId xmlns:a16="http://schemas.microsoft.com/office/drawing/2014/main" id="{2F0A9AE5-8457-0A56-3918-879D50257598}"/>
+              </a:ext>
+            </a:extLst>
+          </p:cNvPr>
+          <p:cNvSpPr/>
+          <p:nvPr/>
+        </p:nvSpPr>
+        <p:spPr>
+          <a:xfrm>
+            <a:off x="3510581" y="-1362"/>
+            <a:ext cx="1408200" cy="392400"/>
+          </a:xfrm>
+          <a:prstGeom prst="rect">
+            <a:avLst/>
+          </a:prstGeom>
+          <a:solidFill>
+            <a:srgbClr val="434343"/>
+          </a:solidFill>
+          <a:ln>
+            <a:noFill/>
+          </a:ln>
+        </p:spPr>
+        <p:txBody>
+          <a:bodyPr spcFirstLastPara="1" wrap="square" lIns="91425" tIns="91425" rIns="91425" bIns="91425" anchor="ctr" anchorCtr="0">
+            <a:noAutofit/>
+          </a:bodyPr>
+          <a:lstStyle/>
+          <a:p>
+            <a:pPr marL="0" lvl="0" indent="0" algn="l" rtl="0">
+              <a:spcBef>
+                <a:spcPts val="0"/>
+              </a:spcBef>
+              <a:spcAft>
+                <a:spcPts val="0"/>
+              </a:spcAft>
+              <a:buNone/>
+            </a:pPr>
+            <a:endParaRPr/>
+          </a:p>
+        </p:txBody>
+      </p:sp>
+      <p:sp>
+        <p:nvSpPr>
+          <p:cNvPr id="31" name="Google Shape;229;p27">
+            <a:extLst>
+              <a:ext uri="{FF2B5EF4-FFF2-40B4-BE49-F238E27FC236}">
+                <a16:creationId xmlns:a16="http://schemas.microsoft.com/office/drawing/2014/main" id="{6EC63BBE-018B-75C0-36B0-680AEF1ABBE2}"/>
+              </a:ext>
+            </a:extLst>
+          </p:cNvPr>
+          <p:cNvSpPr/>
+          <p:nvPr/>
+        </p:nvSpPr>
+        <p:spPr>
+          <a:xfrm>
+            <a:off x="4918938" y="-1362"/>
+            <a:ext cx="1408200" cy="392400"/>
+          </a:xfrm>
+          <a:prstGeom prst="rect">
+            <a:avLst/>
+          </a:prstGeom>
+          <a:solidFill>
+            <a:srgbClr val="434343"/>
+          </a:solidFill>
+          <a:ln>
+            <a:noFill/>
+          </a:ln>
+        </p:spPr>
+        <p:txBody>
+          <a:bodyPr spcFirstLastPara="1" wrap="square" lIns="91425" tIns="91425" rIns="91425" bIns="91425" anchor="ctr" anchorCtr="0">
+            <a:noAutofit/>
+          </a:bodyPr>
+          <a:lstStyle/>
+          <a:p>
+            <a:pPr marL="0" lvl="0" indent="0" algn="l" rtl="0">
+              <a:spcBef>
+                <a:spcPts val="0"/>
+              </a:spcBef>
+              <a:spcAft>
+                <a:spcPts val="0"/>
+              </a:spcAft>
+              <a:buNone/>
+            </a:pPr>
+            <a:endParaRPr/>
+          </a:p>
+        </p:txBody>
+      </p:sp>
+      <p:sp>
+        <p:nvSpPr>
+          <p:cNvPr id="32" name="Google Shape;230;p27">
+            <a:extLst>
+              <a:ext uri="{FF2B5EF4-FFF2-40B4-BE49-F238E27FC236}">
+                <a16:creationId xmlns:a16="http://schemas.microsoft.com/office/drawing/2014/main" id="{A8A368E3-5E4D-A421-12E4-4209941CB5EF}"/>
+              </a:ext>
+            </a:extLst>
+          </p:cNvPr>
+          <p:cNvSpPr/>
+          <p:nvPr/>
+        </p:nvSpPr>
+        <p:spPr>
+          <a:xfrm>
+            <a:off x="6327295" y="-1362"/>
+            <a:ext cx="1408200" cy="392400"/>
+          </a:xfrm>
+          <a:prstGeom prst="rect">
+            <a:avLst/>
+          </a:prstGeom>
+          <a:solidFill>
+            <a:srgbClr val="434343"/>
+          </a:solidFill>
+          <a:ln>
+            <a:noFill/>
+          </a:ln>
+        </p:spPr>
+        <p:txBody>
+          <a:bodyPr spcFirstLastPara="1" wrap="square" lIns="91425" tIns="91425" rIns="91425" bIns="91425" anchor="ctr" anchorCtr="0">
+            <a:noAutofit/>
+          </a:bodyPr>
+          <a:lstStyle/>
+          <a:p>
+            <a:pPr marL="0" lvl="0" indent="0" algn="l" rtl="0">
+              <a:spcBef>
+                <a:spcPts val="0"/>
+              </a:spcBef>
+              <a:spcAft>
+                <a:spcPts val="0"/>
+              </a:spcAft>
+              <a:buNone/>
+            </a:pPr>
+            <a:endParaRPr/>
+          </a:p>
+        </p:txBody>
+      </p:sp>
+      <p:sp>
+        <p:nvSpPr>
+          <p:cNvPr id="33" name="Google Shape;231;p27">
+            <a:extLst>
+              <a:ext uri="{FF2B5EF4-FFF2-40B4-BE49-F238E27FC236}">
+                <a16:creationId xmlns:a16="http://schemas.microsoft.com/office/drawing/2014/main" id="{3E5C1270-FD45-45C8-ADDD-E3FDB5D0364A}"/>
+              </a:ext>
+            </a:extLst>
+          </p:cNvPr>
+          <p:cNvSpPr/>
+          <p:nvPr/>
+        </p:nvSpPr>
+        <p:spPr>
+          <a:xfrm>
+            <a:off x="7735644" y="-1362"/>
+            <a:ext cx="1408200" cy="392400"/>
+          </a:xfrm>
+          <a:prstGeom prst="rect">
+            <a:avLst/>
+          </a:prstGeom>
+          <a:solidFill>
+            <a:srgbClr val="434343"/>
+          </a:solidFill>
+          <a:ln>
+            <a:noFill/>
+          </a:ln>
+        </p:spPr>
+        <p:txBody>
+          <a:bodyPr spcFirstLastPara="1" wrap="square" lIns="91425" tIns="91425" rIns="91425" bIns="91425" anchor="ctr" anchorCtr="0">
+            <a:noAutofit/>
+          </a:bodyPr>
+          <a:lstStyle/>
+          <a:p>
+            <a:pPr marL="0" lvl="0" indent="0" algn="l" rtl="0">
+              <a:spcBef>
+                <a:spcPts val="0"/>
+              </a:spcBef>
+              <a:spcAft>
+                <a:spcPts val="0"/>
+              </a:spcAft>
+              <a:buNone/>
+            </a:pPr>
+            <a:endParaRPr/>
+          </a:p>
+        </p:txBody>
+      </p:sp>
+      <p:sp>
+        <p:nvSpPr>
+          <p:cNvPr id="34" name="Google Shape;242;p27">
+            <a:extLst>
+              <a:ext uri="{FF2B5EF4-FFF2-40B4-BE49-F238E27FC236}">
+                <a16:creationId xmlns:a16="http://schemas.microsoft.com/office/drawing/2014/main" id="{7352190B-B8E2-9C10-F380-FB52780B9833}"/>
+              </a:ext>
+            </a:extLst>
+          </p:cNvPr>
+          <p:cNvSpPr txBox="1"/>
+          <p:nvPr/>
+        </p:nvSpPr>
+        <p:spPr>
+          <a:xfrm>
+            <a:off x="959094" y="90250"/>
+            <a:ext cx="1008943" cy="198900"/>
+          </a:xfrm>
+          <a:prstGeom prst="rect">
+            <a:avLst/>
+          </a:prstGeom>
+          <a:noFill/>
+          <a:ln>
+            <a:noFill/>
+          </a:ln>
+        </p:spPr>
+        <p:txBody>
+          <a:bodyPr spcFirstLastPara="1" wrap="square" lIns="91425" tIns="182875" rIns="91425" bIns="0" anchor="ctr" anchorCtr="0">
+            <a:noAutofit/>
+          </a:bodyPr>
+          <a:lstStyle/>
+          <a:p>
+            <a:pPr marL="0" marR="45720" lvl="0" indent="0" algn="ctr" rtl="0">
+              <a:spcBef>
+                <a:spcPts val="0"/>
+              </a:spcBef>
+              <a:spcAft>
+                <a:spcPts val="1600"/>
+              </a:spcAft>
+              <a:buNone/>
+            </a:pPr>
+            <a:r>
+              <a:rPr lang="en-US" sz="1200" dirty="0">
+                <a:solidFill>
+                  <a:schemeClr val="dk1"/>
+                </a:solidFill>
+                <a:latin typeface="Abel"/>
+                <a:ea typeface="Abel"/>
+                <a:cs typeface="Abel"/>
+                <a:sym typeface="Abel"/>
+              </a:rPr>
+              <a:t>Introduction</a:t>
+            </a:r>
+            <a:endParaRPr sz="1200" dirty="0">
+              <a:solidFill>
+                <a:schemeClr val="dk1"/>
+              </a:solidFill>
+              <a:latin typeface="Abel"/>
+              <a:ea typeface="Abel"/>
+              <a:cs typeface="Abel"/>
+              <a:sym typeface="Abel"/>
+            </a:endParaRPr>
+          </a:p>
+        </p:txBody>
+      </p:sp>
+      <p:sp>
+        <p:nvSpPr>
+          <p:cNvPr id="35" name="Google Shape;243;p27">
+            <a:extLst>
+              <a:ext uri="{FF2B5EF4-FFF2-40B4-BE49-F238E27FC236}">
+                <a16:creationId xmlns:a16="http://schemas.microsoft.com/office/drawing/2014/main" id="{436B2C43-3FEA-031D-5A5F-7C8698C2E858}"/>
+              </a:ext>
+            </a:extLst>
+          </p:cNvPr>
+          <p:cNvSpPr txBox="1"/>
+          <p:nvPr/>
+        </p:nvSpPr>
+        <p:spPr>
+          <a:xfrm>
+            <a:off x="2360388" y="73457"/>
+            <a:ext cx="885583" cy="198900"/>
+          </a:xfrm>
+          <a:prstGeom prst="rect">
+            <a:avLst/>
+          </a:prstGeom>
+          <a:noFill/>
+          <a:ln>
+            <a:noFill/>
+          </a:ln>
+        </p:spPr>
+        <p:txBody>
+          <a:bodyPr spcFirstLastPara="1" wrap="square" lIns="91425" tIns="182875" rIns="91425" bIns="0" anchor="ctr" anchorCtr="0">
+            <a:noAutofit/>
+          </a:bodyPr>
+          <a:lstStyle/>
+          <a:p>
+            <a:pPr marL="0" marR="45720" lvl="0" indent="0" algn="ctr" rtl="0">
+              <a:spcBef>
+                <a:spcPts val="0"/>
+              </a:spcBef>
+              <a:spcAft>
+                <a:spcPts val="1600"/>
+              </a:spcAft>
+              <a:buNone/>
+            </a:pPr>
+            <a:r>
+              <a:rPr lang="en-US" sz="1200" dirty="0">
+                <a:solidFill>
+                  <a:schemeClr val="dk1"/>
+                </a:solidFill>
+                <a:latin typeface="Abel"/>
+                <a:ea typeface="Abel"/>
+                <a:cs typeface="Abel"/>
+                <a:sym typeface="Abel"/>
+              </a:rPr>
+              <a:t>Evolution </a:t>
+            </a:r>
+            <a:endParaRPr sz="1200" dirty="0">
+              <a:solidFill>
+                <a:schemeClr val="dk1"/>
+              </a:solidFill>
+              <a:latin typeface="Abel"/>
+              <a:ea typeface="Abel"/>
+              <a:cs typeface="Abel"/>
+              <a:sym typeface="Abel"/>
+            </a:endParaRPr>
+          </a:p>
+        </p:txBody>
+      </p:sp>
+      <p:sp>
+        <p:nvSpPr>
+          <p:cNvPr id="36" name="Google Shape;244;p27">
+            <a:extLst>
+              <a:ext uri="{FF2B5EF4-FFF2-40B4-BE49-F238E27FC236}">
+                <a16:creationId xmlns:a16="http://schemas.microsoft.com/office/drawing/2014/main" id="{71A4813D-4A6B-E143-90E6-FECF3616FE60}"/>
+              </a:ext>
+            </a:extLst>
+          </p:cNvPr>
+          <p:cNvSpPr txBox="1"/>
+          <p:nvPr/>
+        </p:nvSpPr>
+        <p:spPr>
+          <a:xfrm>
+            <a:off x="3768902" y="90250"/>
+            <a:ext cx="891600" cy="198900"/>
+          </a:xfrm>
+          <a:prstGeom prst="rect">
+            <a:avLst/>
+          </a:prstGeom>
+          <a:noFill/>
+          <a:ln>
+            <a:noFill/>
+          </a:ln>
+        </p:spPr>
+        <p:txBody>
+          <a:bodyPr spcFirstLastPara="1" wrap="square" lIns="91425" tIns="182875" rIns="91425" bIns="0" anchor="ctr" anchorCtr="0">
+            <a:noAutofit/>
+          </a:bodyPr>
+          <a:lstStyle/>
+          <a:p>
+            <a:pPr marL="0" marR="45720" lvl="0" indent="0" algn="ctr" rtl="0">
+              <a:spcBef>
+                <a:spcPts val="0"/>
+              </a:spcBef>
+              <a:spcAft>
+                <a:spcPts val="1600"/>
+              </a:spcAft>
+              <a:buNone/>
+            </a:pPr>
+            <a:r>
+              <a:rPr lang="en" sz="1200" dirty="0">
+                <a:solidFill>
+                  <a:schemeClr val="dk1"/>
+                </a:solidFill>
+                <a:latin typeface="Abel"/>
+                <a:ea typeface="Abel"/>
+                <a:cs typeface="Abel"/>
+                <a:sym typeface="Abel"/>
+              </a:rPr>
+              <a:t>Process</a:t>
+            </a:r>
+            <a:endParaRPr sz="1200" dirty="0">
+              <a:solidFill>
+                <a:schemeClr val="dk1"/>
+              </a:solidFill>
+              <a:latin typeface="Abel"/>
+              <a:ea typeface="Abel"/>
+              <a:cs typeface="Abel"/>
+              <a:sym typeface="Abel"/>
+            </a:endParaRPr>
+          </a:p>
+        </p:txBody>
+      </p:sp>
+      <p:sp>
+        <p:nvSpPr>
+          <p:cNvPr id="37" name="Google Shape;247;p27">
+            <a:extLst>
+              <a:ext uri="{FF2B5EF4-FFF2-40B4-BE49-F238E27FC236}">
+                <a16:creationId xmlns:a16="http://schemas.microsoft.com/office/drawing/2014/main" id="{3CD9EEFA-B658-99EC-4761-AB855F5921EA}"/>
+              </a:ext>
+            </a:extLst>
+          </p:cNvPr>
+          <p:cNvSpPr/>
+          <p:nvPr/>
+        </p:nvSpPr>
+        <p:spPr>
+          <a:xfrm>
+            <a:off x="-37" y="-6437"/>
+            <a:ext cx="693900" cy="392400"/>
+          </a:xfrm>
+          <a:prstGeom prst="rect">
+            <a:avLst/>
+          </a:prstGeom>
+          <a:noFill/>
+          <a:ln>
+            <a:noFill/>
+          </a:ln>
+        </p:spPr>
+        <p:txBody>
+          <a:bodyPr spcFirstLastPara="1" wrap="square" lIns="91425" tIns="91425" rIns="91425" bIns="91425" anchor="ctr" anchorCtr="0">
+            <a:noAutofit/>
+          </a:bodyPr>
+          <a:lstStyle/>
+          <a:p>
+            <a:pPr marL="0" lvl="0" indent="0" algn="l" rtl="0">
+              <a:spcBef>
+                <a:spcPts val="0"/>
+              </a:spcBef>
+              <a:spcAft>
+                <a:spcPts val="0"/>
+              </a:spcAft>
+              <a:buNone/>
+            </a:pPr>
+            <a:endParaRPr/>
+          </a:p>
+        </p:txBody>
+      </p:sp>
+      <p:sp>
+        <p:nvSpPr>
+          <p:cNvPr id="38" name="Google Shape;248;p27">
+            <a:extLst>
+              <a:ext uri="{FF2B5EF4-FFF2-40B4-BE49-F238E27FC236}">
+                <a16:creationId xmlns:a16="http://schemas.microsoft.com/office/drawing/2014/main" id="{4AB01BA6-105B-9FA3-6B92-68156603B6AD}"/>
+              </a:ext>
+            </a:extLst>
+          </p:cNvPr>
+          <p:cNvSpPr txBox="1"/>
+          <p:nvPr/>
+        </p:nvSpPr>
+        <p:spPr>
+          <a:xfrm>
+            <a:off x="5149500" y="83398"/>
+            <a:ext cx="947100" cy="198900"/>
+          </a:xfrm>
+          <a:prstGeom prst="rect">
+            <a:avLst/>
+          </a:prstGeom>
+          <a:noFill/>
+          <a:ln>
+            <a:noFill/>
+          </a:ln>
+        </p:spPr>
+        <p:txBody>
+          <a:bodyPr spcFirstLastPara="1" wrap="square" lIns="91425" tIns="182875" rIns="91425" bIns="0" anchor="ctr" anchorCtr="0">
+            <a:noAutofit/>
+          </a:bodyPr>
+          <a:lstStyle/>
+          <a:p>
+            <a:pPr marL="0" marR="45720" lvl="0" indent="0" algn="ctr" rtl="0">
+              <a:spcBef>
+                <a:spcPts val="0"/>
+              </a:spcBef>
+              <a:spcAft>
+                <a:spcPts val="1600"/>
+              </a:spcAft>
+              <a:buNone/>
+            </a:pPr>
+            <a:r>
+              <a:rPr lang="en" sz="1200" dirty="0">
+                <a:solidFill>
+                  <a:schemeClr val="dk1"/>
+                </a:solidFill>
+                <a:latin typeface="Abel"/>
+                <a:ea typeface="Abel"/>
+                <a:cs typeface="Abel"/>
+                <a:sym typeface="Abel"/>
+              </a:rPr>
+              <a:t>Memory</a:t>
+            </a:r>
+            <a:endParaRPr sz="1200" dirty="0">
+              <a:solidFill>
+                <a:schemeClr val="dk1"/>
+              </a:solidFill>
+              <a:latin typeface="Abel"/>
+              <a:ea typeface="Abel"/>
+              <a:cs typeface="Abel"/>
+              <a:sym typeface="Abel"/>
+            </a:endParaRPr>
+          </a:p>
+        </p:txBody>
+      </p:sp>
+      <p:sp>
+        <p:nvSpPr>
+          <p:cNvPr id="39" name="Google Shape;249;p27">
+            <a:extLst>
+              <a:ext uri="{FF2B5EF4-FFF2-40B4-BE49-F238E27FC236}">
+                <a16:creationId xmlns:a16="http://schemas.microsoft.com/office/drawing/2014/main" id="{C8626735-042A-E3CC-9003-4D7103B238BB}"/>
+              </a:ext>
+            </a:extLst>
+          </p:cNvPr>
+          <p:cNvSpPr txBox="1"/>
+          <p:nvPr/>
+        </p:nvSpPr>
+        <p:spPr>
+          <a:xfrm>
+            <a:off x="6537200" y="90250"/>
+            <a:ext cx="988500" cy="198900"/>
+          </a:xfrm>
+          <a:prstGeom prst="rect">
+            <a:avLst/>
+          </a:prstGeom>
+          <a:noFill/>
+          <a:ln>
+            <a:noFill/>
+          </a:ln>
+        </p:spPr>
+        <p:txBody>
+          <a:bodyPr spcFirstLastPara="1" wrap="square" lIns="91425" tIns="182875" rIns="91425" bIns="0" anchor="ctr" anchorCtr="0">
+            <a:noAutofit/>
+          </a:bodyPr>
+          <a:lstStyle/>
+          <a:p>
+            <a:pPr marL="0" marR="45720" lvl="0" indent="0" algn="ctr" rtl="0">
+              <a:spcBef>
+                <a:spcPts val="0"/>
+              </a:spcBef>
+              <a:spcAft>
+                <a:spcPts val="1600"/>
+              </a:spcAft>
+              <a:buNone/>
+            </a:pPr>
+            <a:r>
+              <a:rPr lang="en" sz="1200" dirty="0">
+                <a:solidFill>
+                  <a:schemeClr val="dk1"/>
+                </a:solidFill>
+                <a:latin typeface="Abel"/>
+                <a:ea typeface="Abel"/>
+                <a:cs typeface="Abel"/>
+                <a:sym typeface="Abel"/>
+              </a:rPr>
+              <a:t>Security</a:t>
+            </a:r>
+            <a:endParaRPr sz="1200" dirty="0">
+              <a:solidFill>
+                <a:schemeClr val="dk1"/>
+              </a:solidFill>
+              <a:latin typeface="Abel"/>
+              <a:ea typeface="Abel"/>
+              <a:cs typeface="Abel"/>
+              <a:sym typeface="Abel"/>
+            </a:endParaRPr>
+          </a:p>
+        </p:txBody>
+      </p:sp>
+      <p:sp>
+        <p:nvSpPr>
+          <p:cNvPr id="40" name="Google Shape;250;p27">
+            <a:extLst>
+              <a:ext uri="{FF2B5EF4-FFF2-40B4-BE49-F238E27FC236}">
+                <a16:creationId xmlns:a16="http://schemas.microsoft.com/office/drawing/2014/main" id="{31904107-3871-E62F-F141-4D641B7CFB2A}"/>
+              </a:ext>
+            </a:extLst>
+          </p:cNvPr>
+          <p:cNvSpPr txBox="1"/>
+          <p:nvPr/>
+        </p:nvSpPr>
+        <p:spPr>
+          <a:xfrm>
+            <a:off x="7665011" y="90250"/>
+            <a:ext cx="1337244" cy="192048"/>
+          </a:xfrm>
+          <a:prstGeom prst="rect">
+            <a:avLst/>
+          </a:prstGeom>
+          <a:noFill/>
+          <a:ln>
+            <a:noFill/>
+          </a:ln>
+        </p:spPr>
+        <p:txBody>
+          <a:bodyPr spcFirstLastPara="1" wrap="square" lIns="91425" tIns="182875" rIns="91425" bIns="0" anchor="ctr" anchorCtr="0">
+            <a:noAutofit/>
+          </a:bodyPr>
+          <a:lstStyle/>
+          <a:p>
+            <a:pPr marL="0" marR="45720" lvl="0" indent="0" algn="ctr" rtl="0">
+              <a:spcBef>
+                <a:spcPts val="0"/>
+              </a:spcBef>
+              <a:spcAft>
+                <a:spcPts val="1600"/>
+              </a:spcAft>
+              <a:buNone/>
+            </a:pPr>
+            <a:r>
+              <a:rPr lang="en" sz="1200" dirty="0">
+                <a:solidFill>
+                  <a:schemeClr val="dk1"/>
+                </a:solidFill>
+                <a:latin typeface="Abel"/>
+                <a:ea typeface="Abel"/>
+                <a:cs typeface="Abel"/>
+                <a:sym typeface="Abel"/>
+              </a:rPr>
+              <a:t>Additional Points</a:t>
+            </a:r>
+            <a:endParaRPr sz="1200" dirty="0">
+              <a:solidFill>
+                <a:schemeClr val="dk1"/>
+              </a:solidFill>
+              <a:latin typeface="Abel"/>
+              <a:ea typeface="Abel"/>
+              <a:cs typeface="Abel"/>
+              <a:sym typeface="Abel"/>
+            </a:endParaRPr>
+          </a:p>
+        </p:txBody>
+      </p:sp>
+      <p:pic>
+        <p:nvPicPr>
+          <p:cNvPr id="41" name="Graphic 40" descr="Back with solid fill">
+            <a:hlinkClick r:id="rId3" action="ppaction://hlinksldjump"/>
+            <a:extLst>
+              <a:ext uri="{FF2B5EF4-FFF2-40B4-BE49-F238E27FC236}">
+                <a16:creationId xmlns:a16="http://schemas.microsoft.com/office/drawing/2014/main" id="{199DD413-2826-9F32-9DEC-401B5B386610}"/>
               </a:ext>
             </a:extLst>
           </p:cNvPr>
@@ -15361,15 +17837,475 @@
           <p:nvPr/>
         </p:nvPicPr>
         <p:blipFill>
-          <a:blip r:embed="rId6"/>
+          <a:blip r:embed="rId4">
+            <a:extLst>
+              <a:ext uri="{96DAC541-7B7A-43D3-8B79-37D633B846F1}">
+                <asvg:svgBlip xmlns:asvg="http://schemas.microsoft.com/office/drawing/2016/SVG/main" r:embed="rId5"/>
+              </a:ext>
+            </a:extLst>
+          </a:blip>
           <a:stretch>
             <a:fillRect/>
           </a:stretch>
         </p:blipFill>
         <p:spPr>
           <a:xfrm>
-            <a:off x="6620087" y="1766384"/>
-            <a:ext cx="1842814" cy="1902259"/>
+            <a:off x="141745" y="-23796"/>
+            <a:ext cx="393405" cy="393405"/>
+          </a:xfrm>
+          <a:prstGeom prst="rect">
+            <a:avLst/>
+          </a:prstGeom>
+        </p:spPr>
+      </p:pic>
+      <p:sp>
+        <p:nvSpPr>
+          <p:cNvPr id="42" name="Google Shape;408;p28">
+            <a:extLst>
+              <a:ext uri="{FF2B5EF4-FFF2-40B4-BE49-F238E27FC236}">
+                <a16:creationId xmlns:a16="http://schemas.microsoft.com/office/drawing/2014/main" id="{3A3392E1-E602-B8B2-FB86-27E31AA0652A}"/>
+              </a:ext>
+            </a:extLst>
+          </p:cNvPr>
+          <p:cNvSpPr/>
+          <p:nvPr/>
+        </p:nvSpPr>
+        <p:spPr>
+          <a:xfrm>
+            <a:off x="2242407" y="2956457"/>
+            <a:ext cx="673800" cy="673800"/>
+          </a:xfrm>
+          <a:prstGeom prst="ellipse">
+            <a:avLst/>
+          </a:prstGeom>
+          <a:noFill/>
+          <a:ln>
+            <a:noFill/>
+          </a:ln>
+          <a:effectLst>
+            <a:outerShdw blurRad="57150" dist="19050" dir="5400000" algn="bl" rotWithShape="0">
+              <a:schemeClr val="accent5">
+                <a:alpha val="50000"/>
+              </a:schemeClr>
+            </a:outerShdw>
+          </a:effectLst>
+        </p:spPr>
+        <p:txBody>
+          <a:bodyPr spcFirstLastPara="1" wrap="square" lIns="91425" tIns="91425" rIns="91425" bIns="91425" anchor="ctr" anchorCtr="0">
+            <a:noAutofit/>
+          </a:bodyPr>
+          <a:lstStyle/>
+          <a:p>
+            <a:pPr marL="0" lvl="0" indent="0" algn="l" rtl="0">
+              <a:spcBef>
+                <a:spcPts val="0"/>
+              </a:spcBef>
+              <a:spcAft>
+                <a:spcPts val="0"/>
+              </a:spcAft>
+              <a:buNone/>
+            </a:pPr>
+            <a:endParaRPr/>
+          </a:p>
+        </p:txBody>
+      </p:sp>
+      <p:sp>
+        <p:nvSpPr>
+          <p:cNvPr id="16" name="Rectangle: Rounded Corners 15">
+            <a:extLst>
+              <a:ext uri="{FF2B5EF4-FFF2-40B4-BE49-F238E27FC236}">
+                <a16:creationId xmlns:a16="http://schemas.microsoft.com/office/drawing/2014/main" id="{C931422E-26EA-4D8B-FF0C-0A1C267D31FE}"/>
+              </a:ext>
+            </a:extLst>
+          </p:cNvPr>
+          <p:cNvSpPr/>
+          <p:nvPr/>
+        </p:nvSpPr>
+        <p:spPr>
+          <a:xfrm>
+            <a:off x="693850" y="771993"/>
+            <a:ext cx="7735525" cy="3695075"/>
+          </a:xfrm>
+          <a:prstGeom prst="roundRect">
+            <a:avLst>
+              <a:gd name="adj" fmla="val 2644"/>
+            </a:avLst>
+          </a:prstGeom>
+        </p:spPr>
+        <p:style>
+          <a:lnRef idx="2">
+            <a:schemeClr val="accent1">
+              <a:shade val="15000"/>
+            </a:schemeClr>
+          </a:lnRef>
+          <a:fillRef idx="1">
+            <a:schemeClr val="accent1"/>
+          </a:fillRef>
+          <a:effectRef idx="0">
+            <a:schemeClr val="accent1"/>
+          </a:effectRef>
+          <a:fontRef idx="minor">
+            <a:schemeClr val="lt1"/>
+          </a:fontRef>
+        </p:style>
+        <p:txBody>
+          <a:bodyPr rtlCol="0" anchor="t"/>
+          <a:lstStyle/>
+          <a:p>
+            <a:pPr marL="0" marR="0" algn="ctr" rtl="0">
+              <a:lnSpc>
+                <a:spcPct val="107000"/>
+              </a:lnSpc>
+              <a:spcBef>
+                <a:spcPts val="0"/>
+              </a:spcBef>
+              <a:spcAft>
+                <a:spcPts val="800"/>
+              </a:spcAft>
+            </a:pPr>
+            <a:endParaRPr lang="ar-EG" sz="1800" b="1" i="0" dirty="0">
+              <a:solidFill>
+                <a:srgbClr val="F3F3F3"/>
+              </a:solidFill>
+              <a:effectLst>
+                <a:outerShdw blurRad="38100" dist="38100" dir="2700000" algn="tl">
+                  <a:srgbClr val="000000">
+                    <a:alpha val="43137"/>
+                  </a:srgbClr>
+                </a:outerShdw>
+              </a:effectLst>
+              <a:latin typeface="ADLaM Display" panose="02010000000000000000" pitchFamily="2" charset="0"/>
+              <a:ea typeface="ADLaM Display" panose="02010000000000000000" pitchFamily="2" charset="0"/>
+              <a:cs typeface="ADLaM Display" panose="02010000000000000000" pitchFamily="2" charset="0"/>
+            </a:endParaRPr>
+          </a:p>
+          <a:p>
+            <a:pPr marL="0" marR="0" algn="ctr" rtl="0">
+              <a:lnSpc>
+                <a:spcPct val="107000"/>
+              </a:lnSpc>
+              <a:spcBef>
+                <a:spcPts val="0"/>
+              </a:spcBef>
+              <a:spcAft>
+                <a:spcPts val="800"/>
+              </a:spcAft>
+            </a:pPr>
+            <a:r>
+              <a:rPr lang="en-US" sz="1800" b="1" i="0" dirty="0">
+                <a:solidFill>
+                  <a:srgbClr val="F3F3F3"/>
+                </a:solidFill>
+                <a:effectLst>
+                  <a:outerShdw blurRad="38100" dist="38100" dir="2700000" algn="tl">
+                    <a:srgbClr val="000000">
+                      <a:alpha val="43137"/>
+                    </a:srgbClr>
+                  </a:outerShdw>
+                </a:effectLst>
+                <a:latin typeface="ADLaM Display" panose="02010000000000000000" pitchFamily="2" charset="0"/>
+                <a:ea typeface="ADLaM Display" panose="02010000000000000000" pitchFamily="2" charset="0"/>
+                <a:cs typeface="ADLaM Display" panose="02010000000000000000" pitchFamily="2" charset="0"/>
+              </a:rPr>
+              <a:t>Complex series of events that culminate in the loading and execution of the OS Kernel. It can be broadly divided into three stages: </a:t>
+            </a:r>
+            <a:r>
+              <a:rPr lang="en-US" sz="1800" b="1" i="0" u="sng" dirty="0">
+                <a:solidFill>
+                  <a:srgbClr val="C00000"/>
+                </a:solidFill>
+                <a:effectLst>
+                  <a:outerShdw blurRad="38100" dist="38100" dir="2700000" algn="tl">
+                    <a:srgbClr val="000000">
+                      <a:alpha val="43137"/>
+                    </a:srgbClr>
+                  </a:outerShdw>
+                </a:effectLst>
+                <a:latin typeface="ADLaM Display" panose="02010000000000000000" pitchFamily="2" charset="0"/>
+                <a:ea typeface="ADLaM Display" panose="02010000000000000000" pitchFamily="2" charset="0"/>
+                <a:cs typeface="ADLaM Display" panose="02010000000000000000" pitchFamily="2" charset="0"/>
+              </a:rPr>
+              <a:t>Bootstrapping </a:t>
+            </a:r>
+            <a:r>
+              <a:rPr lang="en-US" sz="1800" b="1" i="0" u="sng" dirty="0">
+                <a:solidFill>
+                  <a:srgbClr val="C00000"/>
+                </a:solidFill>
+                <a:effectLst>
+                  <a:outerShdw blurRad="38100" dist="38100" dir="2700000" algn="tl">
+                    <a:srgbClr val="000000">
+                      <a:alpha val="43137"/>
+                    </a:srgbClr>
+                  </a:outerShdw>
+                </a:effectLst>
+                <a:latin typeface="ADLaM Display" panose="02010000000000000000" pitchFamily="2" charset="0"/>
+                <a:ea typeface="ADLaM Display" panose="02010000000000000000" pitchFamily="2" charset="0"/>
+                <a:cs typeface="ADLaM Display" panose="02010000000000000000" pitchFamily="2" charset="0"/>
+                <a:sym typeface="Wingdings" panose="05000000000000000000" pitchFamily="2" charset="2"/>
+              </a:rPr>
+              <a:t></a:t>
+            </a:r>
+            <a:r>
+              <a:rPr lang="en-US" sz="1800" b="1" i="0" u="sng" dirty="0">
+                <a:solidFill>
+                  <a:srgbClr val="C00000"/>
+                </a:solidFill>
+                <a:effectLst>
+                  <a:outerShdw blurRad="38100" dist="38100" dir="2700000" algn="tl">
+                    <a:srgbClr val="000000">
+                      <a:alpha val="43137"/>
+                    </a:srgbClr>
+                  </a:outerShdw>
+                </a:effectLst>
+                <a:latin typeface="ADLaM Display" panose="02010000000000000000" pitchFamily="2" charset="0"/>
+                <a:ea typeface="ADLaM Display" panose="02010000000000000000" pitchFamily="2" charset="0"/>
+                <a:cs typeface="ADLaM Display" panose="02010000000000000000" pitchFamily="2" charset="0"/>
+              </a:rPr>
+              <a:t> Bootloader </a:t>
+            </a:r>
+            <a:r>
+              <a:rPr lang="en-US" sz="1800" b="1" i="0" u="sng" dirty="0">
+                <a:solidFill>
+                  <a:srgbClr val="C00000"/>
+                </a:solidFill>
+                <a:effectLst>
+                  <a:outerShdw blurRad="38100" dist="38100" dir="2700000" algn="tl">
+                    <a:srgbClr val="000000">
+                      <a:alpha val="43137"/>
+                    </a:srgbClr>
+                  </a:outerShdw>
+                </a:effectLst>
+                <a:latin typeface="ADLaM Display" panose="02010000000000000000" pitchFamily="2" charset="0"/>
+                <a:ea typeface="ADLaM Display" panose="02010000000000000000" pitchFamily="2" charset="0"/>
+                <a:cs typeface="ADLaM Display" panose="02010000000000000000" pitchFamily="2" charset="0"/>
+                <a:sym typeface="Wingdings" panose="05000000000000000000" pitchFamily="2" charset="2"/>
+              </a:rPr>
+              <a:t></a:t>
+            </a:r>
+            <a:r>
+              <a:rPr lang="en-US" sz="1800" b="1" i="0" u="sng" dirty="0">
+                <a:solidFill>
+                  <a:srgbClr val="C00000"/>
+                </a:solidFill>
+                <a:effectLst>
+                  <a:outerShdw blurRad="38100" dist="38100" dir="2700000" algn="tl">
+                    <a:srgbClr val="000000">
+                      <a:alpha val="43137"/>
+                    </a:srgbClr>
+                  </a:outerShdw>
+                </a:effectLst>
+                <a:latin typeface="ADLaM Display" panose="02010000000000000000" pitchFamily="2" charset="0"/>
+                <a:ea typeface="ADLaM Display" panose="02010000000000000000" pitchFamily="2" charset="0"/>
+                <a:cs typeface="ADLaM Display" panose="02010000000000000000" pitchFamily="2" charset="0"/>
+              </a:rPr>
+              <a:t> Kernel Initialization</a:t>
+            </a:r>
+          </a:p>
+        </p:txBody>
+      </p:sp>
+      <p:sp>
+        <p:nvSpPr>
+          <p:cNvPr id="22" name="TextBox 21">
+            <a:extLst>
+              <a:ext uri="{FF2B5EF4-FFF2-40B4-BE49-F238E27FC236}">
+                <a16:creationId xmlns:a16="http://schemas.microsoft.com/office/drawing/2014/main" id="{1B0E2D6D-5A23-991F-2F95-2A724E0DD35B}"/>
+              </a:ext>
+            </a:extLst>
+          </p:cNvPr>
+          <p:cNvSpPr txBox="1"/>
+          <p:nvPr/>
+        </p:nvSpPr>
+        <p:spPr>
+          <a:xfrm>
+            <a:off x="2275612" y="870782"/>
+            <a:ext cx="4572000" cy="707886"/>
+          </a:xfrm>
+          <a:prstGeom prst="rect">
+            <a:avLst/>
+          </a:prstGeom>
+          <a:noFill/>
+        </p:spPr>
+        <p:txBody>
+          <a:bodyPr wrap="square">
+            <a:spAutoFit/>
+          </a:bodyPr>
+          <a:lstStyle/>
+          <a:p>
+            <a:pPr algn="ctr"/>
+            <a:r>
+              <a:rPr lang="en-US" sz="2000" b="1" u="sng" dirty="0">
+                <a:solidFill>
+                  <a:srgbClr val="F3F3F3"/>
+                </a:solidFill>
+                <a:effectLst>
+                  <a:outerShdw blurRad="38100" dist="38100" dir="2700000" algn="tl">
+                    <a:srgbClr val="000000">
+                      <a:alpha val="43137"/>
+                    </a:srgbClr>
+                  </a:outerShdw>
+                </a:effectLst>
+                <a:latin typeface="ADLaM Display" panose="02010000000000000000" pitchFamily="2" charset="0"/>
+                <a:ea typeface="ADLaM Display" panose="02010000000000000000" pitchFamily="2" charset="0"/>
+                <a:cs typeface="ADLaM Display" panose="02010000000000000000" pitchFamily="2" charset="0"/>
+              </a:rPr>
+              <a:t>System Startup</a:t>
+            </a:r>
+          </a:p>
+          <a:p>
+            <a:pPr algn="ctr"/>
+            <a:endParaRPr lang="en-US" sz="2000" b="1" u="sng" dirty="0">
+              <a:solidFill>
+                <a:srgbClr val="F3F3F3"/>
+              </a:solidFill>
+              <a:effectLst>
+                <a:outerShdw blurRad="38100" dist="38100" dir="2700000" algn="tl">
+                  <a:srgbClr val="000000">
+                    <a:alpha val="43137"/>
+                  </a:srgbClr>
+                </a:outerShdw>
+              </a:effectLst>
+              <a:latin typeface="ADLaM Display" panose="02010000000000000000" pitchFamily="2" charset="0"/>
+              <a:ea typeface="ADLaM Display" panose="02010000000000000000" pitchFamily="2" charset="0"/>
+              <a:cs typeface="ADLaM Display" panose="02010000000000000000" pitchFamily="2" charset="0"/>
+            </a:endParaRPr>
+          </a:p>
+        </p:txBody>
+      </p:sp>
+      <p:sp>
+        <p:nvSpPr>
+          <p:cNvPr id="57" name="Rectangle: Rounded Corners 56">
+            <a:extLst>
+              <a:ext uri="{FF2B5EF4-FFF2-40B4-BE49-F238E27FC236}">
+                <a16:creationId xmlns:a16="http://schemas.microsoft.com/office/drawing/2014/main" id="{03F63E7E-1A38-93C9-1900-D3D0CC479EE6}"/>
+              </a:ext>
+            </a:extLst>
+          </p:cNvPr>
+          <p:cNvSpPr/>
+          <p:nvPr/>
+        </p:nvSpPr>
+        <p:spPr>
+          <a:xfrm>
+            <a:off x="691765" y="3819365"/>
+            <a:ext cx="1859280" cy="642461"/>
+          </a:xfrm>
+          <a:prstGeom prst="roundRect">
+            <a:avLst/>
+          </a:prstGeom>
+          <a:gradFill flip="none" rotWithShape="1">
+            <a:gsLst>
+              <a:gs pos="0">
+                <a:schemeClr val="accent1">
+                  <a:shade val="30000"/>
+                  <a:satMod val="115000"/>
+                </a:schemeClr>
+              </a:gs>
+              <a:gs pos="50000">
+                <a:schemeClr val="accent1">
+                  <a:shade val="67500"/>
+                  <a:satMod val="115000"/>
+                </a:schemeClr>
+              </a:gs>
+              <a:gs pos="100000">
+                <a:schemeClr val="accent1">
+                  <a:shade val="100000"/>
+                  <a:satMod val="115000"/>
+                </a:schemeClr>
+              </a:gs>
+            </a:gsLst>
+            <a:path path="circle">
+              <a:fillToRect t="100000" r="100000"/>
+            </a:path>
+            <a:tileRect l="-100000" b="-100000"/>
+          </a:gradFill>
+        </p:spPr>
+        <p:style>
+          <a:lnRef idx="2">
+            <a:schemeClr val="accent1">
+              <a:shade val="15000"/>
+            </a:schemeClr>
+          </a:lnRef>
+          <a:fillRef idx="1">
+            <a:schemeClr val="accent1"/>
+          </a:fillRef>
+          <a:effectRef idx="0">
+            <a:schemeClr val="accent1"/>
+          </a:effectRef>
+          <a:fontRef idx="minor">
+            <a:schemeClr val="lt1"/>
+          </a:fontRef>
+        </p:style>
+        <p:txBody>
+          <a:bodyPr rtlCol="0" anchor="ctr"/>
+          <a:lstStyle/>
+          <a:p>
+            <a:pPr algn="ctr"/>
+            <a:r>
+              <a:rPr lang="en-US" dirty="0">
+                <a:solidFill>
+                  <a:srgbClr val="F3F3F3"/>
+                </a:solidFill>
+                <a:effectLst>
+                  <a:outerShdw blurRad="38100" dist="38100" dir="2700000" algn="tl">
+                    <a:srgbClr val="000000">
+                      <a:alpha val="43137"/>
+                    </a:srgbClr>
+                  </a:outerShdw>
+                </a:effectLst>
+                <a:latin typeface="ADLaM Display" panose="02010000000000000000" pitchFamily="2" charset="0"/>
+                <a:ea typeface="ADLaM Display" panose="02010000000000000000" pitchFamily="2" charset="0"/>
+                <a:cs typeface="ADLaM Display" panose="02010000000000000000" pitchFamily="2" charset="0"/>
+                <a:hlinkClick r:id="" action="ppaction://hlinkshowjump?jump=previousslide">
+                  <a:extLst>
+                    <a:ext uri="{A12FA001-AC4F-418D-AE19-62706E023703}">
+                      <ahyp:hlinkClr xmlns:ahyp="http://schemas.microsoft.com/office/drawing/2018/hyperlinkcolor" val="tx"/>
+                    </a:ext>
+                  </a:extLst>
+                </a:hlinkClick>
+              </a:rPr>
+              <a:t>Back</a:t>
+            </a:r>
+            <a:endParaRPr lang="en-US" dirty="0">
+              <a:solidFill>
+                <a:srgbClr val="F3F3F3"/>
+              </a:solidFill>
+              <a:effectLst>
+                <a:outerShdw blurRad="38100" dist="38100" dir="2700000" algn="tl">
+                  <a:srgbClr val="000000">
+                    <a:alpha val="43137"/>
+                  </a:srgbClr>
+                </a:outerShdw>
+              </a:effectLst>
+              <a:latin typeface="ADLaM Display" panose="02010000000000000000" pitchFamily="2" charset="0"/>
+              <a:ea typeface="ADLaM Display" panose="02010000000000000000" pitchFamily="2" charset="0"/>
+              <a:cs typeface="ADLaM Display" panose="02010000000000000000" pitchFamily="2" charset="0"/>
+            </a:endParaRPr>
+          </a:p>
+        </p:txBody>
+      </p:sp>
+      <p:pic>
+        <p:nvPicPr>
+          <p:cNvPr id="2050" name="Picture 2">
+            <a:extLst>
+              <a:ext uri="{FF2B5EF4-FFF2-40B4-BE49-F238E27FC236}">
+                <a16:creationId xmlns:a16="http://schemas.microsoft.com/office/drawing/2014/main" id="{3F9B9FE5-3650-3466-2506-F30EBA319A9E}"/>
+              </a:ext>
+            </a:extLst>
+          </p:cNvPr>
+          <p:cNvPicPr>
+            <a:picLocks noChangeAspect="1" noChangeArrowheads="1"/>
+          </p:cNvPicPr>
+          <p:nvPr/>
+        </p:nvPicPr>
+        <p:blipFill rotWithShape="1">
+          <a:blip r:embed="rId6"/>
+          <a:srcRect l="494" r="1389"/>
+          <a:stretch/>
+        </p:blipFill>
+        <p:spPr bwMode="auto">
+          <a:xfrm>
+            <a:off x="2735580" y="2476687"/>
+            <a:ext cx="5227320" cy="1464406"/>
           </a:xfrm>
           <a:prstGeom prst="roundRect">
             <a:avLst>
@@ -15398,1822 +18334,21 @@
               <a:srgbClr val="969696"/>
             </a:contourClr>
           </a:sp3d>
+          <a:extLst>
+            <a:ext uri="{909E8E84-426E-40DD-AFC4-6F175D3DCCD1}">
+              <a14:hiddenFill xmlns:a14="http://schemas.microsoft.com/office/drawing/2010/main">
+                <a:solidFill>
+                  <a:srgbClr val="FFFFFF"/>
+                </a:solidFill>
+              </a14:hiddenFill>
+            </a:ext>
+          </a:extLst>
         </p:spPr>
       </p:pic>
-      <p:sp>
-        <p:nvSpPr>
-          <p:cNvPr id="13" name="TextBox 12">
-            <a:extLst>
-              <a:ext uri="{FF2B5EF4-FFF2-40B4-BE49-F238E27FC236}">
-                <a16:creationId xmlns:a16="http://schemas.microsoft.com/office/drawing/2014/main" id="{0348FEF4-5698-60B2-8874-047F1C75BC09}"/>
-              </a:ext>
-            </a:extLst>
-          </p:cNvPr>
-          <p:cNvSpPr txBox="1"/>
-          <p:nvPr/>
-        </p:nvSpPr>
-        <p:spPr>
-          <a:xfrm>
-            <a:off x="603399" y="1966994"/>
-            <a:ext cx="4762601" cy="1561005"/>
-          </a:xfrm>
-          <a:prstGeom prst="rect">
-            <a:avLst/>
-          </a:prstGeom>
-          <a:noFill/>
-        </p:spPr>
-        <p:txBody>
-          <a:bodyPr wrap="square" rtlCol="0">
-            <a:spAutoFit/>
-          </a:bodyPr>
-          <a:lstStyle/>
-          <a:p>
-            <a:pPr marR="0" lvl="0">
-              <a:lnSpc>
-                <a:spcPct val="107000"/>
-              </a:lnSpc>
-              <a:spcBef>
-                <a:spcPts val="0"/>
-              </a:spcBef>
-              <a:spcAft>
-                <a:spcPts val="800"/>
-              </a:spcAft>
-            </a:pPr>
-            <a:r>
-              <a:rPr lang="en-US" sz="1800" dirty="0">
-                <a:effectLst/>
-                <a:latin typeface="Calibri" panose="020F0502020204030204" pitchFamily="34" charset="0"/>
-                <a:ea typeface="Calibri" panose="020F0502020204030204" pitchFamily="34" charset="0"/>
-                <a:cs typeface="Times New Roman" panose="02020603050405020304" pitchFamily="18" charset="0"/>
-              </a:rPr>
-              <a:t>Provided by the traditional UNIX system, it offers a variety of communication methods like: </a:t>
-            </a:r>
-            <a:r>
-              <a:rPr lang="en-US" sz="1800" dirty="0">
-                <a:solidFill>
-                  <a:srgbClr val="EC2A02"/>
-                </a:solidFill>
-                <a:effectLst/>
-                <a:latin typeface="Calibri" panose="020F0502020204030204" pitchFamily="34" charset="0"/>
-                <a:ea typeface="Calibri" panose="020F0502020204030204" pitchFamily="34" charset="0"/>
-                <a:cs typeface="Times New Roman" panose="02020603050405020304" pitchFamily="18" charset="0"/>
-              </a:rPr>
-              <a:t>Inter-process communication, networking, and serial communication. </a:t>
-            </a:r>
-            <a:r>
-              <a:rPr lang="en-US" sz="1800" dirty="0">
-                <a:effectLst/>
-                <a:latin typeface="Calibri" panose="020F0502020204030204" pitchFamily="34" charset="0"/>
-                <a:ea typeface="Calibri" panose="020F0502020204030204" pitchFamily="34" charset="0"/>
-                <a:cs typeface="Times New Roman" panose="02020603050405020304" pitchFamily="18" charset="0"/>
-              </a:rPr>
-              <a:t>The specific communication method used depends on the application.</a:t>
-            </a:r>
-          </a:p>
-        </p:txBody>
-      </p:sp>
     </p:spTree>
     <p:extLst>
       <p:ext uri="{BB962C8B-B14F-4D97-AF65-F5344CB8AC3E}">
-        <p14:creationId xmlns:p14="http://schemas.microsoft.com/office/powerpoint/2010/main" val="3670694857"/>
-      </p:ext>
-    </p:extLst>
-  </p:cSld>
-  <p:clrMapOvr>
-    <a:masterClrMapping/>
-  </p:clrMapOvr>
-  <mc:AlternateContent xmlns:mc="http://schemas.openxmlformats.org/markup-compatibility/2006">
-    <mc:Choice xmlns:p159="http://schemas.microsoft.com/office/powerpoint/2015/09/main" Requires="p159">
-      <p:transition xmlns:p14="http://schemas.microsoft.com/office/powerpoint/2010/main" spd="slow" p14:dur="2000">
-        <p159:morph option="byObject"/>
-      </p:transition>
-    </mc:Choice>
-    <mc:Fallback>
-      <p:transition spd="slow">
-        <p:fade/>
-      </p:transition>
-    </mc:Fallback>
-  </mc:AlternateContent>
-</p:sld>
-</file>
-
-<file path=ppt/slides/slide7.xml><?xml version="1.0" encoding="utf-8"?>
-<p:sld xmlns:a="http://schemas.openxmlformats.org/drawingml/2006/main" xmlns:r="http://schemas.openxmlformats.org/officeDocument/2006/relationships" xmlns:p="http://schemas.openxmlformats.org/presentationml/2006/main">
-  <p:cSld>
-    <p:spTree>
-      <p:nvGrpSpPr>
-        <p:cNvPr id="1" name="Shape 254"/>
-        <p:cNvGrpSpPr/>
-        <p:nvPr/>
-      </p:nvGrpSpPr>
-      <p:grpSpPr>
-        <a:xfrm>
-          <a:off x="0" y="0"/>
-          <a:ext cx="0" cy="0"/>
-          <a:chOff x="0" y="0"/>
-          <a:chExt cx="0" cy="0"/>
-        </a:xfrm>
-      </p:grpSpPr>
-      <p:sp>
-        <p:nvSpPr>
-          <p:cNvPr id="406" name="Google Shape;406;p28"/>
-          <p:cNvSpPr/>
-          <p:nvPr/>
-        </p:nvSpPr>
-        <p:spPr>
-          <a:xfrm>
-            <a:off x="2242407" y="533882"/>
-            <a:ext cx="673800" cy="673800"/>
-          </a:xfrm>
-          <a:prstGeom prst="ellipse">
-            <a:avLst/>
-          </a:prstGeom>
-          <a:noFill/>
-          <a:ln>
-            <a:noFill/>
-          </a:ln>
-          <a:effectLst>
-            <a:outerShdw blurRad="57150" dist="19050" dir="5400000" algn="bl" rotWithShape="0">
-              <a:schemeClr val="accent5">
-                <a:alpha val="50000"/>
-              </a:schemeClr>
-            </a:outerShdw>
-          </a:effectLst>
-        </p:spPr>
-        <p:txBody>
-          <a:bodyPr spcFirstLastPara="1" wrap="square" lIns="91425" tIns="91425" rIns="91425" bIns="91425" anchor="ctr" anchorCtr="0">
-            <a:noAutofit/>
-          </a:bodyPr>
-          <a:lstStyle/>
-          <a:p>
-            <a:pPr marL="0" lvl="0" indent="0" algn="l" rtl="0">
-              <a:spcBef>
-                <a:spcPts val="0"/>
-              </a:spcBef>
-              <a:spcAft>
-                <a:spcPts val="0"/>
-              </a:spcAft>
-              <a:buNone/>
-            </a:pPr>
-            <a:endParaRPr/>
-          </a:p>
-        </p:txBody>
-      </p:sp>
-      <p:sp>
-        <p:nvSpPr>
-          <p:cNvPr id="408" name="Google Shape;408;p28"/>
-          <p:cNvSpPr/>
-          <p:nvPr/>
-        </p:nvSpPr>
-        <p:spPr>
-          <a:xfrm>
-            <a:off x="2242407" y="2956457"/>
-            <a:ext cx="673800" cy="673800"/>
-          </a:xfrm>
-          <a:prstGeom prst="ellipse">
-            <a:avLst/>
-          </a:prstGeom>
-          <a:noFill/>
-          <a:ln>
-            <a:noFill/>
-          </a:ln>
-          <a:effectLst>
-            <a:outerShdw blurRad="57150" dist="19050" dir="5400000" algn="bl" rotWithShape="0">
-              <a:schemeClr val="accent5">
-                <a:alpha val="50000"/>
-              </a:schemeClr>
-            </a:outerShdw>
-          </a:effectLst>
-        </p:spPr>
-        <p:txBody>
-          <a:bodyPr spcFirstLastPara="1" wrap="square" lIns="91425" tIns="91425" rIns="91425" bIns="91425" anchor="ctr" anchorCtr="0">
-            <a:noAutofit/>
-          </a:bodyPr>
-          <a:lstStyle/>
-          <a:p>
-            <a:pPr marL="0" lvl="0" indent="0" algn="l" rtl="0">
-              <a:spcBef>
-                <a:spcPts val="0"/>
-              </a:spcBef>
-              <a:spcAft>
-                <a:spcPts val="0"/>
-              </a:spcAft>
-              <a:buNone/>
-            </a:pPr>
-            <a:endParaRPr/>
-          </a:p>
-        </p:txBody>
-      </p:sp>
-      <p:grpSp>
-        <p:nvGrpSpPr>
-          <p:cNvPr id="3" name="Google Shape;503;p30">
-            <a:extLst>
-              <a:ext uri="{FF2B5EF4-FFF2-40B4-BE49-F238E27FC236}">
-                <a16:creationId xmlns:a16="http://schemas.microsoft.com/office/drawing/2014/main" id="{BB05049E-7C55-A589-B7B6-8269EFA79F41}"/>
-              </a:ext>
-            </a:extLst>
-          </p:cNvPr>
-          <p:cNvGrpSpPr/>
-          <p:nvPr/>
-        </p:nvGrpSpPr>
-        <p:grpSpPr>
-          <a:xfrm>
-            <a:off x="436487" y="588361"/>
-            <a:ext cx="8253900" cy="4016544"/>
-            <a:chOff x="445050" y="393000"/>
-            <a:chExt cx="8253900" cy="3347700"/>
-          </a:xfrm>
-        </p:grpSpPr>
-        <p:sp>
-          <p:nvSpPr>
-            <p:cNvPr id="5" name="Google Shape;504;p30">
-              <a:extLst>
-                <a:ext uri="{FF2B5EF4-FFF2-40B4-BE49-F238E27FC236}">
-                  <a16:creationId xmlns:a16="http://schemas.microsoft.com/office/drawing/2014/main" id="{6AA8D716-E808-286B-C128-14AC99064135}"/>
-                </a:ext>
-              </a:extLst>
-            </p:cNvPr>
-            <p:cNvSpPr/>
-            <p:nvPr/>
-          </p:nvSpPr>
-          <p:spPr>
-            <a:xfrm>
-              <a:off x="445050" y="393000"/>
-              <a:ext cx="8253900" cy="3347700"/>
-            </a:xfrm>
-            <a:prstGeom prst="roundRect">
-              <a:avLst>
-                <a:gd name="adj" fmla="val 8573"/>
-              </a:avLst>
-            </a:prstGeom>
-            <a:solidFill>
-              <a:srgbClr val="F3F3F3"/>
-            </a:solidFill>
-            <a:ln>
-              <a:noFill/>
-            </a:ln>
-            <a:effectLst>
-              <a:outerShdw blurRad="57150" dist="47625" dir="2940000" algn="bl" rotWithShape="0">
-                <a:srgbClr val="963A2A">
-                  <a:alpha val="47000"/>
-                </a:srgbClr>
-              </a:outerShdw>
-            </a:effectLst>
-          </p:spPr>
-          <p:txBody>
-            <a:bodyPr spcFirstLastPara="1" wrap="square" lIns="91425" tIns="91425" rIns="91425" bIns="91425" anchor="ctr" anchorCtr="0">
-              <a:noAutofit/>
-            </a:bodyPr>
-            <a:lstStyle/>
-            <a:p>
-              <a:pPr marL="0" lvl="0" indent="0" algn="l" rtl="0">
-                <a:spcBef>
-                  <a:spcPts val="0"/>
-                </a:spcBef>
-                <a:spcAft>
-                  <a:spcPts val="0"/>
-                </a:spcAft>
-                <a:buNone/>
-              </a:pPr>
-              <a:endParaRPr dirty="0"/>
-            </a:p>
-          </p:txBody>
-        </p:sp>
-        <p:grpSp>
-          <p:nvGrpSpPr>
-            <p:cNvPr id="7" name="Google Shape;505;p30">
-              <a:extLst>
-                <a:ext uri="{FF2B5EF4-FFF2-40B4-BE49-F238E27FC236}">
-                  <a16:creationId xmlns:a16="http://schemas.microsoft.com/office/drawing/2014/main" id="{60579862-4F9C-7C3A-19A3-E374028E154B}"/>
-                </a:ext>
-              </a:extLst>
-            </p:cNvPr>
-            <p:cNvGrpSpPr/>
-            <p:nvPr/>
-          </p:nvGrpSpPr>
-          <p:grpSpPr>
-            <a:xfrm>
-              <a:off x="445050" y="393000"/>
-              <a:ext cx="8253900" cy="392400"/>
-              <a:chOff x="-8550475" y="393000"/>
-              <a:chExt cx="8253900" cy="392400"/>
-            </a:xfrm>
-          </p:grpSpPr>
-          <p:sp>
-            <p:nvSpPr>
-              <p:cNvPr id="8" name="Google Shape;506;p30">
-                <a:extLst>
-                  <a:ext uri="{FF2B5EF4-FFF2-40B4-BE49-F238E27FC236}">
-                    <a16:creationId xmlns:a16="http://schemas.microsoft.com/office/drawing/2014/main" id="{5E167DFE-804B-12FE-CE99-F38C744EA859}"/>
-                  </a:ext>
-                </a:extLst>
-              </p:cNvPr>
-              <p:cNvSpPr/>
-              <p:nvPr/>
-            </p:nvSpPr>
-            <p:spPr>
-              <a:xfrm>
-                <a:off x="-8550475" y="393000"/>
-                <a:ext cx="8253900" cy="392400"/>
-              </a:xfrm>
-              <a:prstGeom prst="round2SameRect">
-                <a:avLst>
-                  <a:gd name="adj1" fmla="val 38309"/>
-                  <a:gd name="adj2" fmla="val 0"/>
-                </a:avLst>
-              </a:prstGeom>
-              <a:solidFill>
-                <a:srgbClr val="434343"/>
-              </a:solidFill>
-              <a:ln>
-                <a:noFill/>
-              </a:ln>
-            </p:spPr>
-            <p:txBody>
-              <a:bodyPr spcFirstLastPara="1" wrap="square" lIns="91425" tIns="91425" rIns="91425" bIns="91425" anchor="ctr" anchorCtr="0">
-                <a:noAutofit/>
-              </a:bodyPr>
-              <a:lstStyle/>
-              <a:p>
-                <a:pPr marL="0" lvl="0" indent="0" algn="l" rtl="0">
-                  <a:spcBef>
-                    <a:spcPts val="0"/>
-                  </a:spcBef>
-                  <a:spcAft>
-                    <a:spcPts val="0"/>
-                  </a:spcAft>
-                  <a:buNone/>
-                </a:pPr>
-                <a:endParaRPr dirty="0"/>
-              </a:p>
-            </p:txBody>
-          </p:sp>
-          <p:sp>
-            <p:nvSpPr>
-              <p:cNvPr id="9" name="Google Shape;507;p30">
-                <a:extLst>
-                  <a:ext uri="{FF2B5EF4-FFF2-40B4-BE49-F238E27FC236}">
-                    <a16:creationId xmlns:a16="http://schemas.microsoft.com/office/drawing/2014/main" id="{FC6D0673-BBCF-E06A-CEA8-C18C09061A2A}"/>
-                  </a:ext>
-                </a:extLst>
-              </p:cNvPr>
-              <p:cNvSpPr/>
-              <p:nvPr/>
-            </p:nvSpPr>
-            <p:spPr>
-              <a:xfrm>
-                <a:off x="-8397500" y="531300"/>
-                <a:ext cx="119100" cy="119100"/>
-              </a:xfrm>
-              <a:prstGeom prst="ellipse">
-                <a:avLst/>
-              </a:prstGeom>
-              <a:solidFill>
-                <a:schemeClr val="lt2"/>
-              </a:solidFill>
-              <a:ln>
-                <a:noFill/>
-              </a:ln>
-            </p:spPr>
-            <p:txBody>
-              <a:bodyPr spcFirstLastPara="1" wrap="square" lIns="91425" tIns="91425" rIns="91425" bIns="91425" anchor="ctr" anchorCtr="0">
-                <a:noAutofit/>
-              </a:bodyPr>
-              <a:lstStyle/>
-              <a:p>
-                <a:pPr marL="0" lvl="0" indent="0" algn="l" rtl="0">
-                  <a:spcBef>
-                    <a:spcPts val="0"/>
-                  </a:spcBef>
-                  <a:spcAft>
-                    <a:spcPts val="0"/>
-                  </a:spcAft>
-                  <a:buNone/>
-                </a:pPr>
-                <a:endParaRPr/>
-              </a:p>
-            </p:txBody>
-          </p:sp>
-          <p:sp>
-            <p:nvSpPr>
-              <p:cNvPr id="10" name="Google Shape;508;p30">
-                <a:extLst>
-                  <a:ext uri="{FF2B5EF4-FFF2-40B4-BE49-F238E27FC236}">
-                    <a16:creationId xmlns:a16="http://schemas.microsoft.com/office/drawing/2014/main" id="{CA2D7C14-61B9-A7A5-80F8-AB7783825E28}"/>
-                  </a:ext>
-                </a:extLst>
-              </p:cNvPr>
-              <p:cNvSpPr/>
-              <p:nvPr/>
-            </p:nvSpPr>
-            <p:spPr>
-              <a:xfrm>
-                <a:off x="-8182900" y="531300"/>
-                <a:ext cx="119100" cy="119100"/>
-              </a:xfrm>
-              <a:prstGeom prst="ellipse">
-                <a:avLst/>
-              </a:prstGeom>
-              <a:solidFill>
-                <a:srgbClr val="FFD966"/>
-              </a:solidFill>
-              <a:ln>
-                <a:noFill/>
-              </a:ln>
-            </p:spPr>
-            <p:txBody>
-              <a:bodyPr spcFirstLastPara="1" wrap="square" lIns="91425" tIns="91425" rIns="91425" bIns="91425" anchor="ctr" anchorCtr="0">
-                <a:noAutofit/>
-              </a:bodyPr>
-              <a:lstStyle/>
-              <a:p>
-                <a:pPr marL="0" lvl="0" indent="0" algn="l" rtl="0">
-                  <a:spcBef>
-                    <a:spcPts val="0"/>
-                  </a:spcBef>
-                  <a:spcAft>
-                    <a:spcPts val="0"/>
-                  </a:spcAft>
-                  <a:buNone/>
-                </a:pPr>
-                <a:endParaRPr/>
-              </a:p>
-            </p:txBody>
-          </p:sp>
-          <p:sp>
-            <p:nvSpPr>
-              <p:cNvPr id="11" name="Google Shape;509;p30">
-                <a:extLst>
-                  <a:ext uri="{FF2B5EF4-FFF2-40B4-BE49-F238E27FC236}">
-                    <a16:creationId xmlns:a16="http://schemas.microsoft.com/office/drawing/2014/main" id="{5A183AAB-1CC0-D25A-D6B6-DFDDA0BB8A08}"/>
-                  </a:ext>
-                </a:extLst>
-              </p:cNvPr>
-              <p:cNvSpPr/>
-              <p:nvPr/>
-            </p:nvSpPr>
-            <p:spPr>
-              <a:xfrm>
-                <a:off x="-7968300" y="531300"/>
-                <a:ext cx="119100" cy="119100"/>
-              </a:xfrm>
-              <a:prstGeom prst="ellipse">
-                <a:avLst/>
-              </a:prstGeom>
-              <a:solidFill>
-                <a:srgbClr val="93C47D"/>
-              </a:solidFill>
-              <a:ln>
-                <a:noFill/>
-              </a:ln>
-            </p:spPr>
-            <p:txBody>
-              <a:bodyPr spcFirstLastPara="1" wrap="square" lIns="91425" tIns="91425" rIns="91425" bIns="91425" anchor="ctr" anchorCtr="0">
-                <a:noAutofit/>
-              </a:bodyPr>
-              <a:lstStyle/>
-              <a:p>
-                <a:pPr marL="0" lvl="0" indent="0" algn="l" rtl="0">
-                  <a:spcBef>
-                    <a:spcPts val="0"/>
-                  </a:spcBef>
-                  <a:spcAft>
-                    <a:spcPts val="0"/>
-                  </a:spcAft>
-                  <a:buNone/>
-                </a:pPr>
-                <a:endParaRPr/>
-              </a:p>
-            </p:txBody>
-          </p:sp>
-        </p:grpSp>
-      </p:grpSp>
-      <p:sp>
-        <p:nvSpPr>
-          <p:cNvPr id="12" name="Title 535">
-            <a:extLst>
-              <a:ext uri="{FF2B5EF4-FFF2-40B4-BE49-F238E27FC236}">
-                <a16:creationId xmlns:a16="http://schemas.microsoft.com/office/drawing/2014/main" id="{426448BC-30FA-5CAF-DBB9-280B95ECB937}"/>
-              </a:ext>
-            </a:extLst>
-          </p:cNvPr>
-          <p:cNvSpPr txBox="1">
-            <a:spLocks/>
-          </p:cNvSpPr>
-          <p:nvPr/>
-        </p:nvSpPr>
-        <p:spPr>
-          <a:xfrm>
-            <a:off x="1194524" y="680318"/>
-            <a:ext cx="3097149" cy="317532"/>
-          </a:xfrm>
-          <a:prstGeom prst="rect">
-            <a:avLst/>
-          </a:prstGeom>
-        </p:spPr>
-        <p:txBody>
-          <a:bodyPr/>
-          <a:lstStyle>
-            <a:defPPr marR="0" lvl="0" algn="l" rtl="0">
-              <a:lnSpc>
-                <a:spcPct val="100000"/>
-              </a:lnSpc>
-              <a:spcBef>
-                <a:spcPts val="0"/>
-              </a:spcBef>
-              <a:spcAft>
-                <a:spcPts val="0"/>
-              </a:spcAft>
-            </a:defPPr>
-            <a:lvl1pPr marR="0" lvl="0" algn="l" rtl="0">
-              <a:lnSpc>
-                <a:spcPct val="100000"/>
-              </a:lnSpc>
-              <a:spcBef>
-                <a:spcPts val="0"/>
-              </a:spcBef>
-              <a:spcAft>
-                <a:spcPts val="0"/>
-              </a:spcAft>
-              <a:buClr>
-                <a:srgbClr val="000000"/>
-              </a:buClr>
-              <a:buFont typeface="Arial"/>
-              <a:defRPr sz="1400" b="0" i="0" u="none" strike="noStrike" cap="none">
-                <a:solidFill>
-                  <a:srgbClr val="000000"/>
-                </a:solidFill>
-                <a:latin typeface="Arial"/>
-                <a:ea typeface="Arial"/>
-                <a:cs typeface="Arial"/>
-                <a:sym typeface="Arial"/>
-              </a:defRPr>
-            </a:lvl1pPr>
-            <a:lvl2pPr marR="0" lvl="1" algn="l" rtl="0">
-              <a:lnSpc>
-                <a:spcPct val="100000"/>
-              </a:lnSpc>
-              <a:spcBef>
-                <a:spcPts val="0"/>
-              </a:spcBef>
-              <a:spcAft>
-                <a:spcPts val="0"/>
-              </a:spcAft>
-              <a:buClr>
-                <a:srgbClr val="000000"/>
-              </a:buClr>
-              <a:buFont typeface="Arial"/>
-              <a:defRPr sz="1400" b="0" i="0" u="none" strike="noStrike" cap="none">
-                <a:solidFill>
-                  <a:srgbClr val="000000"/>
-                </a:solidFill>
-                <a:latin typeface="Arial"/>
-                <a:ea typeface="Arial"/>
-                <a:cs typeface="Arial"/>
-                <a:sym typeface="Arial"/>
-              </a:defRPr>
-            </a:lvl2pPr>
-            <a:lvl3pPr marR="0" lvl="2" algn="l" rtl="0">
-              <a:lnSpc>
-                <a:spcPct val="100000"/>
-              </a:lnSpc>
-              <a:spcBef>
-                <a:spcPts val="0"/>
-              </a:spcBef>
-              <a:spcAft>
-                <a:spcPts val="0"/>
-              </a:spcAft>
-              <a:buClr>
-                <a:srgbClr val="000000"/>
-              </a:buClr>
-              <a:buFont typeface="Arial"/>
-              <a:defRPr sz="1400" b="0" i="0" u="none" strike="noStrike" cap="none">
-                <a:solidFill>
-                  <a:srgbClr val="000000"/>
-                </a:solidFill>
-                <a:latin typeface="Arial"/>
-                <a:ea typeface="Arial"/>
-                <a:cs typeface="Arial"/>
-                <a:sym typeface="Arial"/>
-              </a:defRPr>
-            </a:lvl3pPr>
-            <a:lvl4pPr marR="0" lvl="3" algn="l" rtl="0">
-              <a:lnSpc>
-                <a:spcPct val="100000"/>
-              </a:lnSpc>
-              <a:spcBef>
-                <a:spcPts val="0"/>
-              </a:spcBef>
-              <a:spcAft>
-                <a:spcPts val="0"/>
-              </a:spcAft>
-              <a:buClr>
-                <a:srgbClr val="000000"/>
-              </a:buClr>
-              <a:buFont typeface="Arial"/>
-              <a:defRPr sz="1400" b="0" i="0" u="none" strike="noStrike" cap="none">
-                <a:solidFill>
-                  <a:srgbClr val="000000"/>
-                </a:solidFill>
-                <a:latin typeface="Arial"/>
-                <a:ea typeface="Arial"/>
-                <a:cs typeface="Arial"/>
-                <a:sym typeface="Arial"/>
-              </a:defRPr>
-            </a:lvl4pPr>
-            <a:lvl5pPr marR="0" lvl="4" algn="l" rtl="0">
-              <a:lnSpc>
-                <a:spcPct val="100000"/>
-              </a:lnSpc>
-              <a:spcBef>
-                <a:spcPts val="0"/>
-              </a:spcBef>
-              <a:spcAft>
-                <a:spcPts val="0"/>
-              </a:spcAft>
-              <a:buClr>
-                <a:srgbClr val="000000"/>
-              </a:buClr>
-              <a:buFont typeface="Arial"/>
-              <a:defRPr sz="1400" b="0" i="0" u="none" strike="noStrike" cap="none">
-                <a:solidFill>
-                  <a:srgbClr val="000000"/>
-                </a:solidFill>
-                <a:latin typeface="Arial"/>
-                <a:ea typeface="Arial"/>
-                <a:cs typeface="Arial"/>
-                <a:sym typeface="Arial"/>
-              </a:defRPr>
-            </a:lvl5pPr>
-            <a:lvl6pPr marR="0" lvl="5" algn="l" rtl="0">
-              <a:lnSpc>
-                <a:spcPct val="100000"/>
-              </a:lnSpc>
-              <a:spcBef>
-                <a:spcPts val="0"/>
-              </a:spcBef>
-              <a:spcAft>
-                <a:spcPts val="0"/>
-              </a:spcAft>
-              <a:buClr>
-                <a:srgbClr val="000000"/>
-              </a:buClr>
-              <a:buFont typeface="Arial"/>
-              <a:defRPr sz="1400" b="0" i="0" u="none" strike="noStrike" cap="none">
-                <a:solidFill>
-                  <a:srgbClr val="000000"/>
-                </a:solidFill>
-                <a:latin typeface="Arial"/>
-                <a:ea typeface="Arial"/>
-                <a:cs typeface="Arial"/>
-                <a:sym typeface="Arial"/>
-              </a:defRPr>
-            </a:lvl6pPr>
-            <a:lvl7pPr marR="0" lvl="6" algn="l" rtl="0">
-              <a:lnSpc>
-                <a:spcPct val="100000"/>
-              </a:lnSpc>
-              <a:spcBef>
-                <a:spcPts val="0"/>
-              </a:spcBef>
-              <a:spcAft>
-                <a:spcPts val="0"/>
-              </a:spcAft>
-              <a:buClr>
-                <a:srgbClr val="000000"/>
-              </a:buClr>
-              <a:buFont typeface="Arial"/>
-              <a:defRPr sz="1400" b="0" i="0" u="none" strike="noStrike" cap="none">
-                <a:solidFill>
-                  <a:srgbClr val="000000"/>
-                </a:solidFill>
-                <a:latin typeface="Arial"/>
-                <a:ea typeface="Arial"/>
-                <a:cs typeface="Arial"/>
-                <a:sym typeface="Arial"/>
-              </a:defRPr>
-            </a:lvl7pPr>
-            <a:lvl8pPr marR="0" lvl="7" algn="l" rtl="0">
-              <a:lnSpc>
-                <a:spcPct val="100000"/>
-              </a:lnSpc>
-              <a:spcBef>
-                <a:spcPts val="0"/>
-              </a:spcBef>
-              <a:spcAft>
-                <a:spcPts val="0"/>
-              </a:spcAft>
-              <a:buClr>
-                <a:srgbClr val="000000"/>
-              </a:buClr>
-              <a:buFont typeface="Arial"/>
-              <a:defRPr sz="1400" b="0" i="0" u="none" strike="noStrike" cap="none">
-                <a:solidFill>
-                  <a:srgbClr val="000000"/>
-                </a:solidFill>
-                <a:latin typeface="Arial"/>
-                <a:ea typeface="Arial"/>
-                <a:cs typeface="Arial"/>
-                <a:sym typeface="Arial"/>
-              </a:defRPr>
-            </a:lvl8pPr>
-            <a:lvl9pPr marR="0" lvl="8" algn="l" rtl="0">
-              <a:lnSpc>
-                <a:spcPct val="100000"/>
-              </a:lnSpc>
-              <a:spcBef>
-                <a:spcPts val="0"/>
-              </a:spcBef>
-              <a:spcAft>
-                <a:spcPts val="0"/>
-              </a:spcAft>
-              <a:buClr>
-                <a:srgbClr val="000000"/>
-              </a:buClr>
-              <a:buFont typeface="Arial"/>
-              <a:defRPr sz="1400" b="0" i="0" u="none" strike="noStrike" cap="none">
-                <a:solidFill>
-                  <a:srgbClr val="000000"/>
-                </a:solidFill>
-                <a:latin typeface="Arial"/>
-                <a:ea typeface="Arial"/>
-                <a:cs typeface="Arial"/>
-                <a:sym typeface="Arial"/>
-              </a:defRPr>
-            </a:lvl9pPr>
-          </a:lstStyle>
-          <a:p>
-            <a:r>
-              <a:rPr lang="en-US" sz="1600" b="1" dirty="0">
-                <a:solidFill>
-                  <a:schemeClr val="dk1"/>
-                </a:solidFill>
-                <a:latin typeface="Abel" panose="02000506030000020004" pitchFamily="2" charset="0"/>
-                <a:ea typeface="Abel"/>
-                <a:cs typeface="Abel"/>
-                <a:sym typeface="Abel"/>
-              </a:rPr>
-              <a:t>FreeBSD Facilities and the Kernel</a:t>
-            </a:r>
-            <a:endParaRPr lang="en-US" sz="1800" b="1" dirty="0">
-              <a:solidFill>
-                <a:schemeClr val="tx1"/>
-              </a:solidFill>
-              <a:latin typeface="Abel" panose="02000506030000020004" pitchFamily="2" charset="0"/>
-            </a:endParaRPr>
-          </a:p>
-        </p:txBody>
-      </p:sp>
-      <p:sp>
-        <p:nvSpPr>
-          <p:cNvPr id="2" name="Google Shape;224;p27">
-            <a:extLst>
-              <a:ext uri="{FF2B5EF4-FFF2-40B4-BE49-F238E27FC236}">
-                <a16:creationId xmlns:a16="http://schemas.microsoft.com/office/drawing/2014/main" id="{13425FA2-D645-323A-611D-132F230E8FC3}"/>
-              </a:ext>
-            </a:extLst>
-          </p:cNvPr>
-          <p:cNvSpPr/>
-          <p:nvPr/>
-        </p:nvSpPr>
-        <p:spPr>
-          <a:xfrm>
-            <a:off x="0" y="-1362"/>
-            <a:ext cx="9144000" cy="392400"/>
-          </a:xfrm>
-          <a:prstGeom prst="rect">
-            <a:avLst/>
-          </a:prstGeom>
-          <a:solidFill>
-            <a:srgbClr val="434343"/>
-          </a:solidFill>
-          <a:ln>
-            <a:noFill/>
-          </a:ln>
-        </p:spPr>
-        <p:txBody>
-          <a:bodyPr spcFirstLastPara="1" wrap="square" lIns="91425" tIns="91425" rIns="91425" bIns="91425" anchor="ctr" anchorCtr="0">
-            <a:noAutofit/>
-          </a:bodyPr>
-          <a:lstStyle/>
-          <a:p>
-            <a:pPr marL="0" lvl="0" indent="0" algn="l" rtl="0">
-              <a:spcBef>
-                <a:spcPts val="0"/>
-              </a:spcBef>
-              <a:spcAft>
-                <a:spcPts val="0"/>
-              </a:spcAft>
-              <a:buNone/>
-            </a:pPr>
-            <a:endParaRPr/>
-          </a:p>
-        </p:txBody>
-      </p:sp>
-      <p:sp>
-        <p:nvSpPr>
-          <p:cNvPr id="4" name="Google Shape;225;p27">
-            <a:extLst>
-              <a:ext uri="{FF2B5EF4-FFF2-40B4-BE49-F238E27FC236}">
-                <a16:creationId xmlns:a16="http://schemas.microsoft.com/office/drawing/2014/main" id="{65267A36-851D-9DAE-FB0E-D2CA0615763D}"/>
-              </a:ext>
-            </a:extLst>
-          </p:cNvPr>
-          <p:cNvSpPr/>
-          <p:nvPr/>
-        </p:nvSpPr>
-        <p:spPr>
-          <a:xfrm>
-            <a:off x="-50" y="-1362"/>
-            <a:ext cx="693900" cy="392400"/>
-          </a:xfrm>
-          <a:prstGeom prst="rect">
-            <a:avLst/>
-          </a:prstGeom>
-          <a:solidFill>
-            <a:schemeClr val="accent6"/>
-          </a:solidFill>
-          <a:ln>
-            <a:noFill/>
-          </a:ln>
-        </p:spPr>
-        <p:txBody>
-          <a:bodyPr spcFirstLastPara="1" wrap="square" lIns="91425" tIns="91425" rIns="91425" bIns="91425" anchor="ctr" anchorCtr="0">
-            <a:noAutofit/>
-          </a:bodyPr>
-          <a:lstStyle/>
-          <a:p>
-            <a:pPr marL="0" lvl="0" indent="0" algn="l" rtl="0">
-              <a:spcBef>
-                <a:spcPts val="0"/>
-              </a:spcBef>
-              <a:spcAft>
-                <a:spcPts val="0"/>
-              </a:spcAft>
-              <a:buNone/>
-            </a:pPr>
-            <a:endParaRPr/>
-          </a:p>
-        </p:txBody>
-      </p:sp>
-      <p:sp>
-        <p:nvSpPr>
-          <p:cNvPr id="6" name="Google Shape;226;p27">
-            <a:extLst>
-              <a:ext uri="{FF2B5EF4-FFF2-40B4-BE49-F238E27FC236}">
-                <a16:creationId xmlns:a16="http://schemas.microsoft.com/office/drawing/2014/main" id="{3285A459-24E2-3B69-2256-EBCB2FAAD3A3}"/>
-              </a:ext>
-            </a:extLst>
-          </p:cNvPr>
-          <p:cNvSpPr/>
-          <p:nvPr/>
-        </p:nvSpPr>
-        <p:spPr>
-          <a:xfrm>
-            <a:off x="693867" y="-1362"/>
-            <a:ext cx="1408200" cy="392400"/>
-          </a:xfrm>
-          <a:prstGeom prst="rect">
-            <a:avLst/>
-          </a:prstGeom>
-          <a:solidFill>
-            <a:schemeClr val="lt1"/>
-          </a:solidFill>
-          <a:ln>
-            <a:noFill/>
-          </a:ln>
-        </p:spPr>
-        <p:txBody>
-          <a:bodyPr spcFirstLastPara="1" wrap="square" lIns="91425" tIns="91425" rIns="91425" bIns="91425" anchor="ctr" anchorCtr="0">
-            <a:noAutofit/>
-          </a:bodyPr>
-          <a:lstStyle/>
-          <a:p>
-            <a:pPr marL="0" lvl="0" indent="0" algn="l" rtl="0">
-              <a:spcBef>
-                <a:spcPts val="0"/>
-              </a:spcBef>
-              <a:spcAft>
-                <a:spcPts val="0"/>
-              </a:spcAft>
-              <a:buNone/>
-            </a:pPr>
-            <a:endParaRPr/>
-          </a:p>
-        </p:txBody>
-      </p:sp>
-      <p:sp>
-        <p:nvSpPr>
-          <p:cNvPr id="29" name="Google Shape;227;p27">
-            <a:extLst>
-              <a:ext uri="{FF2B5EF4-FFF2-40B4-BE49-F238E27FC236}">
-                <a16:creationId xmlns:a16="http://schemas.microsoft.com/office/drawing/2014/main" id="{DDF69776-A0AE-D157-DB61-772764049163}"/>
-              </a:ext>
-            </a:extLst>
-          </p:cNvPr>
-          <p:cNvSpPr/>
-          <p:nvPr/>
-        </p:nvSpPr>
-        <p:spPr>
-          <a:xfrm>
-            <a:off x="2102224" y="-1362"/>
-            <a:ext cx="1408200" cy="392400"/>
-          </a:xfrm>
-          <a:prstGeom prst="rect">
-            <a:avLst/>
-          </a:prstGeom>
-          <a:solidFill>
-            <a:srgbClr val="434343"/>
-          </a:solidFill>
-          <a:ln>
-            <a:noFill/>
-          </a:ln>
-        </p:spPr>
-        <p:txBody>
-          <a:bodyPr spcFirstLastPara="1" wrap="square" lIns="91425" tIns="91425" rIns="91425" bIns="91425" anchor="ctr" anchorCtr="0">
-            <a:noAutofit/>
-          </a:bodyPr>
-          <a:lstStyle/>
-          <a:p>
-            <a:pPr marL="0" lvl="0" indent="0" algn="l" rtl="0">
-              <a:spcBef>
-                <a:spcPts val="0"/>
-              </a:spcBef>
-              <a:spcAft>
-                <a:spcPts val="0"/>
-              </a:spcAft>
-              <a:buNone/>
-            </a:pPr>
-            <a:endParaRPr/>
-          </a:p>
-        </p:txBody>
-      </p:sp>
-      <p:sp>
-        <p:nvSpPr>
-          <p:cNvPr id="30" name="Google Shape;228;p27">
-            <a:extLst>
-              <a:ext uri="{FF2B5EF4-FFF2-40B4-BE49-F238E27FC236}">
-                <a16:creationId xmlns:a16="http://schemas.microsoft.com/office/drawing/2014/main" id="{2F0A9AE5-8457-0A56-3918-879D50257598}"/>
-              </a:ext>
-            </a:extLst>
-          </p:cNvPr>
-          <p:cNvSpPr/>
-          <p:nvPr/>
-        </p:nvSpPr>
-        <p:spPr>
-          <a:xfrm>
-            <a:off x="3510581" y="-1362"/>
-            <a:ext cx="1408200" cy="392400"/>
-          </a:xfrm>
-          <a:prstGeom prst="rect">
-            <a:avLst/>
-          </a:prstGeom>
-          <a:solidFill>
-            <a:srgbClr val="434343"/>
-          </a:solidFill>
-          <a:ln>
-            <a:noFill/>
-          </a:ln>
-        </p:spPr>
-        <p:txBody>
-          <a:bodyPr spcFirstLastPara="1" wrap="square" lIns="91425" tIns="91425" rIns="91425" bIns="91425" anchor="ctr" anchorCtr="0">
-            <a:noAutofit/>
-          </a:bodyPr>
-          <a:lstStyle/>
-          <a:p>
-            <a:pPr marL="0" lvl="0" indent="0" algn="l" rtl="0">
-              <a:spcBef>
-                <a:spcPts val="0"/>
-              </a:spcBef>
-              <a:spcAft>
-                <a:spcPts val="0"/>
-              </a:spcAft>
-              <a:buNone/>
-            </a:pPr>
-            <a:endParaRPr/>
-          </a:p>
-        </p:txBody>
-      </p:sp>
-      <p:sp>
-        <p:nvSpPr>
-          <p:cNvPr id="31" name="Google Shape;229;p27">
-            <a:extLst>
-              <a:ext uri="{FF2B5EF4-FFF2-40B4-BE49-F238E27FC236}">
-                <a16:creationId xmlns:a16="http://schemas.microsoft.com/office/drawing/2014/main" id="{6EC63BBE-018B-75C0-36B0-680AEF1ABBE2}"/>
-              </a:ext>
-            </a:extLst>
-          </p:cNvPr>
-          <p:cNvSpPr/>
-          <p:nvPr/>
-        </p:nvSpPr>
-        <p:spPr>
-          <a:xfrm>
-            <a:off x="4918938" y="-1362"/>
-            <a:ext cx="1408200" cy="392400"/>
-          </a:xfrm>
-          <a:prstGeom prst="rect">
-            <a:avLst/>
-          </a:prstGeom>
-          <a:solidFill>
-            <a:srgbClr val="434343"/>
-          </a:solidFill>
-          <a:ln>
-            <a:noFill/>
-          </a:ln>
-        </p:spPr>
-        <p:txBody>
-          <a:bodyPr spcFirstLastPara="1" wrap="square" lIns="91425" tIns="91425" rIns="91425" bIns="91425" anchor="ctr" anchorCtr="0">
-            <a:noAutofit/>
-          </a:bodyPr>
-          <a:lstStyle/>
-          <a:p>
-            <a:pPr marL="0" lvl="0" indent="0" algn="l" rtl="0">
-              <a:spcBef>
-                <a:spcPts val="0"/>
-              </a:spcBef>
-              <a:spcAft>
-                <a:spcPts val="0"/>
-              </a:spcAft>
-              <a:buNone/>
-            </a:pPr>
-            <a:endParaRPr/>
-          </a:p>
-        </p:txBody>
-      </p:sp>
-      <p:sp>
-        <p:nvSpPr>
-          <p:cNvPr id="32" name="Google Shape;230;p27">
-            <a:extLst>
-              <a:ext uri="{FF2B5EF4-FFF2-40B4-BE49-F238E27FC236}">
-                <a16:creationId xmlns:a16="http://schemas.microsoft.com/office/drawing/2014/main" id="{A8A368E3-5E4D-A421-12E4-4209941CB5EF}"/>
-              </a:ext>
-            </a:extLst>
-          </p:cNvPr>
-          <p:cNvSpPr/>
-          <p:nvPr/>
-        </p:nvSpPr>
-        <p:spPr>
-          <a:xfrm>
-            <a:off x="6327295" y="-1362"/>
-            <a:ext cx="1408200" cy="392400"/>
-          </a:xfrm>
-          <a:prstGeom prst="rect">
-            <a:avLst/>
-          </a:prstGeom>
-          <a:solidFill>
-            <a:srgbClr val="434343"/>
-          </a:solidFill>
-          <a:ln>
-            <a:noFill/>
-          </a:ln>
-        </p:spPr>
-        <p:txBody>
-          <a:bodyPr spcFirstLastPara="1" wrap="square" lIns="91425" tIns="91425" rIns="91425" bIns="91425" anchor="ctr" anchorCtr="0">
-            <a:noAutofit/>
-          </a:bodyPr>
-          <a:lstStyle/>
-          <a:p>
-            <a:pPr marL="0" lvl="0" indent="0" algn="l" rtl="0">
-              <a:spcBef>
-                <a:spcPts val="0"/>
-              </a:spcBef>
-              <a:spcAft>
-                <a:spcPts val="0"/>
-              </a:spcAft>
-              <a:buNone/>
-            </a:pPr>
-            <a:endParaRPr/>
-          </a:p>
-        </p:txBody>
-      </p:sp>
-      <p:sp>
-        <p:nvSpPr>
-          <p:cNvPr id="33" name="Google Shape;231;p27">
-            <a:extLst>
-              <a:ext uri="{FF2B5EF4-FFF2-40B4-BE49-F238E27FC236}">
-                <a16:creationId xmlns:a16="http://schemas.microsoft.com/office/drawing/2014/main" id="{3E5C1270-FD45-45C8-ADDD-E3FDB5D0364A}"/>
-              </a:ext>
-            </a:extLst>
-          </p:cNvPr>
-          <p:cNvSpPr/>
-          <p:nvPr/>
-        </p:nvSpPr>
-        <p:spPr>
-          <a:xfrm>
-            <a:off x="7735644" y="-1362"/>
-            <a:ext cx="1408200" cy="392400"/>
-          </a:xfrm>
-          <a:prstGeom prst="rect">
-            <a:avLst/>
-          </a:prstGeom>
-          <a:solidFill>
-            <a:srgbClr val="434343"/>
-          </a:solidFill>
-          <a:ln>
-            <a:noFill/>
-          </a:ln>
-        </p:spPr>
-        <p:txBody>
-          <a:bodyPr spcFirstLastPara="1" wrap="square" lIns="91425" tIns="91425" rIns="91425" bIns="91425" anchor="ctr" anchorCtr="0">
-            <a:noAutofit/>
-          </a:bodyPr>
-          <a:lstStyle/>
-          <a:p>
-            <a:pPr marL="0" lvl="0" indent="0" algn="l" rtl="0">
-              <a:spcBef>
-                <a:spcPts val="0"/>
-              </a:spcBef>
-              <a:spcAft>
-                <a:spcPts val="0"/>
-              </a:spcAft>
-              <a:buNone/>
-            </a:pPr>
-            <a:endParaRPr/>
-          </a:p>
-        </p:txBody>
-      </p:sp>
-      <p:sp>
-        <p:nvSpPr>
-          <p:cNvPr id="34" name="Google Shape;242;p27">
-            <a:extLst>
-              <a:ext uri="{FF2B5EF4-FFF2-40B4-BE49-F238E27FC236}">
-                <a16:creationId xmlns:a16="http://schemas.microsoft.com/office/drawing/2014/main" id="{7352190B-B8E2-9C10-F380-FB52780B9833}"/>
-              </a:ext>
-            </a:extLst>
-          </p:cNvPr>
-          <p:cNvSpPr txBox="1"/>
-          <p:nvPr/>
-        </p:nvSpPr>
-        <p:spPr>
-          <a:xfrm>
-            <a:off x="959094" y="90250"/>
-            <a:ext cx="1008943" cy="198900"/>
-          </a:xfrm>
-          <a:prstGeom prst="rect">
-            <a:avLst/>
-          </a:prstGeom>
-          <a:noFill/>
-          <a:ln>
-            <a:noFill/>
-          </a:ln>
-        </p:spPr>
-        <p:txBody>
-          <a:bodyPr spcFirstLastPara="1" wrap="square" lIns="91425" tIns="182875" rIns="91425" bIns="0" anchor="ctr" anchorCtr="0">
-            <a:noAutofit/>
-          </a:bodyPr>
-          <a:lstStyle/>
-          <a:p>
-            <a:pPr marL="0" marR="45720" lvl="0" indent="0" algn="ctr" rtl="0">
-              <a:spcBef>
-                <a:spcPts val="0"/>
-              </a:spcBef>
-              <a:spcAft>
-                <a:spcPts val="1600"/>
-              </a:spcAft>
-              <a:buNone/>
-            </a:pPr>
-            <a:r>
-              <a:rPr lang="en-US" sz="1200" dirty="0">
-                <a:solidFill>
-                  <a:schemeClr val="dk1"/>
-                </a:solidFill>
-                <a:latin typeface="Abel"/>
-                <a:ea typeface="Abel"/>
-                <a:cs typeface="Abel"/>
-                <a:sym typeface="Abel"/>
-              </a:rPr>
-              <a:t>Introduction</a:t>
-            </a:r>
-            <a:endParaRPr sz="1200" dirty="0">
-              <a:solidFill>
-                <a:schemeClr val="dk1"/>
-              </a:solidFill>
-              <a:latin typeface="Abel"/>
-              <a:ea typeface="Abel"/>
-              <a:cs typeface="Abel"/>
-              <a:sym typeface="Abel"/>
-            </a:endParaRPr>
-          </a:p>
-        </p:txBody>
-      </p:sp>
-      <p:sp>
-        <p:nvSpPr>
-          <p:cNvPr id="35" name="Google Shape;243;p27">
-            <a:extLst>
-              <a:ext uri="{FF2B5EF4-FFF2-40B4-BE49-F238E27FC236}">
-                <a16:creationId xmlns:a16="http://schemas.microsoft.com/office/drawing/2014/main" id="{436B2C43-3FEA-031D-5A5F-7C8698C2E858}"/>
-              </a:ext>
-            </a:extLst>
-          </p:cNvPr>
-          <p:cNvSpPr txBox="1"/>
-          <p:nvPr/>
-        </p:nvSpPr>
-        <p:spPr>
-          <a:xfrm>
-            <a:off x="2360388" y="73457"/>
-            <a:ext cx="885583" cy="198900"/>
-          </a:xfrm>
-          <a:prstGeom prst="rect">
-            <a:avLst/>
-          </a:prstGeom>
-          <a:noFill/>
-          <a:ln>
-            <a:noFill/>
-          </a:ln>
-        </p:spPr>
-        <p:txBody>
-          <a:bodyPr spcFirstLastPara="1" wrap="square" lIns="91425" tIns="182875" rIns="91425" bIns="0" anchor="ctr" anchorCtr="0">
-            <a:noAutofit/>
-          </a:bodyPr>
-          <a:lstStyle/>
-          <a:p>
-            <a:pPr marL="0" marR="45720" lvl="0" indent="0" algn="ctr" rtl="0">
-              <a:spcBef>
-                <a:spcPts val="0"/>
-              </a:spcBef>
-              <a:spcAft>
-                <a:spcPts val="1600"/>
-              </a:spcAft>
-              <a:buNone/>
-            </a:pPr>
-            <a:r>
-              <a:rPr lang="en-US" sz="1200" dirty="0">
-                <a:solidFill>
-                  <a:schemeClr val="dk1"/>
-                </a:solidFill>
-                <a:latin typeface="Abel"/>
-                <a:ea typeface="Abel"/>
-                <a:cs typeface="Abel"/>
-                <a:sym typeface="Abel"/>
-              </a:rPr>
-              <a:t>Evolution </a:t>
-            </a:r>
-            <a:endParaRPr sz="1200" dirty="0">
-              <a:solidFill>
-                <a:schemeClr val="dk1"/>
-              </a:solidFill>
-              <a:latin typeface="Abel"/>
-              <a:ea typeface="Abel"/>
-              <a:cs typeface="Abel"/>
-              <a:sym typeface="Abel"/>
-            </a:endParaRPr>
-          </a:p>
-        </p:txBody>
-      </p:sp>
-      <p:sp>
-        <p:nvSpPr>
-          <p:cNvPr id="36" name="Google Shape;244;p27">
-            <a:extLst>
-              <a:ext uri="{FF2B5EF4-FFF2-40B4-BE49-F238E27FC236}">
-                <a16:creationId xmlns:a16="http://schemas.microsoft.com/office/drawing/2014/main" id="{71A4813D-4A6B-E143-90E6-FECF3616FE60}"/>
-              </a:ext>
-            </a:extLst>
-          </p:cNvPr>
-          <p:cNvSpPr txBox="1"/>
-          <p:nvPr/>
-        </p:nvSpPr>
-        <p:spPr>
-          <a:xfrm>
-            <a:off x="3768902" y="90250"/>
-            <a:ext cx="891600" cy="198900"/>
-          </a:xfrm>
-          <a:prstGeom prst="rect">
-            <a:avLst/>
-          </a:prstGeom>
-          <a:noFill/>
-          <a:ln>
-            <a:noFill/>
-          </a:ln>
-        </p:spPr>
-        <p:txBody>
-          <a:bodyPr spcFirstLastPara="1" wrap="square" lIns="91425" tIns="182875" rIns="91425" bIns="0" anchor="ctr" anchorCtr="0">
-            <a:noAutofit/>
-          </a:bodyPr>
-          <a:lstStyle/>
-          <a:p>
-            <a:pPr marL="0" marR="45720" lvl="0" indent="0" algn="ctr" rtl="0">
-              <a:spcBef>
-                <a:spcPts val="0"/>
-              </a:spcBef>
-              <a:spcAft>
-                <a:spcPts val="1600"/>
-              </a:spcAft>
-              <a:buNone/>
-            </a:pPr>
-            <a:r>
-              <a:rPr lang="en" sz="1200" dirty="0">
-                <a:solidFill>
-                  <a:schemeClr val="dk1"/>
-                </a:solidFill>
-                <a:latin typeface="Abel"/>
-                <a:ea typeface="Abel"/>
-                <a:cs typeface="Abel"/>
-                <a:sym typeface="Abel"/>
-              </a:rPr>
-              <a:t>Process</a:t>
-            </a:r>
-            <a:endParaRPr sz="1200" dirty="0">
-              <a:solidFill>
-                <a:schemeClr val="dk1"/>
-              </a:solidFill>
-              <a:latin typeface="Abel"/>
-              <a:ea typeface="Abel"/>
-              <a:cs typeface="Abel"/>
-              <a:sym typeface="Abel"/>
-            </a:endParaRPr>
-          </a:p>
-        </p:txBody>
-      </p:sp>
-      <p:sp>
-        <p:nvSpPr>
-          <p:cNvPr id="37" name="Google Shape;247;p27">
-            <a:extLst>
-              <a:ext uri="{FF2B5EF4-FFF2-40B4-BE49-F238E27FC236}">
-                <a16:creationId xmlns:a16="http://schemas.microsoft.com/office/drawing/2014/main" id="{3CD9EEFA-B658-99EC-4761-AB855F5921EA}"/>
-              </a:ext>
-            </a:extLst>
-          </p:cNvPr>
-          <p:cNvSpPr/>
-          <p:nvPr/>
-        </p:nvSpPr>
-        <p:spPr>
-          <a:xfrm>
-            <a:off x="-37" y="-6437"/>
-            <a:ext cx="693900" cy="392400"/>
-          </a:xfrm>
-          <a:prstGeom prst="rect">
-            <a:avLst/>
-          </a:prstGeom>
-          <a:noFill/>
-          <a:ln>
-            <a:noFill/>
-          </a:ln>
-        </p:spPr>
-        <p:txBody>
-          <a:bodyPr spcFirstLastPara="1" wrap="square" lIns="91425" tIns="91425" rIns="91425" bIns="91425" anchor="ctr" anchorCtr="0">
-            <a:noAutofit/>
-          </a:bodyPr>
-          <a:lstStyle/>
-          <a:p>
-            <a:pPr marL="0" lvl="0" indent="0" algn="l" rtl="0">
-              <a:spcBef>
-                <a:spcPts val="0"/>
-              </a:spcBef>
-              <a:spcAft>
-                <a:spcPts val="0"/>
-              </a:spcAft>
-              <a:buNone/>
-            </a:pPr>
-            <a:endParaRPr/>
-          </a:p>
-        </p:txBody>
-      </p:sp>
-      <p:sp>
-        <p:nvSpPr>
-          <p:cNvPr id="38" name="Google Shape;248;p27">
-            <a:extLst>
-              <a:ext uri="{FF2B5EF4-FFF2-40B4-BE49-F238E27FC236}">
-                <a16:creationId xmlns:a16="http://schemas.microsoft.com/office/drawing/2014/main" id="{4AB01BA6-105B-9FA3-6B92-68156603B6AD}"/>
-              </a:ext>
-            </a:extLst>
-          </p:cNvPr>
-          <p:cNvSpPr txBox="1"/>
-          <p:nvPr/>
-        </p:nvSpPr>
-        <p:spPr>
-          <a:xfrm>
-            <a:off x="5149500" y="83398"/>
-            <a:ext cx="947100" cy="198900"/>
-          </a:xfrm>
-          <a:prstGeom prst="rect">
-            <a:avLst/>
-          </a:prstGeom>
-          <a:noFill/>
-          <a:ln>
-            <a:noFill/>
-          </a:ln>
-        </p:spPr>
-        <p:txBody>
-          <a:bodyPr spcFirstLastPara="1" wrap="square" lIns="91425" tIns="182875" rIns="91425" bIns="0" anchor="ctr" anchorCtr="0">
-            <a:noAutofit/>
-          </a:bodyPr>
-          <a:lstStyle/>
-          <a:p>
-            <a:pPr marL="0" marR="45720" lvl="0" indent="0" algn="ctr" rtl="0">
-              <a:spcBef>
-                <a:spcPts val="0"/>
-              </a:spcBef>
-              <a:spcAft>
-                <a:spcPts val="1600"/>
-              </a:spcAft>
-              <a:buNone/>
-            </a:pPr>
-            <a:r>
-              <a:rPr lang="en" sz="1200" dirty="0">
-                <a:solidFill>
-                  <a:schemeClr val="dk1"/>
-                </a:solidFill>
-                <a:latin typeface="Abel"/>
-                <a:ea typeface="Abel"/>
-                <a:cs typeface="Abel"/>
-                <a:sym typeface="Abel"/>
-              </a:rPr>
-              <a:t>Memory</a:t>
-            </a:r>
-            <a:endParaRPr sz="1200" dirty="0">
-              <a:solidFill>
-                <a:schemeClr val="dk1"/>
-              </a:solidFill>
-              <a:latin typeface="Abel"/>
-              <a:ea typeface="Abel"/>
-              <a:cs typeface="Abel"/>
-              <a:sym typeface="Abel"/>
-            </a:endParaRPr>
-          </a:p>
-        </p:txBody>
-      </p:sp>
-      <p:sp>
-        <p:nvSpPr>
-          <p:cNvPr id="39" name="Google Shape;249;p27">
-            <a:extLst>
-              <a:ext uri="{FF2B5EF4-FFF2-40B4-BE49-F238E27FC236}">
-                <a16:creationId xmlns:a16="http://schemas.microsoft.com/office/drawing/2014/main" id="{C8626735-042A-E3CC-9003-4D7103B238BB}"/>
-              </a:ext>
-            </a:extLst>
-          </p:cNvPr>
-          <p:cNvSpPr txBox="1"/>
-          <p:nvPr/>
-        </p:nvSpPr>
-        <p:spPr>
-          <a:xfrm>
-            <a:off x="6537200" y="90250"/>
-            <a:ext cx="988500" cy="198900"/>
-          </a:xfrm>
-          <a:prstGeom prst="rect">
-            <a:avLst/>
-          </a:prstGeom>
-          <a:noFill/>
-          <a:ln>
-            <a:noFill/>
-          </a:ln>
-        </p:spPr>
-        <p:txBody>
-          <a:bodyPr spcFirstLastPara="1" wrap="square" lIns="91425" tIns="182875" rIns="91425" bIns="0" anchor="ctr" anchorCtr="0">
-            <a:noAutofit/>
-          </a:bodyPr>
-          <a:lstStyle/>
-          <a:p>
-            <a:pPr marL="0" marR="45720" lvl="0" indent="0" algn="ctr" rtl="0">
-              <a:spcBef>
-                <a:spcPts val="0"/>
-              </a:spcBef>
-              <a:spcAft>
-                <a:spcPts val="1600"/>
-              </a:spcAft>
-              <a:buNone/>
-            </a:pPr>
-            <a:r>
-              <a:rPr lang="en" sz="1200" dirty="0">
-                <a:solidFill>
-                  <a:schemeClr val="dk1"/>
-                </a:solidFill>
-                <a:latin typeface="Abel"/>
-                <a:ea typeface="Abel"/>
-                <a:cs typeface="Abel"/>
-                <a:sym typeface="Abel"/>
-              </a:rPr>
-              <a:t>Security</a:t>
-            </a:r>
-            <a:endParaRPr sz="1200" dirty="0">
-              <a:solidFill>
-                <a:schemeClr val="dk1"/>
-              </a:solidFill>
-              <a:latin typeface="Abel"/>
-              <a:ea typeface="Abel"/>
-              <a:cs typeface="Abel"/>
-              <a:sym typeface="Abel"/>
-            </a:endParaRPr>
-          </a:p>
-        </p:txBody>
-      </p:sp>
-      <p:sp>
-        <p:nvSpPr>
-          <p:cNvPr id="40" name="Google Shape;250;p27">
-            <a:extLst>
-              <a:ext uri="{FF2B5EF4-FFF2-40B4-BE49-F238E27FC236}">
-                <a16:creationId xmlns:a16="http://schemas.microsoft.com/office/drawing/2014/main" id="{31904107-3871-E62F-F141-4D641B7CFB2A}"/>
-              </a:ext>
-            </a:extLst>
-          </p:cNvPr>
-          <p:cNvSpPr txBox="1"/>
-          <p:nvPr/>
-        </p:nvSpPr>
-        <p:spPr>
-          <a:xfrm>
-            <a:off x="7665011" y="90250"/>
-            <a:ext cx="1337244" cy="192048"/>
-          </a:xfrm>
-          <a:prstGeom prst="rect">
-            <a:avLst/>
-          </a:prstGeom>
-          <a:noFill/>
-          <a:ln>
-            <a:noFill/>
-          </a:ln>
-        </p:spPr>
-        <p:txBody>
-          <a:bodyPr spcFirstLastPara="1" wrap="square" lIns="91425" tIns="182875" rIns="91425" bIns="0" anchor="ctr" anchorCtr="0">
-            <a:noAutofit/>
-          </a:bodyPr>
-          <a:lstStyle/>
-          <a:p>
-            <a:pPr marL="0" marR="45720" lvl="0" indent="0" algn="ctr" rtl="0">
-              <a:spcBef>
-                <a:spcPts val="0"/>
-              </a:spcBef>
-              <a:spcAft>
-                <a:spcPts val="1600"/>
-              </a:spcAft>
-              <a:buNone/>
-            </a:pPr>
-            <a:r>
-              <a:rPr lang="en" sz="1200" dirty="0">
-                <a:solidFill>
-                  <a:schemeClr val="dk1"/>
-                </a:solidFill>
-                <a:latin typeface="Abel"/>
-                <a:ea typeface="Abel"/>
-                <a:cs typeface="Abel"/>
-                <a:sym typeface="Abel"/>
-              </a:rPr>
-              <a:t>Additional Points</a:t>
-            </a:r>
-            <a:endParaRPr sz="1200" dirty="0">
-              <a:solidFill>
-                <a:schemeClr val="dk1"/>
-              </a:solidFill>
-              <a:latin typeface="Abel"/>
-              <a:ea typeface="Abel"/>
-              <a:cs typeface="Abel"/>
-              <a:sym typeface="Abel"/>
-            </a:endParaRPr>
-          </a:p>
-        </p:txBody>
-      </p:sp>
-      <p:pic>
-        <p:nvPicPr>
-          <p:cNvPr id="41" name="Graphic 40" descr="Back with solid fill">
-            <a:hlinkClick r:id="rId3" action="ppaction://hlinksldjump"/>
-            <a:extLst>
-              <a:ext uri="{FF2B5EF4-FFF2-40B4-BE49-F238E27FC236}">
-                <a16:creationId xmlns:a16="http://schemas.microsoft.com/office/drawing/2014/main" id="{199DD413-2826-9F32-9DEC-401B5B386610}"/>
-              </a:ext>
-            </a:extLst>
-          </p:cNvPr>
-          <p:cNvPicPr>
-            <a:picLocks noChangeAspect="1"/>
-          </p:cNvPicPr>
-          <p:nvPr/>
-        </p:nvPicPr>
-        <p:blipFill>
-          <a:blip r:embed="rId4">
-            <a:extLst>
-              <a:ext uri="{96DAC541-7B7A-43D3-8B79-37D633B846F1}">
-                <asvg:svgBlip xmlns:asvg="http://schemas.microsoft.com/office/drawing/2016/SVG/main" r:embed="rId5"/>
-              </a:ext>
-            </a:extLst>
-          </a:blip>
-          <a:stretch>
-            <a:fillRect/>
-          </a:stretch>
-        </p:blipFill>
-        <p:spPr>
-          <a:xfrm>
-            <a:off x="141745" y="-23796"/>
-            <a:ext cx="393405" cy="393405"/>
-          </a:xfrm>
-          <a:prstGeom prst="rect">
-            <a:avLst/>
-          </a:prstGeom>
-        </p:spPr>
-      </p:pic>
-      <p:sp>
-        <p:nvSpPr>
-          <p:cNvPr id="42" name="Google Shape;408;p28">
-            <a:extLst>
-              <a:ext uri="{FF2B5EF4-FFF2-40B4-BE49-F238E27FC236}">
-                <a16:creationId xmlns:a16="http://schemas.microsoft.com/office/drawing/2014/main" id="{3A3392E1-E602-B8B2-FB86-27E31AA0652A}"/>
-              </a:ext>
-            </a:extLst>
-          </p:cNvPr>
-          <p:cNvSpPr/>
-          <p:nvPr/>
-        </p:nvSpPr>
-        <p:spPr>
-          <a:xfrm>
-            <a:off x="2242407" y="2956457"/>
-            <a:ext cx="673800" cy="673800"/>
-          </a:xfrm>
-          <a:prstGeom prst="ellipse">
-            <a:avLst/>
-          </a:prstGeom>
-          <a:noFill/>
-          <a:ln>
-            <a:noFill/>
-          </a:ln>
-          <a:effectLst>
-            <a:outerShdw blurRad="57150" dist="19050" dir="5400000" algn="bl" rotWithShape="0">
-              <a:schemeClr val="accent5">
-                <a:alpha val="50000"/>
-              </a:schemeClr>
-            </a:outerShdw>
-          </a:effectLst>
-        </p:spPr>
-        <p:txBody>
-          <a:bodyPr spcFirstLastPara="1" wrap="square" lIns="91425" tIns="91425" rIns="91425" bIns="91425" anchor="ctr" anchorCtr="0">
-            <a:noAutofit/>
-          </a:bodyPr>
-          <a:lstStyle/>
-          <a:p>
-            <a:pPr marL="0" lvl="0" indent="0" algn="l" rtl="0">
-              <a:spcBef>
-                <a:spcPts val="0"/>
-              </a:spcBef>
-              <a:spcAft>
-                <a:spcPts val="0"/>
-              </a:spcAft>
-              <a:buNone/>
-            </a:pPr>
-            <a:endParaRPr/>
-          </a:p>
-        </p:txBody>
-      </p:sp>
-      <p:sp>
-        <p:nvSpPr>
-          <p:cNvPr id="43" name="TextBox 42">
-            <a:extLst>
-              <a:ext uri="{FF2B5EF4-FFF2-40B4-BE49-F238E27FC236}">
-                <a16:creationId xmlns:a16="http://schemas.microsoft.com/office/drawing/2014/main" id="{51B29022-0DDA-381F-8A90-02C034EAAAEF}"/>
-              </a:ext>
-            </a:extLst>
-          </p:cNvPr>
-          <p:cNvSpPr txBox="1"/>
-          <p:nvPr/>
-        </p:nvSpPr>
-        <p:spPr>
-          <a:xfrm>
-            <a:off x="590253" y="1192804"/>
-            <a:ext cx="7946368" cy="415588"/>
-          </a:xfrm>
-          <a:prstGeom prst="roundRect">
-            <a:avLst>
-              <a:gd name="adj" fmla="val 7604"/>
-            </a:avLst>
-          </a:prstGeom>
-          <a:noFill/>
-          <a:ln w="38100">
-            <a:noFill/>
-          </a:ln>
-        </p:spPr>
-        <p:txBody>
-          <a:bodyPr wrap="square" rtlCol="0">
-            <a:spAutoFit/>
-          </a:bodyPr>
-          <a:lstStyle/>
-          <a:p>
-            <a:r>
-              <a:rPr lang="en-US" sz="2000" b="1" dirty="0">
-                <a:solidFill>
-                  <a:schemeClr val="bg1"/>
-                </a:solidFill>
-                <a:latin typeface="Abel" panose="02000506030000020004" pitchFamily="2" charset="0"/>
-              </a:rPr>
-              <a:t>4- System Startup</a:t>
-            </a:r>
-          </a:p>
-        </p:txBody>
-      </p:sp>
-      <p:pic>
-        <p:nvPicPr>
-          <p:cNvPr id="44" name="Picture 43">
-            <a:extLst>
-              <a:ext uri="{FF2B5EF4-FFF2-40B4-BE49-F238E27FC236}">
-                <a16:creationId xmlns:a16="http://schemas.microsoft.com/office/drawing/2014/main" id="{FD77A539-CA69-700C-BB70-D4847E85345B}"/>
-              </a:ext>
-            </a:extLst>
-          </p:cNvPr>
-          <p:cNvPicPr>
-            <a:picLocks noChangeAspect="1"/>
-          </p:cNvPicPr>
-          <p:nvPr/>
-        </p:nvPicPr>
-        <p:blipFill>
-          <a:blip r:embed="rId6"/>
-          <a:stretch>
-            <a:fillRect/>
-          </a:stretch>
-        </p:blipFill>
-        <p:spPr>
-          <a:xfrm>
-            <a:off x="6620087" y="1766384"/>
-            <a:ext cx="1842814" cy="1902259"/>
-          </a:xfrm>
-          <a:prstGeom prst="roundRect">
-            <a:avLst>
-              <a:gd name="adj" fmla="val 16667"/>
-            </a:avLst>
-          </a:prstGeom>
-          <a:ln>
-            <a:noFill/>
-          </a:ln>
-          <a:effectLst>
-            <a:outerShdw blurRad="76200" dist="38100" dir="7800000" algn="tl" rotWithShape="0">
-              <a:srgbClr val="000000">
-                <a:alpha val="40000"/>
-              </a:srgbClr>
-            </a:outerShdw>
-          </a:effectLst>
-          <a:scene3d>
-            <a:camera prst="orthographicFront"/>
-            <a:lightRig rig="contrasting" dir="t">
-              <a:rot lat="0" lon="0" rev="4200000"/>
-            </a:lightRig>
-          </a:scene3d>
-          <a:sp3d prstMaterial="plastic">
-            <a:bevelT w="381000" h="114300" prst="relaxedInset"/>
-            <a:contourClr>
-              <a:srgbClr val="969696"/>
-            </a:contourClr>
-          </a:sp3d>
-        </p:spPr>
-      </p:pic>
-      <p:sp>
-        <p:nvSpPr>
-          <p:cNvPr id="13" name="TextBox 12">
-            <a:extLst>
-              <a:ext uri="{FF2B5EF4-FFF2-40B4-BE49-F238E27FC236}">
-                <a16:creationId xmlns:a16="http://schemas.microsoft.com/office/drawing/2014/main" id="{0348FEF4-5698-60B2-8874-047F1C75BC09}"/>
-              </a:ext>
-            </a:extLst>
-          </p:cNvPr>
-          <p:cNvSpPr txBox="1"/>
-          <p:nvPr/>
-        </p:nvSpPr>
-        <p:spPr>
-          <a:xfrm>
-            <a:off x="603399" y="1966994"/>
-            <a:ext cx="4762601" cy="1264642"/>
-          </a:xfrm>
-          <a:prstGeom prst="rect">
-            <a:avLst/>
-          </a:prstGeom>
-          <a:noFill/>
-        </p:spPr>
-        <p:txBody>
-          <a:bodyPr wrap="square" rtlCol="0">
-            <a:spAutoFit/>
-          </a:bodyPr>
-          <a:lstStyle/>
-          <a:p>
-            <a:pPr marR="0" lvl="0">
-              <a:lnSpc>
-                <a:spcPct val="107000"/>
-              </a:lnSpc>
-              <a:spcBef>
-                <a:spcPts val="0"/>
-              </a:spcBef>
-              <a:spcAft>
-                <a:spcPts val="800"/>
-              </a:spcAft>
-            </a:pPr>
-            <a:r>
-              <a:rPr lang="en-US" sz="1800" dirty="0">
-                <a:effectLst/>
-                <a:latin typeface="Calibri" panose="020F0502020204030204" pitchFamily="34" charset="0"/>
-                <a:ea typeface="Calibri" panose="020F0502020204030204" pitchFamily="34" charset="0"/>
-                <a:cs typeface="Times New Roman" panose="02020603050405020304" pitchFamily="18" charset="0"/>
-              </a:rPr>
-              <a:t>Complex series of events that culminate in the loading and execution of the OS Kernel. It can be broadly divided into three stages: </a:t>
-            </a:r>
-            <a:r>
-              <a:rPr lang="en-US" sz="1800" dirty="0">
-                <a:solidFill>
-                  <a:srgbClr val="EC2A02"/>
-                </a:solidFill>
-                <a:effectLst/>
-                <a:latin typeface="Calibri" panose="020F0502020204030204" pitchFamily="34" charset="0"/>
-                <a:ea typeface="Calibri" panose="020F0502020204030204" pitchFamily="34" charset="0"/>
-                <a:cs typeface="Times New Roman" panose="02020603050405020304" pitchFamily="18" charset="0"/>
-              </a:rPr>
-              <a:t>Bootstrapping -&gt; Bootloader -&gt; Kernel Initialization</a:t>
-            </a:r>
-          </a:p>
-        </p:txBody>
-      </p:sp>
-    </p:spTree>
-    <p:extLst>
-      <p:ext uri="{BB962C8B-B14F-4D97-AF65-F5344CB8AC3E}">
-        <p14:creationId xmlns:p14="http://schemas.microsoft.com/office/powerpoint/2010/main" val="2390394021"/>
+        <p14:creationId xmlns:p14="http://schemas.microsoft.com/office/powerpoint/2010/main" val="3341895202"/>
       </p:ext>
     </p:extLst>
   </p:cSld>
